--- a/Predicting Control Energy Volumes for Grid Stability.pptx
+++ b/Predicting Control Energy Volumes for Grid Stability.pptx
@@ -4,23 +4,31 @@
   <p:sldMasterIdLst>
     <p:sldMasterId id="2147483816" r:id="rId1"/>
   </p:sldMasterIdLst>
+  <p:notesMasterIdLst>
+    <p:notesMasterId r:id="rId18"/>
+  </p:notesMasterIdLst>
   <p:sldIdLst>
     <p:sldId id="256" r:id="rId2"/>
-    <p:sldId id="262" r:id="rId3"/>
-    <p:sldId id="257" r:id="rId4"/>
-    <p:sldId id="260" r:id="rId5"/>
+    <p:sldId id="257" r:id="rId3"/>
+    <p:sldId id="260" r:id="rId4"/>
+    <p:sldId id="267" r:id="rId5"/>
     <p:sldId id="258" r:id="rId6"/>
     <p:sldId id="259" r:id="rId7"/>
     <p:sldId id="261" r:id="rId8"/>
-    <p:sldId id="263" r:id="rId9"/>
-    <p:sldId id="264" r:id="rId10"/>
-    <p:sldId id="265" r:id="rId11"/>
-    <p:sldId id="266" r:id="rId12"/>
+    <p:sldId id="273" r:id="rId9"/>
+    <p:sldId id="263" r:id="rId10"/>
+    <p:sldId id="272" r:id="rId11"/>
+    <p:sldId id="269" r:id="rId12"/>
+    <p:sldId id="268" r:id="rId13"/>
+    <p:sldId id="264" r:id="rId14"/>
+    <p:sldId id="270" r:id="rId15"/>
+    <p:sldId id="266" r:id="rId16"/>
+    <p:sldId id="271" r:id="rId17"/>
   </p:sldIdLst>
   <p:sldSz cx="12192000" cy="6858000"/>
   <p:notesSz cx="6858000" cy="9144000"/>
   <p:custDataLst>
-    <p:tags r:id="rId13"/>
+    <p:tags r:id="rId19"/>
   </p:custDataLst>
   <p:defaultTextStyle>
     <a:defPPr>
@@ -5137,6 +5145,1073 @@
 </dgm:styleDef>
 </file>
 
+<file path=ppt/notesMasters/notesMaster1.xml><?xml version="1.0" encoding="utf-8"?>
+<p:notesMaster xmlns:a="http://schemas.openxmlformats.org/drawingml/2006/main" xmlns:r="http://schemas.openxmlformats.org/officeDocument/2006/relationships" xmlns:p="http://schemas.openxmlformats.org/presentationml/2006/main">
+  <p:cSld>
+    <p:bg>
+      <p:bgRef idx="1001">
+        <a:schemeClr val="bg1"/>
+      </p:bgRef>
+    </p:bg>
+    <p:spTree>
+      <p:nvGrpSpPr>
+        <p:cNvPr id="1" name=""/>
+        <p:cNvGrpSpPr/>
+        <p:nvPr/>
+      </p:nvGrpSpPr>
+      <p:grpSpPr>
+        <a:xfrm>
+          <a:off x="0" y="0"/>
+          <a:ext cx="0" cy="0"/>
+          <a:chOff x="0" y="0"/>
+          <a:chExt cx="0" cy="0"/>
+        </a:xfrm>
+      </p:grpSpPr>
+      <p:sp>
+        <p:nvSpPr>
+          <p:cNvPr id="2" name="Kopfzeilenplatzhalter 1"/>
+          <p:cNvSpPr>
+            <a:spLocks noGrp="1"/>
+          </p:cNvSpPr>
+          <p:nvPr>
+            <p:ph type="hdr" sz="quarter"/>
+          </p:nvPr>
+        </p:nvSpPr>
+        <p:spPr>
+          <a:xfrm>
+            <a:off x="0" y="0"/>
+            <a:ext cx="2971800" cy="458788"/>
+          </a:xfrm>
+          <a:prstGeom prst="rect">
+            <a:avLst/>
+          </a:prstGeom>
+        </p:spPr>
+        <p:txBody>
+          <a:bodyPr vert="horz" lIns="91440" tIns="45720" rIns="91440" bIns="45720" rtlCol="0"/>
+          <a:lstStyle>
+            <a:lvl1pPr algn="l">
+              <a:defRPr sz="1200"/>
+            </a:lvl1pPr>
+          </a:lstStyle>
+          <a:p>
+            <a:endParaRPr lang="de-CH"/>
+          </a:p>
+        </p:txBody>
+      </p:sp>
+      <p:sp>
+        <p:nvSpPr>
+          <p:cNvPr id="3" name="Datumsplatzhalter 2"/>
+          <p:cNvSpPr>
+            <a:spLocks noGrp="1"/>
+          </p:cNvSpPr>
+          <p:nvPr>
+            <p:ph type="dt" idx="1"/>
+          </p:nvPr>
+        </p:nvSpPr>
+        <p:spPr>
+          <a:xfrm>
+            <a:off x="3884613" y="0"/>
+            <a:ext cx="2971800" cy="458788"/>
+          </a:xfrm>
+          <a:prstGeom prst="rect">
+            <a:avLst/>
+          </a:prstGeom>
+        </p:spPr>
+        <p:txBody>
+          <a:bodyPr vert="horz" lIns="91440" tIns="45720" rIns="91440" bIns="45720" rtlCol="0"/>
+          <a:lstStyle>
+            <a:lvl1pPr algn="r">
+              <a:defRPr sz="1200"/>
+            </a:lvl1pPr>
+          </a:lstStyle>
+          <a:p>
+            <a:fld id="{52F03B01-D3E3-40FC-801B-34B9195D9CEA}" type="datetimeFigureOut">
+              <a:rPr lang="de-CH" smtClean="0"/>
+              <a:t>13.09.2024</a:t>
+            </a:fld>
+            <a:endParaRPr lang="de-CH"/>
+          </a:p>
+        </p:txBody>
+      </p:sp>
+      <p:sp>
+        <p:nvSpPr>
+          <p:cNvPr id="4" name="Folienbildplatzhalter 3"/>
+          <p:cNvSpPr>
+            <a:spLocks noGrp="1" noRot="1" noChangeAspect="1"/>
+          </p:cNvSpPr>
+          <p:nvPr>
+            <p:ph type="sldImg" idx="2"/>
+          </p:nvPr>
+        </p:nvSpPr>
+        <p:spPr>
+          <a:xfrm>
+            <a:off x="685800" y="1143000"/>
+            <a:ext cx="5486400" cy="3086100"/>
+          </a:xfrm>
+          <a:prstGeom prst="rect">
+            <a:avLst/>
+          </a:prstGeom>
+          <a:noFill/>
+          <a:ln w="12700">
+            <a:solidFill>
+              <a:prstClr val="black"/>
+            </a:solidFill>
+          </a:ln>
+        </p:spPr>
+        <p:txBody>
+          <a:bodyPr vert="horz" lIns="91440" tIns="45720" rIns="91440" bIns="45720" rtlCol="0" anchor="ctr"/>
+          <a:lstStyle/>
+          <a:p>
+            <a:endParaRPr lang="de-CH"/>
+          </a:p>
+        </p:txBody>
+      </p:sp>
+      <p:sp>
+        <p:nvSpPr>
+          <p:cNvPr id="5" name="Notizenplatzhalter 4"/>
+          <p:cNvSpPr>
+            <a:spLocks noGrp="1"/>
+          </p:cNvSpPr>
+          <p:nvPr>
+            <p:ph type="body" sz="quarter" idx="3"/>
+          </p:nvPr>
+        </p:nvSpPr>
+        <p:spPr>
+          <a:xfrm>
+            <a:off x="685800" y="4400550"/>
+            <a:ext cx="5486400" cy="3600450"/>
+          </a:xfrm>
+          <a:prstGeom prst="rect">
+            <a:avLst/>
+          </a:prstGeom>
+        </p:spPr>
+        <p:txBody>
+          <a:bodyPr vert="horz" lIns="91440" tIns="45720" rIns="91440" bIns="45720" rtlCol="0"/>
+          <a:lstStyle/>
+          <a:p>
+            <a:pPr lvl="0"/>
+            <a:r>
+              <a:rPr lang="de-DE"/>
+              <a:t>Mastertextformat bearbeiten</a:t>
+            </a:r>
+          </a:p>
+          <a:p>
+            <a:pPr lvl="1"/>
+            <a:r>
+              <a:rPr lang="de-DE"/>
+              <a:t>Zweite Ebene</a:t>
+            </a:r>
+          </a:p>
+          <a:p>
+            <a:pPr lvl="2"/>
+            <a:r>
+              <a:rPr lang="de-DE"/>
+              <a:t>Dritte Ebene</a:t>
+            </a:r>
+          </a:p>
+          <a:p>
+            <a:pPr lvl="3"/>
+            <a:r>
+              <a:rPr lang="de-DE"/>
+              <a:t>Vierte Ebene</a:t>
+            </a:r>
+          </a:p>
+          <a:p>
+            <a:pPr lvl="4"/>
+            <a:r>
+              <a:rPr lang="de-DE"/>
+              <a:t>Fünfte Ebene</a:t>
+            </a:r>
+            <a:endParaRPr lang="de-CH"/>
+          </a:p>
+        </p:txBody>
+      </p:sp>
+      <p:sp>
+        <p:nvSpPr>
+          <p:cNvPr id="6" name="Fußzeilenplatzhalter 5"/>
+          <p:cNvSpPr>
+            <a:spLocks noGrp="1"/>
+          </p:cNvSpPr>
+          <p:nvPr>
+            <p:ph type="ftr" sz="quarter" idx="4"/>
+          </p:nvPr>
+        </p:nvSpPr>
+        <p:spPr>
+          <a:xfrm>
+            <a:off x="0" y="8685213"/>
+            <a:ext cx="2971800" cy="458787"/>
+          </a:xfrm>
+          <a:prstGeom prst="rect">
+            <a:avLst/>
+          </a:prstGeom>
+        </p:spPr>
+        <p:txBody>
+          <a:bodyPr vert="horz" lIns="91440" tIns="45720" rIns="91440" bIns="45720" rtlCol="0" anchor="b"/>
+          <a:lstStyle>
+            <a:lvl1pPr algn="l">
+              <a:defRPr sz="1200"/>
+            </a:lvl1pPr>
+          </a:lstStyle>
+          <a:p>
+            <a:endParaRPr lang="de-CH"/>
+          </a:p>
+        </p:txBody>
+      </p:sp>
+      <p:sp>
+        <p:nvSpPr>
+          <p:cNvPr id="7" name="Foliennummernplatzhalter 6"/>
+          <p:cNvSpPr>
+            <a:spLocks noGrp="1"/>
+          </p:cNvSpPr>
+          <p:nvPr>
+            <p:ph type="sldNum" sz="quarter" idx="5"/>
+          </p:nvPr>
+        </p:nvSpPr>
+        <p:spPr>
+          <a:xfrm>
+            <a:off x="3884613" y="8685213"/>
+            <a:ext cx="2971800" cy="458787"/>
+          </a:xfrm>
+          <a:prstGeom prst="rect">
+            <a:avLst/>
+          </a:prstGeom>
+        </p:spPr>
+        <p:txBody>
+          <a:bodyPr vert="horz" lIns="91440" tIns="45720" rIns="91440" bIns="45720" rtlCol="0" anchor="b"/>
+          <a:lstStyle>
+            <a:lvl1pPr algn="r">
+              <a:defRPr sz="1200"/>
+            </a:lvl1pPr>
+          </a:lstStyle>
+          <a:p>
+            <a:fld id="{5853B1F4-F9E5-4ECF-9B2E-02E115121BEE}" type="slidenum">
+              <a:rPr lang="de-CH" smtClean="0"/>
+              <a:t>‹Nr.›</a:t>
+            </a:fld>
+            <a:endParaRPr lang="de-CH"/>
+          </a:p>
+        </p:txBody>
+      </p:sp>
+    </p:spTree>
+    <p:extLst>
+      <p:ext uri="{BB962C8B-B14F-4D97-AF65-F5344CB8AC3E}">
+        <p14:creationId xmlns:p14="http://schemas.microsoft.com/office/powerpoint/2010/main" val="3974340006"/>
+      </p:ext>
+    </p:extLst>
+  </p:cSld>
+  <p:clrMap bg1="lt1" tx1="dk1" bg2="lt2" tx2="dk2" accent1="accent1" accent2="accent2" accent3="accent3" accent4="accent4" accent5="accent5" accent6="accent6" hlink="hlink" folHlink="folHlink"/>
+  <p:notesStyle>
+    <a:lvl1pPr marL="0" algn="l" defTabSz="914400" rtl="0" eaLnBrk="1" latinLnBrk="0" hangingPunct="1">
+      <a:defRPr sz="1200" kern="1200">
+        <a:solidFill>
+          <a:schemeClr val="tx1"/>
+        </a:solidFill>
+        <a:latin typeface="+mn-lt"/>
+        <a:ea typeface="+mn-ea"/>
+        <a:cs typeface="+mn-cs"/>
+      </a:defRPr>
+    </a:lvl1pPr>
+    <a:lvl2pPr marL="457200" algn="l" defTabSz="914400" rtl="0" eaLnBrk="1" latinLnBrk="0" hangingPunct="1">
+      <a:defRPr sz="1200" kern="1200">
+        <a:solidFill>
+          <a:schemeClr val="tx1"/>
+        </a:solidFill>
+        <a:latin typeface="+mn-lt"/>
+        <a:ea typeface="+mn-ea"/>
+        <a:cs typeface="+mn-cs"/>
+      </a:defRPr>
+    </a:lvl2pPr>
+    <a:lvl3pPr marL="914400" algn="l" defTabSz="914400" rtl="0" eaLnBrk="1" latinLnBrk="0" hangingPunct="1">
+      <a:defRPr sz="1200" kern="1200">
+        <a:solidFill>
+          <a:schemeClr val="tx1"/>
+        </a:solidFill>
+        <a:latin typeface="+mn-lt"/>
+        <a:ea typeface="+mn-ea"/>
+        <a:cs typeface="+mn-cs"/>
+      </a:defRPr>
+    </a:lvl3pPr>
+    <a:lvl4pPr marL="1371600" algn="l" defTabSz="914400" rtl="0" eaLnBrk="1" latinLnBrk="0" hangingPunct="1">
+      <a:defRPr sz="1200" kern="1200">
+        <a:solidFill>
+          <a:schemeClr val="tx1"/>
+        </a:solidFill>
+        <a:latin typeface="+mn-lt"/>
+        <a:ea typeface="+mn-ea"/>
+        <a:cs typeface="+mn-cs"/>
+      </a:defRPr>
+    </a:lvl4pPr>
+    <a:lvl5pPr marL="1828800" algn="l" defTabSz="914400" rtl="0" eaLnBrk="1" latinLnBrk="0" hangingPunct="1">
+      <a:defRPr sz="1200" kern="1200">
+        <a:solidFill>
+          <a:schemeClr val="tx1"/>
+        </a:solidFill>
+        <a:latin typeface="+mn-lt"/>
+        <a:ea typeface="+mn-ea"/>
+        <a:cs typeface="+mn-cs"/>
+      </a:defRPr>
+    </a:lvl5pPr>
+    <a:lvl6pPr marL="2286000" algn="l" defTabSz="914400" rtl="0" eaLnBrk="1" latinLnBrk="0" hangingPunct="1">
+      <a:defRPr sz="1200" kern="1200">
+        <a:solidFill>
+          <a:schemeClr val="tx1"/>
+        </a:solidFill>
+        <a:latin typeface="+mn-lt"/>
+        <a:ea typeface="+mn-ea"/>
+        <a:cs typeface="+mn-cs"/>
+      </a:defRPr>
+    </a:lvl6pPr>
+    <a:lvl7pPr marL="2743200" algn="l" defTabSz="914400" rtl="0" eaLnBrk="1" latinLnBrk="0" hangingPunct="1">
+      <a:defRPr sz="1200" kern="1200">
+        <a:solidFill>
+          <a:schemeClr val="tx1"/>
+        </a:solidFill>
+        <a:latin typeface="+mn-lt"/>
+        <a:ea typeface="+mn-ea"/>
+        <a:cs typeface="+mn-cs"/>
+      </a:defRPr>
+    </a:lvl7pPr>
+    <a:lvl8pPr marL="3200400" algn="l" defTabSz="914400" rtl="0" eaLnBrk="1" latinLnBrk="0" hangingPunct="1">
+      <a:defRPr sz="1200" kern="1200">
+        <a:solidFill>
+          <a:schemeClr val="tx1"/>
+        </a:solidFill>
+        <a:latin typeface="+mn-lt"/>
+        <a:ea typeface="+mn-ea"/>
+        <a:cs typeface="+mn-cs"/>
+      </a:defRPr>
+    </a:lvl8pPr>
+    <a:lvl9pPr marL="3657600" algn="l" defTabSz="914400" rtl="0" eaLnBrk="1" latinLnBrk="0" hangingPunct="1">
+      <a:defRPr sz="1200" kern="1200">
+        <a:solidFill>
+          <a:schemeClr val="tx1"/>
+        </a:solidFill>
+        <a:latin typeface="+mn-lt"/>
+        <a:ea typeface="+mn-ea"/>
+        <a:cs typeface="+mn-cs"/>
+      </a:defRPr>
+    </a:lvl9pPr>
+  </p:notesStyle>
+</p:notesMaster>
+</file>
+
+<file path=ppt/notesSlides/notesSlide1.xml><?xml version="1.0" encoding="utf-8"?>
+<p:notes xmlns:a="http://schemas.openxmlformats.org/drawingml/2006/main" xmlns:r="http://schemas.openxmlformats.org/officeDocument/2006/relationships" xmlns:p="http://schemas.openxmlformats.org/presentationml/2006/main">
+  <p:cSld>
+    <p:spTree>
+      <p:nvGrpSpPr>
+        <p:cNvPr id="1" name=""/>
+        <p:cNvGrpSpPr/>
+        <p:nvPr/>
+      </p:nvGrpSpPr>
+      <p:grpSpPr>
+        <a:xfrm>
+          <a:off x="0" y="0"/>
+          <a:ext cx="0" cy="0"/>
+          <a:chOff x="0" y="0"/>
+          <a:chExt cx="0" cy="0"/>
+        </a:xfrm>
+      </p:grpSpPr>
+      <p:sp>
+        <p:nvSpPr>
+          <p:cNvPr id="2" name="Folienbildplatzhalter 1"/>
+          <p:cNvSpPr>
+            <a:spLocks noGrp="1" noRot="1" noChangeAspect="1"/>
+          </p:cNvSpPr>
+          <p:nvPr>
+            <p:ph type="sldImg"/>
+          </p:nvPr>
+        </p:nvSpPr>
+        <p:spPr/>
+      </p:sp>
+      <p:sp>
+        <p:nvSpPr>
+          <p:cNvPr id="3" name="Notizenplatzhalter 2"/>
+          <p:cNvSpPr>
+            <a:spLocks noGrp="1"/>
+          </p:cNvSpPr>
+          <p:nvPr>
+            <p:ph type="body" idx="1"/>
+          </p:nvPr>
+        </p:nvSpPr>
+        <p:spPr/>
+        <p:txBody>
+          <a:bodyPr/>
+          <a:lstStyle/>
+          <a:p>
+            <a:r>
+              <a:rPr lang="de-CH" dirty="0" err="1"/>
+              <a:t>We</a:t>
+            </a:r>
+            <a:r>
+              <a:rPr lang="de-CH" dirty="0"/>
+              <a:t> </a:t>
+            </a:r>
+            <a:r>
+              <a:rPr lang="de-CH" dirty="0" err="1"/>
+              <a:t>did</a:t>
+            </a:r>
+            <a:r>
+              <a:rPr lang="de-CH" dirty="0"/>
+              <a:t> </a:t>
+            </a:r>
+            <a:r>
+              <a:rPr lang="de-CH" dirty="0" err="1"/>
+              <a:t>this</a:t>
+            </a:r>
+            <a:r>
+              <a:rPr lang="de-CH" dirty="0"/>
+              <a:t>, but in </a:t>
+            </a:r>
+            <a:r>
+              <a:rPr lang="de-CH" dirty="0" err="1"/>
+              <a:t>the</a:t>
+            </a:r>
+            <a:r>
+              <a:rPr lang="de-CH" dirty="0"/>
+              <a:t> end, </a:t>
+            </a:r>
+            <a:r>
+              <a:rPr lang="de-CH" dirty="0" err="1"/>
+              <a:t>we</a:t>
+            </a:r>
+            <a:r>
+              <a:rPr lang="de-CH" dirty="0"/>
+              <a:t> </a:t>
+            </a:r>
+            <a:r>
+              <a:rPr lang="de-CH" dirty="0" err="1"/>
+              <a:t>found</a:t>
+            </a:r>
+            <a:r>
+              <a:rPr lang="de-CH" dirty="0"/>
+              <a:t> out, </a:t>
+            </a:r>
+            <a:r>
+              <a:rPr lang="de-CH" dirty="0" err="1"/>
+              <a:t>that</a:t>
+            </a:r>
+            <a:r>
+              <a:rPr lang="de-CH" dirty="0"/>
+              <a:t> </a:t>
+            </a:r>
+            <a:r>
+              <a:rPr lang="de-CH" dirty="0" err="1"/>
+              <a:t>the</a:t>
+            </a:r>
+            <a:r>
+              <a:rPr lang="de-CH" dirty="0"/>
+              <a:t> </a:t>
+            </a:r>
+            <a:r>
+              <a:rPr lang="de-CH" dirty="0" err="1"/>
+              <a:t>model</a:t>
+            </a:r>
+            <a:r>
+              <a:rPr lang="de-CH" dirty="0"/>
+              <a:t> </a:t>
+            </a:r>
+            <a:r>
+              <a:rPr lang="de-CH" dirty="0" err="1"/>
+              <a:t>with</a:t>
+            </a:r>
+            <a:r>
+              <a:rPr lang="de-CH" dirty="0"/>
+              <a:t> </a:t>
+            </a:r>
+            <a:r>
+              <a:rPr lang="de-CH" dirty="0" err="1"/>
+              <a:t>the</a:t>
+            </a:r>
+            <a:r>
+              <a:rPr lang="de-CH" dirty="0"/>
+              <a:t> relevant </a:t>
+            </a:r>
+            <a:r>
+              <a:rPr lang="de-CH" dirty="0" err="1"/>
+              <a:t>featrues</a:t>
+            </a:r>
+            <a:r>
+              <a:rPr lang="de-CH" dirty="0"/>
+              <a:t> </a:t>
+            </a:r>
+            <a:r>
+              <a:rPr lang="de-CH" dirty="0" err="1"/>
+              <a:t>are</a:t>
+            </a:r>
+            <a:r>
+              <a:rPr lang="de-CH" dirty="0"/>
+              <a:t> not </a:t>
+            </a:r>
+            <a:r>
+              <a:rPr lang="de-CH" dirty="0" err="1"/>
+              <a:t>better</a:t>
+            </a:r>
+            <a:r>
+              <a:rPr lang="de-CH" dirty="0"/>
+              <a:t> </a:t>
+            </a:r>
+            <a:r>
+              <a:rPr lang="de-CH" dirty="0" err="1"/>
+              <a:t>than</a:t>
+            </a:r>
+            <a:r>
+              <a:rPr lang="de-CH" dirty="0"/>
+              <a:t> </a:t>
+            </a:r>
+            <a:r>
+              <a:rPr lang="de-CH" dirty="0" err="1"/>
+              <a:t>the</a:t>
+            </a:r>
+            <a:r>
+              <a:rPr lang="de-CH" dirty="0"/>
+              <a:t> </a:t>
+            </a:r>
+            <a:r>
+              <a:rPr lang="de-CH" dirty="0" err="1"/>
+              <a:t>model</a:t>
+            </a:r>
+            <a:r>
+              <a:rPr lang="de-CH" dirty="0"/>
+              <a:t> </a:t>
+            </a:r>
+            <a:r>
+              <a:rPr lang="de-CH" dirty="0" err="1"/>
+              <a:t>with</a:t>
+            </a:r>
+            <a:r>
+              <a:rPr lang="de-CH" dirty="0"/>
+              <a:t> </a:t>
+            </a:r>
+            <a:r>
+              <a:rPr lang="de-CH" dirty="0" err="1"/>
+              <a:t>only</a:t>
+            </a:r>
+            <a:r>
+              <a:rPr lang="de-CH" dirty="0"/>
+              <a:t> </a:t>
+            </a:r>
+            <a:r>
+              <a:rPr lang="de-CH" dirty="0" err="1"/>
+              <a:t>the</a:t>
+            </a:r>
+            <a:r>
+              <a:rPr lang="de-CH" dirty="0"/>
+              <a:t> </a:t>
+            </a:r>
+            <a:r>
+              <a:rPr lang="de-CH" dirty="0" err="1"/>
+              <a:t>calendar</a:t>
+            </a:r>
+            <a:r>
+              <a:rPr lang="de-CH" dirty="0"/>
+              <a:t> </a:t>
+            </a:r>
+            <a:r>
+              <a:rPr lang="de-CH" dirty="0" err="1"/>
+              <a:t>features</a:t>
+            </a:r>
+            <a:r>
+              <a:rPr lang="de-CH" dirty="0"/>
+              <a:t>. </a:t>
+            </a:r>
+          </a:p>
+        </p:txBody>
+      </p:sp>
+      <p:sp>
+        <p:nvSpPr>
+          <p:cNvPr id="4" name="Foliennummernplatzhalter 3"/>
+          <p:cNvSpPr>
+            <a:spLocks noGrp="1"/>
+          </p:cNvSpPr>
+          <p:nvPr>
+            <p:ph type="sldNum" sz="quarter" idx="5"/>
+          </p:nvPr>
+        </p:nvSpPr>
+        <p:spPr/>
+        <p:txBody>
+          <a:bodyPr/>
+          <a:lstStyle/>
+          <a:p>
+            <a:fld id="{5853B1F4-F9E5-4ECF-9B2E-02E115121BEE}" type="slidenum">
+              <a:rPr lang="de-CH" smtClean="0"/>
+              <a:t>9</a:t>
+            </a:fld>
+            <a:endParaRPr lang="de-CH"/>
+          </a:p>
+        </p:txBody>
+      </p:sp>
+    </p:spTree>
+    <p:extLst>
+      <p:ext uri="{BB962C8B-B14F-4D97-AF65-F5344CB8AC3E}">
+        <p14:creationId xmlns:p14="http://schemas.microsoft.com/office/powerpoint/2010/main" val="153228561"/>
+      </p:ext>
+    </p:extLst>
+  </p:cSld>
+  <p:clrMapOvr>
+    <a:masterClrMapping/>
+  </p:clrMapOvr>
+</p:notes>
+</file>
+
+<file path=ppt/notesSlides/notesSlide2.xml><?xml version="1.0" encoding="utf-8"?>
+<p:notes xmlns:a="http://schemas.openxmlformats.org/drawingml/2006/main" xmlns:r="http://schemas.openxmlformats.org/officeDocument/2006/relationships" xmlns:p="http://schemas.openxmlformats.org/presentationml/2006/main">
+  <p:cSld>
+    <p:spTree>
+      <p:nvGrpSpPr>
+        <p:cNvPr id="1" name=""/>
+        <p:cNvGrpSpPr/>
+        <p:nvPr/>
+      </p:nvGrpSpPr>
+      <p:grpSpPr>
+        <a:xfrm>
+          <a:off x="0" y="0"/>
+          <a:ext cx="0" cy="0"/>
+          <a:chOff x="0" y="0"/>
+          <a:chExt cx="0" cy="0"/>
+        </a:xfrm>
+      </p:grpSpPr>
+      <p:sp>
+        <p:nvSpPr>
+          <p:cNvPr id="2" name="Folienbildplatzhalter 1"/>
+          <p:cNvSpPr>
+            <a:spLocks noGrp="1" noRot="1" noChangeAspect="1"/>
+          </p:cNvSpPr>
+          <p:nvPr>
+            <p:ph type="sldImg"/>
+          </p:nvPr>
+        </p:nvSpPr>
+        <p:spPr/>
+      </p:sp>
+      <p:sp>
+        <p:nvSpPr>
+          <p:cNvPr id="3" name="Notizenplatzhalter 2"/>
+          <p:cNvSpPr>
+            <a:spLocks noGrp="1"/>
+          </p:cNvSpPr>
+          <p:nvPr>
+            <p:ph type="body" idx="1"/>
+          </p:nvPr>
+        </p:nvSpPr>
+        <p:spPr/>
+        <p:txBody>
+          <a:bodyPr/>
+          <a:lstStyle/>
+          <a:p>
+            <a:r>
+              <a:rPr lang="de-CH" dirty="0"/>
+              <a:t>Strong </a:t>
+            </a:r>
+            <a:r>
+              <a:rPr lang="de-CH" dirty="0" err="1"/>
+              <a:t>daily</a:t>
+            </a:r>
+            <a:r>
+              <a:rPr lang="de-CH" dirty="0"/>
+              <a:t> </a:t>
+            </a:r>
+            <a:r>
+              <a:rPr lang="de-CH" dirty="0" err="1"/>
+              <a:t>pattern</a:t>
+            </a:r>
+            <a:r>
+              <a:rPr lang="de-CH" dirty="0"/>
+              <a:t> in </a:t>
+            </a:r>
+            <a:r>
+              <a:rPr lang="de-CH" dirty="0" err="1"/>
+              <a:t>the</a:t>
+            </a:r>
+            <a:r>
+              <a:rPr lang="de-CH" dirty="0"/>
+              <a:t> </a:t>
+            </a:r>
+            <a:r>
+              <a:rPr lang="de-CH" dirty="0" err="1"/>
+              <a:t>mornings</a:t>
+            </a:r>
+            <a:r>
+              <a:rPr lang="de-CH" dirty="0"/>
+              <a:t> and in </a:t>
+            </a:r>
+            <a:r>
+              <a:rPr lang="de-CH" dirty="0" err="1"/>
+              <a:t>the</a:t>
+            </a:r>
+            <a:r>
+              <a:rPr lang="de-CH" dirty="0"/>
+              <a:t> </a:t>
+            </a:r>
+            <a:r>
+              <a:rPr lang="de-CH" dirty="0" err="1"/>
+              <a:t>evenings</a:t>
+            </a:r>
+            <a:r>
+              <a:rPr lang="de-CH" dirty="0"/>
+              <a:t>. </a:t>
+            </a:r>
+            <a:r>
+              <a:rPr lang="de-CH" dirty="0" err="1"/>
+              <a:t>Weekdays</a:t>
+            </a:r>
+            <a:r>
+              <a:rPr lang="de-CH" dirty="0"/>
+              <a:t> </a:t>
+            </a:r>
+            <a:r>
+              <a:rPr lang="de-CH" dirty="0" err="1"/>
+              <a:t>differ</a:t>
+            </a:r>
+            <a:r>
+              <a:rPr lang="de-CH" dirty="0"/>
+              <a:t> </a:t>
+            </a:r>
+            <a:r>
+              <a:rPr lang="de-CH" dirty="0" err="1"/>
+              <a:t>from</a:t>
+            </a:r>
+            <a:r>
+              <a:rPr lang="de-CH" dirty="0"/>
+              <a:t> </a:t>
+            </a:r>
+            <a:r>
+              <a:rPr lang="de-CH" dirty="0" err="1"/>
+              <a:t>weekends</a:t>
+            </a:r>
+            <a:r>
+              <a:rPr lang="de-CH" dirty="0"/>
+              <a:t>.</a:t>
+            </a:r>
+          </a:p>
+        </p:txBody>
+      </p:sp>
+      <p:sp>
+        <p:nvSpPr>
+          <p:cNvPr id="4" name="Foliennummernplatzhalter 3"/>
+          <p:cNvSpPr>
+            <a:spLocks noGrp="1"/>
+          </p:cNvSpPr>
+          <p:nvPr>
+            <p:ph type="sldNum" sz="quarter" idx="5"/>
+          </p:nvPr>
+        </p:nvSpPr>
+        <p:spPr/>
+        <p:txBody>
+          <a:bodyPr/>
+          <a:lstStyle/>
+          <a:p>
+            <a:fld id="{5853B1F4-F9E5-4ECF-9B2E-02E115121BEE}" type="slidenum">
+              <a:rPr lang="de-CH" smtClean="0"/>
+              <a:t>10</a:t>
+            </a:fld>
+            <a:endParaRPr lang="de-CH"/>
+          </a:p>
+        </p:txBody>
+      </p:sp>
+    </p:spTree>
+    <p:extLst>
+      <p:ext uri="{BB962C8B-B14F-4D97-AF65-F5344CB8AC3E}">
+        <p14:creationId xmlns:p14="http://schemas.microsoft.com/office/powerpoint/2010/main" val="4222941035"/>
+      </p:ext>
+    </p:extLst>
+  </p:cSld>
+  <p:clrMapOvr>
+    <a:masterClrMapping/>
+  </p:clrMapOvr>
+</p:notes>
+</file>
+
+<file path=ppt/notesSlides/notesSlide3.xml><?xml version="1.0" encoding="utf-8"?>
+<p:notes xmlns:a="http://schemas.openxmlformats.org/drawingml/2006/main" xmlns:r="http://schemas.openxmlformats.org/officeDocument/2006/relationships" xmlns:p="http://schemas.openxmlformats.org/presentationml/2006/main">
+  <p:cSld>
+    <p:spTree>
+      <p:nvGrpSpPr>
+        <p:cNvPr id="1" name=""/>
+        <p:cNvGrpSpPr/>
+        <p:nvPr/>
+      </p:nvGrpSpPr>
+      <p:grpSpPr>
+        <a:xfrm>
+          <a:off x="0" y="0"/>
+          <a:ext cx="0" cy="0"/>
+          <a:chOff x="0" y="0"/>
+          <a:chExt cx="0" cy="0"/>
+        </a:xfrm>
+      </p:grpSpPr>
+      <p:sp>
+        <p:nvSpPr>
+          <p:cNvPr id="2" name="Folienbildplatzhalter 1"/>
+          <p:cNvSpPr>
+            <a:spLocks noGrp="1" noRot="1" noChangeAspect="1"/>
+          </p:cNvSpPr>
+          <p:nvPr>
+            <p:ph type="sldImg"/>
+          </p:nvPr>
+        </p:nvSpPr>
+        <p:spPr/>
+      </p:sp>
+      <p:sp>
+        <p:nvSpPr>
+          <p:cNvPr id="3" name="Notizenplatzhalter 2"/>
+          <p:cNvSpPr>
+            <a:spLocks noGrp="1"/>
+          </p:cNvSpPr>
+          <p:nvPr>
+            <p:ph type="body" idx="1"/>
+          </p:nvPr>
+        </p:nvSpPr>
+        <p:spPr/>
+        <p:txBody>
+          <a:bodyPr/>
+          <a:lstStyle/>
+          <a:p>
+            <a:endParaRPr lang="de-CH" dirty="0"/>
+          </a:p>
+        </p:txBody>
+      </p:sp>
+      <p:sp>
+        <p:nvSpPr>
+          <p:cNvPr id="4" name="Foliennummernplatzhalter 3"/>
+          <p:cNvSpPr>
+            <a:spLocks noGrp="1"/>
+          </p:cNvSpPr>
+          <p:nvPr>
+            <p:ph type="sldNum" sz="quarter" idx="5"/>
+          </p:nvPr>
+        </p:nvSpPr>
+        <p:spPr/>
+        <p:txBody>
+          <a:bodyPr/>
+          <a:lstStyle/>
+          <a:p>
+            <a:fld id="{5853B1F4-F9E5-4ECF-9B2E-02E115121BEE}" type="slidenum">
+              <a:rPr lang="de-CH" smtClean="0"/>
+              <a:t>11</a:t>
+            </a:fld>
+            <a:endParaRPr lang="de-CH"/>
+          </a:p>
+        </p:txBody>
+      </p:sp>
+    </p:spTree>
+    <p:extLst>
+      <p:ext uri="{BB962C8B-B14F-4D97-AF65-F5344CB8AC3E}">
+        <p14:creationId xmlns:p14="http://schemas.microsoft.com/office/powerpoint/2010/main" val="2659487174"/>
+      </p:ext>
+    </p:extLst>
+  </p:cSld>
+  <p:clrMapOvr>
+    <a:masterClrMapping/>
+  </p:clrMapOvr>
+</p:notes>
+</file>
+
+<file path=ppt/notesSlides/notesSlide4.xml><?xml version="1.0" encoding="utf-8"?>
+<p:notes xmlns:a="http://schemas.openxmlformats.org/drawingml/2006/main" xmlns:r="http://schemas.openxmlformats.org/officeDocument/2006/relationships" xmlns:p="http://schemas.openxmlformats.org/presentationml/2006/main">
+  <p:cSld>
+    <p:spTree>
+      <p:nvGrpSpPr>
+        <p:cNvPr id="1" name=""/>
+        <p:cNvGrpSpPr/>
+        <p:nvPr/>
+      </p:nvGrpSpPr>
+      <p:grpSpPr>
+        <a:xfrm>
+          <a:off x="0" y="0"/>
+          <a:ext cx="0" cy="0"/>
+          <a:chOff x="0" y="0"/>
+          <a:chExt cx="0" cy="0"/>
+        </a:xfrm>
+      </p:grpSpPr>
+      <p:sp>
+        <p:nvSpPr>
+          <p:cNvPr id="2" name="Folienbildplatzhalter 1"/>
+          <p:cNvSpPr>
+            <a:spLocks noGrp="1" noRot="1" noChangeAspect="1"/>
+          </p:cNvSpPr>
+          <p:nvPr>
+            <p:ph type="sldImg"/>
+          </p:nvPr>
+        </p:nvSpPr>
+        <p:spPr/>
+      </p:sp>
+      <p:sp>
+        <p:nvSpPr>
+          <p:cNvPr id="3" name="Notizenplatzhalter 2"/>
+          <p:cNvSpPr>
+            <a:spLocks noGrp="1"/>
+          </p:cNvSpPr>
+          <p:nvPr>
+            <p:ph type="body" idx="1"/>
+          </p:nvPr>
+        </p:nvSpPr>
+        <p:spPr/>
+        <p:txBody>
+          <a:bodyPr/>
+          <a:lstStyle/>
+          <a:p>
+            <a:r>
+              <a:rPr lang="de-CH" dirty="0"/>
+              <a:t>Ask Rafa</a:t>
+            </a:r>
+          </a:p>
+        </p:txBody>
+      </p:sp>
+      <p:sp>
+        <p:nvSpPr>
+          <p:cNvPr id="4" name="Foliennummernplatzhalter 3"/>
+          <p:cNvSpPr>
+            <a:spLocks noGrp="1"/>
+          </p:cNvSpPr>
+          <p:nvPr>
+            <p:ph type="sldNum" sz="quarter" idx="5"/>
+          </p:nvPr>
+        </p:nvSpPr>
+        <p:spPr/>
+        <p:txBody>
+          <a:bodyPr/>
+          <a:lstStyle/>
+          <a:p>
+            <a:fld id="{5853B1F4-F9E5-4ECF-9B2E-02E115121BEE}" type="slidenum">
+              <a:rPr lang="de-CH" smtClean="0"/>
+              <a:t>12</a:t>
+            </a:fld>
+            <a:endParaRPr lang="de-CH"/>
+          </a:p>
+        </p:txBody>
+      </p:sp>
+    </p:spTree>
+    <p:extLst>
+      <p:ext uri="{BB962C8B-B14F-4D97-AF65-F5344CB8AC3E}">
+        <p14:creationId xmlns:p14="http://schemas.microsoft.com/office/powerpoint/2010/main" val="675546676"/>
+      </p:ext>
+    </p:extLst>
+  </p:cSld>
+  <p:clrMapOvr>
+    <a:masterClrMapping/>
+  </p:clrMapOvr>
+</p:notes>
+</file>
+
+<file path=ppt/notesSlides/notesSlide5.xml><?xml version="1.0" encoding="utf-8"?>
+<p:notes xmlns:a="http://schemas.openxmlformats.org/drawingml/2006/main" xmlns:r="http://schemas.openxmlformats.org/officeDocument/2006/relationships" xmlns:p="http://schemas.openxmlformats.org/presentationml/2006/main">
+  <p:cSld>
+    <p:spTree>
+      <p:nvGrpSpPr>
+        <p:cNvPr id="1" name=""/>
+        <p:cNvGrpSpPr/>
+        <p:nvPr/>
+      </p:nvGrpSpPr>
+      <p:grpSpPr>
+        <a:xfrm>
+          <a:off x="0" y="0"/>
+          <a:ext cx="0" cy="0"/>
+          <a:chOff x="0" y="0"/>
+          <a:chExt cx="0" cy="0"/>
+        </a:xfrm>
+      </p:grpSpPr>
+      <p:sp>
+        <p:nvSpPr>
+          <p:cNvPr id="2" name="Folienbildplatzhalter 1"/>
+          <p:cNvSpPr>
+            <a:spLocks noGrp="1" noRot="1" noChangeAspect="1"/>
+          </p:cNvSpPr>
+          <p:nvPr>
+            <p:ph type="sldImg"/>
+          </p:nvPr>
+        </p:nvSpPr>
+        <p:spPr/>
+      </p:sp>
+      <p:sp>
+        <p:nvSpPr>
+          <p:cNvPr id="3" name="Notizenplatzhalter 2"/>
+          <p:cNvSpPr>
+            <a:spLocks noGrp="1"/>
+          </p:cNvSpPr>
+          <p:nvPr>
+            <p:ph type="body" idx="1"/>
+          </p:nvPr>
+        </p:nvSpPr>
+        <p:spPr/>
+        <p:txBody>
+          <a:bodyPr/>
+          <a:lstStyle/>
+          <a:p>
+            <a:r>
+              <a:rPr lang="de-CH" dirty="0" err="1"/>
+              <a:t>We</a:t>
+            </a:r>
+            <a:r>
+              <a:rPr lang="de-CH" dirty="0"/>
+              <a:t> </a:t>
+            </a:r>
+            <a:r>
+              <a:rPr lang="de-CH" dirty="0" err="1"/>
+              <a:t>explored</a:t>
+            </a:r>
+            <a:r>
+              <a:rPr lang="de-CH" dirty="0"/>
+              <a:t> </a:t>
+            </a:r>
+            <a:r>
+              <a:rPr lang="de-CH" dirty="0" err="1"/>
+              <a:t>cross</a:t>
+            </a:r>
+            <a:r>
+              <a:rPr lang="de-CH" dirty="0"/>
+              <a:t> </a:t>
+            </a:r>
+            <a:r>
+              <a:rPr lang="de-CH" dirty="0" err="1"/>
+              <a:t>border</a:t>
+            </a:r>
+            <a:r>
+              <a:rPr lang="de-CH" dirty="0"/>
+              <a:t> </a:t>
+            </a:r>
+            <a:r>
+              <a:rPr lang="de-CH" dirty="0" err="1"/>
+              <a:t>flow</a:t>
+            </a:r>
+            <a:endParaRPr lang="de-CH" dirty="0"/>
+          </a:p>
+        </p:txBody>
+      </p:sp>
+      <p:sp>
+        <p:nvSpPr>
+          <p:cNvPr id="4" name="Foliennummernplatzhalter 3"/>
+          <p:cNvSpPr>
+            <a:spLocks noGrp="1"/>
+          </p:cNvSpPr>
+          <p:nvPr>
+            <p:ph type="sldNum" sz="quarter" idx="5"/>
+          </p:nvPr>
+        </p:nvSpPr>
+        <p:spPr/>
+        <p:txBody>
+          <a:bodyPr/>
+          <a:lstStyle/>
+          <a:p>
+            <a:fld id="{5853B1F4-F9E5-4ECF-9B2E-02E115121BEE}" type="slidenum">
+              <a:rPr lang="de-CH" smtClean="0"/>
+              <a:t>16</a:t>
+            </a:fld>
+            <a:endParaRPr lang="de-CH"/>
+          </a:p>
+        </p:txBody>
+      </p:sp>
+    </p:spTree>
+    <p:extLst>
+      <p:ext uri="{BB962C8B-B14F-4D97-AF65-F5344CB8AC3E}">
+        <p14:creationId xmlns:p14="http://schemas.microsoft.com/office/powerpoint/2010/main" val="3040618178"/>
+      </p:ext>
+    </p:extLst>
+  </p:cSld>
+  <p:clrMapOvr>
+    <a:masterClrMapping/>
+  </p:clrMapOvr>
+</p:notes>
+</file>
+
 <file path=ppt/slideLayouts/slideLayout1.xml><?xml version="1.0" encoding="utf-8"?>
 <p:sldLayout xmlns:a="http://schemas.openxmlformats.org/drawingml/2006/main" xmlns:r="http://schemas.openxmlformats.org/officeDocument/2006/relationships" xmlns:p="http://schemas.openxmlformats.org/presentationml/2006/main" type="title" preserve="1">
   <p:cSld name="Titelfolie">
@@ -5337,7 +6412,7 @@
           <a:p>
             <a:fld id="{A68AE792-D59F-423A-A004-682FFB464391}" type="datetimeFigureOut">
               <a:rPr lang="de-CH" smtClean="0"/>
-              <a:t>12.09.2024</a:t>
+              <a:t>13.09.2024</a:t>
             </a:fld>
             <a:endParaRPr lang="de-CH"/>
           </a:p>
@@ -5527,7 +6602,7 @@
           <a:p>
             <a:fld id="{A68AE792-D59F-423A-A004-682FFB464391}" type="datetimeFigureOut">
               <a:rPr lang="de-CH" smtClean="0"/>
-              <a:t>12.09.2024</a:t>
+              <a:t>13.09.2024</a:t>
             </a:fld>
             <a:endParaRPr lang="de-CH"/>
           </a:p>
@@ -5707,7 +6782,7 @@
           <a:p>
             <a:fld id="{A68AE792-D59F-423A-A004-682FFB464391}" type="datetimeFigureOut">
               <a:rPr lang="de-CH" smtClean="0"/>
-              <a:t>12.09.2024</a:t>
+              <a:t>13.09.2024</a:t>
             </a:fld>
             <a:endParaRPr lang="de-CH"/>
           </a:p>
@@ -5877,7 +6952,7 @@
           <a:p>
             <a:fld id="{A68AE792-D59F-423A-A004-682FFB464391}" type="datetimeFigureOut">
               <a:rPr lang="de-CH" smtClean="0"/>
-              <a:t>12.09.2024</a:t>
+              <a:t>13.09.2024</a:t>
             </a:fld>
             <a:endParaRPr lang="de-CH"/>
           </a:p>
@@ -6133,7 +7208,7 @@
           <a:p>
             <a:fld id="{A68AE792-D59F-423A-A004-682FFB464391}" type="datetimeFigureOut">
               <a:rPr lang="de-CH" smtClean="0"/>
-              <a:t>12.09.2024</a:t>
+              <a:t>13.09.2024</a:t>
             </a:fld>
             <a:endParaRPr lang="de-CH"/>
           </a:p>
@@ -6421,7 +7496,7 @@
           <a:p>
             <a:fld id="{A68AE792-D59F-423A-A004-682FFB464391}" type="datetimeFigureOut">
               <a:rPr lang="de-CH" smtClean="0"/>
-              <a:t>12.09.2024</a:t>
+              <a:t>13.09.2024</a:t>
             </a:fld>
             <a:endParaRPr lang="de-CH"/>
           </a:p>
@@ -6859,7 +7934,7 @@
           <a:p>
             <a:fld id="{A68AE792-D59F-423A-A004-682FFB464391}" type="datetimeFigureOut">
               <a:rPr lang="de-CH" smtClean="0"/>
-              <a:t>12.09.2024</a:t>
+              <a:t>13.09.2024</a:t>
             </a:fld>
             <a:endParaRPr lang="de-CH"/>
           </a:p>
@@ -6977,7 +8052,7 @@
           <a:p>
             <a:fld id="{A68AE792-D59F-423A-A004-682FFB464391}" type="datetimeFigureOut">
               <a:rPr lang="de-CH" smtClean="0"/>
-              <a:t>12.09.2024</a:t>
+              <a:t>13.09.2024</a:t>
             </a:fld>
             <a:endParaRPr lang="de-CH"/>
           </a:p>
@@ -7072,7 +8147,7 @@
           <a:p>
             <a:fld id="{A68AE792-D59F-423A-A004-682FFB464391}" type="datetimeFigureOut">
               <a:rPr lang="de-CH" smtClean="0"/>
-              <a:t>12.09.2024</a:t>
+              <a:t>13.09.2024</a:t>
             </a:fld>
             <a:endParaRPr lang="de-CH"/>
           </a:p>
@@ -7428,7 +8503,7 @@
           <a:p>
             <a:fld id="{A68AE792-D59F-423A-A004-682FFB464391}" type="datetimeFigureOut">
               <a:rPr lang="de-CH" smtClean="0"/>
-              <a:t>12.09.2024</a:t>
+              <a:t>13.09.2024</a:t>
             </a:fld>
             <a:endParaRPr lang="de-CH"/>
           </a:p>
@@ -7744,7 +8819,7 @@
           <a:p>
             <a:fld id="{A68AE792-D59F-423A-A004-682FFB464391}" type="datetimeFigureOut">
               <a:rPr lang="de-CH" smtClean="0"/>
-              <a:t>12.09.2024</a:t>
+              <a:t>13.09.2024</a:t>
             </a:fld>
             <a:endParaRPr lang="de-CH"/>
           </a:p>
@@ -7977,7 +9052,7 @@
           <a:p>
             <a:fld id="{A68AE792-D59F-423A-A004-682FFB464391}" type="datetimeFigureOut">
               <a:rPr lang="de-CH" smtClean="0"/>
-              <a:t>12.09.2024</a:t>
+              <a:t>13.09.2024</a:t>
             </a:fld>
             <a:endParaRPr lang="de-CH"/>
           </a:p>
@@ -8634,7 +9709,7 @@
           <a:p>
             <a:r>
               <a:rPr lang="de-CH" dirty="0"/>
-              <a:t>Team BKW – &lt;NAMES&gt;</a:t>
+              <a:t>Team BKW – Ra</a:t>
             </a:r>
           </a:p>
         </p:txBody>
@@ -8671,10 +9746,10 @@
       </p:grpSpPr>
       <p:graphicFrame>
         <p:nvGraphicFramePr>
-          <p:cNvPr id="4" name="think-cell data - do not delete" hidden="1">
+          <p:cNvPr id="7" name="think-cell data - do not delete" hidden="1">
             <a:extLst>
               <a:ext uri="{FF2B5EF4-FFF2-40B4-BE49-F238E27FC236}">
-                <a16:creationId xmlns:a16="http://schemas.microsoft.com/office/drawing/2014/main" id="{99120A0D-9EB9-8432-56FF-DED0DB9C1428}"/>
+                <a16:creationId xmlns:a16="http://schemas.microsoft.com/office/drawing/2014/main" id="{A9382E23-DBE4-C08B-FABE-9F21BF9D770F}"/>
               </a:ext>
             </a:extLst>
           </p:cNvPr>
@@ -8687,7 +9762,768 @@
             </p:custDataLst>
             <p:extLst>
               <p:ext uri="{D42A27DB-BD31-4B8C-83A1-F6EECF244321}">
-                <p14:modId xmlns:p14="http://schemas.microsoft.com/office/powerpoint/2010/main" val="2992963066"/>
+                <p14:modId xmlns:p14="http://schemas.microsoft.com/office/powerpoint/2010/main" val="1596152366"/>
+              </p:ext>
+            </p:extLst>
+          </p:nvPr>
+        </p:nvGraphicFramePr>
+        <p:xfrm>
+          <a:off x="1588" y="1588"/>
+          <a:ext cx="1588" cy="1588"/>
+        </p:xfrm>
+        <a:graphic>
+          <a:graphicData uri="http://schemas.openxmlformats.org/presentationml/2006/ole">
+            <mc:AlternateContent xmlns:mc="http://schemas.openxmlformats.org/markup-compatibility/2006">
+              <mc:Choice xmlns:v="urn:schemas-microsoft-com:vml" Requires="v">
+                <p:oleObj name="think-cell Folie" r:id="rId4" imgW="353" imgH="318" progId="TCLayout.ActiveDocument.1">
+                  <p:embed/>
+                </p:oleObj>
+              </mc:Choice>
+              <mc:Fallback>
+                <p:oleObj name="think-cell Folie" r:id="rId4" imgW="353" imgH="318" progId="TCLayout.ActiveDocument.1">
+                  <p:embed/>
+                  <p:pic>
+                    <p:nvPicPr>
+                      <p:cNvPr id="0" name=""/>
+                      <p:cNvPicPr/>
+                      <p:nvPr/>
+                    </p:nvPicPr>
+                    <p:blipFill>
+                      <a:blip r:embed="rId5"/>
+                      <a:stretch>
+                        <a:fillRect/>
+                      </a:stretch>
+                    </p:blipFill>
+                    <p:spPr>
+                      <a:xfrm>
+                        <a:off x="1588" y="1588"/>
+                        <a:ext cx="1588" cy="1588"/>
+                      </a:xfrm>
+                      <a:prstGeom prst="rect">
+                        <a:avLst/>
+                      </a:prstGeom>
+                    </p:spPr>
+                  </p:pic>
+                </p:oleObj>
+              </mc:Fallback>
+            </mc:AlternateContent>
+          </a:graphicData>
+        </a:graphic>
+      </p:graphicFrame>
+      <p:sp>
+        <p:nvSpPr>
+          <p:cNvPr id="2" name="Titel 1">
+            <a:extLst>
+              <a:ext uri="{FF2B5EF4-FFF2-40B4-BE49-F238E27FC236}">
+                <a16:creationId xmlns:a16="http://schemas.microsoft.com/office/drawing/2014/main" id="{7E902800-AE8F-7492-F57E-2448FE75BF83}"/>
+              </a:ext>
+            </a:extLst>
+          </p:cNvPr>
+          <p:cNvSpPr>
+            <a:spLocks noGrp="1"/>
+          </p:cNvSpPr>
+          <p:nvPr>
+            <p:ph type="title"/>
+          </p:nvPr>
+        </p:nvSpPr>
+        <p:spPr/>
+        <p:txBody>
+          <a:bodyPr vert="horz"/>
+          <a:lstStyle/>
+          <a:p>
+            <a:r>
+              <a:rPr lang="de-CH" dirty="0"/>
+              <a:t>Daily Trend </a:t>
+            </a:r>
+            <a:r>
+              <a:rPr lang="de-CH" dirty="0" err="1"/>
+              <a:t>short</a:t>
+            </a:r>
+            <a:r>
+              <a:rPr lang="de-CH" dirty="0"/>
+              <a:t> </a:t>
+            </a:r>
+            <a:r>
+              <a:rPr lang="de-CH" dirty="0" err="1"/>
+              <a:t>term</a:t>
+            </a:r>
+            <a:r>
+              <a:rPr lang="de-CH" dirty="0"/>
+              <a:t> pos. </a:t>
+            </a:r>
+            <a:r>
+              <a:rPr lang="de-CH" dirty="0" err="1"/>
+              <a:t>balance</a:t>
+            </a:r>
+            <a:endParaRPr lang="de-CH" dirty="0"/>
+          </a:p>
+        </p:txBody>
+      </p:sp>
+      <p:pic>
+        <p:nvPicPr>
+          <p:cNvPr id="5" name="Inhaltsplatzhalter 4">
+            <a:extLst>
+              <a:ext uri="{FF2B5EF4-FFF2-40B4-BE49-F238E27FC236}">
+                <a16:creationId xmlns:a16="http://schemas.microsoft.com/office/drawing/2014/main" id="{CFA77BEC-B976-6EEE-3E6B-E815B0F1CB2E}"/>
+              </a:ext>
+            </a:extLst>
+          </p:cNvPr>
+          <p:cNvPicPr>
+            <a:picLocks noGrp="1" noChangeAspect="1"/>
+          </p:cNvPicPr>
+          <p:nvPr>
+            <p:ph idx="1"/>
+          </p:nvPr>
+        </p:nvPicPr>
+        <p:blipFill>
+          <a:blip r:embed="rId6">
+            <a:extLst>
+              <a:ext uri="{28A0092B-C50C-407E-A947-70E740481C1C}">
+                <a14:useLocalDpi xmlns:a14="http://schemas.microsoft.com/office/drawing/2010/main" val="0"/>
+              </a:ext>
+            </a:extLst>
+          </a:blip>
+          <a:stretch>
+            <a:fillRect/>
+          </a:stretch>
+        </p:blipFill>
+        <p:spPr>
+          <a:xfrm>
+            <a:off x="1609809" y="1916113"/>
+            <a:ext cx="9156101" cy="4532312"/>
+          </a:xfrm>
+        </p:spPr>
+      </p:pic>
+      <p:sp>
+        <p:nvSpPr>
+          <p:cNvPr id="23" name="Textfeld 22">
+            <a:extLst>
+              <a:ext uri="{FF2B5EF4-FFF2-40B4-BE49-F238E27FC236}">
+                <a16:creationId xmlns:a16="http://schemas.microsoft.com/office/drawing/2014/main" id="{69850863-E98A-9932-AD91-DD0E7BE06E94}"/>
+              </a:ext>
+            </a:extLst>
+          </p:cNvPr>
+          <p:cNvSpPr txBox="1"/>
+          <p:nvPr/>
+        </p:nvSpPr>
+        <p:spPr>
+          <a:xfrm>
+            <a:off x="883123" y="2238375"/>
+            <a:ext cx="1085934" cy="369332"/>
+          </a:xfrm>
+          <a:prstGeom prst="rect">
+            <a:avLst/>
+          </a:prstGeom>
+          <a:noFill/>
+        </p:spPr>
+        <p:txBody>
+          <a:bodyPr wrap="square" rtlCol="0">
+            <a:spAutoFit/>
+          </a:bodyPr>
+          <a:lstStyle/>
+          <a:p>
+            <a:r>
+              <a:rPr lang="de-CH" dirty="0"/>
+              <a:t>Mon.</a:t>
+            </a:r>
+          </a:p>
+        </p:txBody>
+      </p:sp>
+      <p:sp>
+        <p:nvSpPr>
+          <p:cNvPr id="24" name="Textfeld 23">
+            <a:extLst>
+              <a:ext uri="{FF2B5EF4-FFF2-40B4-BE49-F238E27FC236}">
+                <a16:creationId xmlns:a16="http://schemas.microsoft.com/office/drawing/2014/main" id="{2A58CA14-976D-13FC-D504-F98FF12544E7}"/>
+              </a:ext>
+            </a:extLst>
+          </p:cNvPr>
+          <p:cNvSpPr txBox="1"/>
+          <p:nvPr/>
+        </p:nvSpPr>
+        <p:spPr>
+          <a:xfrm>
+            <a:off x="952627" y="5543550"/>
+            <a:ext cx="1085934" cy="369332"/>
+          </a:xfrm>
+          <a:prstGeom prst="rect">
+            <a:avLst/>
+          </a:prstGeom>
+          <a:noFill/>
+        </p:spPr>
+        <p:txBody>
+          <a:bodyPr wrap="square" rtlCol="0">
+            <a:spAutoFit/>
+          </a:bodyPr>
+          <a:lstStyle/>
+          <a:p>
+            <a:r>
+              <a:rPr lang="de-CH" dirty="0"/>
+              <a:t>Sun.</a:t>
+            </a:r>
+          </a:p>
+        </p:txBody>
+      </p:sp>
+      <p:cxnSp>
+        <p:nvCxnSpPr>
+          <p:cNvPr id="26" name="Gerader Verbinder 25">
+            <a:extLst>
+              <a:ext uri="{FF2B5EF4-FFF2-40B4-BE49-F238E27FC236}">
+                <a16:creationId xmlns:a16="http://schemas.microsoft.com/office/drawing/2014/main" id="{65AC7E17-E862-C59A-97D4-5CD65C551BC0}"/>
+              </a:ext>
+            </a:extLst>
+          </p:cNvPr>
+          <p:cNvCxnSpPr/>
+          <p:nvPr/>
+        </p:nvCxnSpPr>
+        <p:spPr>
+          <a:xfrm>
+            <a:off x="883123" y="4876800"/>
+            <a:ext cx="9041927" cy="0"/>
+          </a:xfrm>
+          <a:prstGeom prst="line">
+            <a:avLst/>
+          </a:prstGeom>
+          <a:ln w="57150">
+            <a:solidFill>
+              <a:srgbClr val="FFC000"/>
+            </a:solidFill>
+          </a:ln>
+        </p:spPr>
+        <p:style>
+          <a:lnRef idx="1">
+            <a:schemeClr val="accent1"/>
+          </a:lnRef>
+          <a:fillRef idx="0">
+            <a:schemeClr val="accent1"/>
+          </a:fillRef>
+          <a:effectRef idx="0">
+            <a:schemeClr val="accent1"/>
+          </a:effectRef>
+          <a:fontRef idx="minor">
+            <a:schemeClr val="tx1"/>
+          </a:fontRef>
+        </p:style>
+      </p:cxnSp>
+    </p:spTree>
+    <p:extLst>
+      <p:ext uri="{BB962C8B-B14F-4D97-AF65-F5344CB8AC3E}">
+        <p14:creationId xmlns:p14="http://schemas.microsoft.com/office/powerpoint/2010/main" val="3728653978"/>
+      </p:ext>
+    </p:extLst>
+  </p:cSld>
+  <p:clrMapOvr>
+    <a:masterClrMapping/>
+  </p:clrMapOvr>
+</p:sld>
+</file>
+
+<file path=ppt/slides/slide11.xml><?xml version="1.0" encoding="utf-8"?>
+<p:sld xmlns:a="http://schemas.openxmlformats.org/drawingml/2006/main" xmlns:r="http://schemas.openxmlformats.org/officeDocument/2006/relationships" xmlns:p="http://schemas.openxmlformats.org/presentationml/2006/main">
+  <p:cSld>
+    <p:spTree>
+      <p:nvGrpSpPr>
+        <p:cNvPr id="1" name=""/>
+        <p:cNvGrpSpPr/>
+        <p:nvPr/>
+      </p:nvGrpSpPr>
+      <p:grpSpPr>
+        <a:xfrm>
+          <a:off x="0" y="0"/>
+          <a:ext cx="0" cy="0"/>
+          <a:chOff x="0" y="0"/>
+          <a:chExt cx="0" cy="0"/>
+        </a:xfrm>
+      </p:grpSpPr>
+      <p:graphicFrame>
+        <p:nvGraphicFramePr>
+          <p:cNvPr id="4" name="think-cell data - do not delete" hidden="1">
+            <a:extLst>
+              <a:ext uri="{FF2B5EF4-FFF2-40B4-BE49-F238E27FC236}">
+                <a16:creationId xmlns:a16="http://schemas.microsoft.com/office/drawing/2014/main" id="{31AC2568-3D2C-8FFC-2287-C1AF1D94861A}"/>
+              </a:ext>
+            </a:extLst>
+          </p:cNvPr>
+          <p:cNvGraphicFramePr>
+            <a:graphicFrameLocks noChangeAspect="1"/>
+          </p:cNvGraphicFramePr>
+          <p:nvPr>
+            <p:custDataLst>
+              <p:tags r:id="rId1"/>
+            </p:custDataLst>
+            <p:extLst>
+              <p:ext uri="{D42A27DB-BD31-4B8C-83A1-F6EECF244321}">
+                <p14:modId xmlns:p14="http://schemas.microsoft.com/office/powerpoint/2010/main" val="2591592576"/>
+              </p:ext>
+            </p:extLst>
+          </p:nvPr>
+        </p:nvGraphicFramePr>
+        <p:xfrm>
+          <a:off x="1588" y="1588"/>
+          <a:ext cx="1588" cy="1588"/>
+        </p:xfrm>
+        <a:graphic>
+          <a:graphicData uri="http://schemas.openxmlformats.org/presentationml/2006/ole">
+            <mc:AlternateContent xmlns:mc="http://schemas.openxmlformats.org/markup-compatibility/2006">
+              <mc:Choice xmlns:v="urn:schemas-microsoft-com:vml" Requires="v">
+                <p:oleObj name="think-cell Folie" r:id="rId4" imgW="353" imgH="318" progId="TCLayout.ActiveDocument.1">
+                  <p:embed/>
+                </p:oleObj>
+              </mc:Choice>
+              <mc:Fallback>
+                <p:oleObj name="think-cell Folie" r:id="rId4" imgW="353" imgH="318" progId="TCLayout.ActiveDocument.1">
+                  <p:embed/>
+                  <p:pic>
+                    <p:nvPicPr>
+                      <p:cNvPr id="0" name=""/>
+                      <p:cNvPicPr/>
+                      <p:nvPr/>
+                    </p:nvPicPr>
+                    <p:blipFill>
+                      <a:blip r:embed="rId5"/>
+                      <a:stretch>
+                        <a:fillRect/>
+                      </a:stretch>
+                    </p:blipFill>
+                    <p:spPr>
+                      <a:xfrm>
+                        <a:off x="1588" y="1588"/>
+                        <a:ext cx="1588" cy="1588"/>
+                      </a:xfrm>
+                      <a:prstGeom prst="rect">
+                        <a:avLst/>
+                      </a:prstGeom>
+                    </p:spPr>
+                  </p:pic>
+                </p:oleObj>
+              </mc:Fallback>
+            </mc:AlternateContent>
+          </a:graphicData>
+        </a:graphic>
+      </p:graphicFrame>
+      <p:sp>
+        <p:nvSpPr>
+          <p:cNvPr id="2" name="Titel 1">
+            <a:extLst>
+              <a:ext uri="{FF2B5EF4-FFF2-40B4-BE49-F238E27FC236}">
+                <a16:creationId xmlns:a16="http://schemas.microsoft.com/office/drawing/2014/main" id="{15173708-DD2C-3175-DCCB-CD751CAFA9A5}"/>
+              </a:ext>
+            </a:extLst>
+          </p:cNvPr>
+          <p:cNvSpPr>
+            <a:spLocks noGrp="1"/>
+          </p:cNvSpPr>
+          <p:nvPr>
+            <p:ph type="title"/>
+          </p:nvPr>
+        </p:nvSpPr>
+        <p:spPr/>
+        <p:txBody>
+          <a:bodyPr vert="horz"/>
+          <a:lstStyle/>
+          <a:p>
+            <a:r>
+              <a:rPr lang="de-CH" dirty="0" err="1"/>
+              <a:t>Imported</a:t>
+            </a:r>
+            <a:r>
+              <a:rPr lang="de-CH" dirty="0"/>
+              <a:t> Energy lags </a:t>
+            </a:r>
+            <a:r>
+              <a:rPr lang="de-CH" dirty="0" err="1"/>
+              <a:t>aFFR</a:t>
+            </a:r>
+            <a:endParaRPr lang="de-CH" dirty="0"/>
+          </a:p>
+        </p:txBody>
+      </p:sp>
+      <p:pic>
+        <p:nvPicPr>
+          <p:cNvPr id="11" name="Inhaltsplatzhalter 10">
+            <a:extLst>
+              <a:ext uri="{FF2B5EF4-FFF2-40B4-BE49-F238E27FC236}">
+                <a16:creationId xmlns:a16="http://schemas.microsoft.com/office/drawing/2014/main" id="{B3C5EF3D-1C01-2049-C5DC-A4409B8F051E}"/>
+              </a:ext>
+            </a:extLst>
+          </p:cNvPr>
+          <p:cNvPicPr>
+            <a:picLocks noGrp="1" noChangeAspect="1"/>
+          </p:cNvPicPr>
+          <p:nvPr>
+            <p:ph idx="1"/>
+          </p:nvPr>
+        </p:nvPicPr>
+        <p:blipFill rotWithShape="1">
+          <a:blip r:embed="rId6">
+            <a:extLst>
+              <a:ext uri="{28A0092B-C50C-407E-A947-70E740481C1C}">
+                <a14:useLocalDpi xmlns:a14="http://schemas.microsoft.com/office/drawing/2010/main" val="0"/>
+              </a:ext>
+            </a:extLst>
+          </a:blip>
+          <a:srcRect b="52467"/>
+          <a:stretch/>
+        </p:blipFill>
+        <p:spPr>
+          <a:xfrm>
+            <a:off x="326134" y="1986941"/>
+            <a:ext cx="11434953" cy="3778592"/>
+          </a:xfrm>
+        </p:spPr>
+      </p:pic>
+      <p:pic>
+        <p:nvPicPr>
+          <p:cNvPr id="13" name="Inhaltsplatzhalter 10">
+            <a:extLst>
+              <a:ext uri="{FF2B5EF4-FFF2-40B4-BE49-F238E27FC236}">
+                <a16:creationId xmlns:a16="http://schemas.microsoft.com/office/drawing/2014/main" id="{6A1267B0-96E7-6CA9-FEAD-FECEF940F0FF}"/>
+              </a:ext>
+            </a:extLst>
+          </p:cNvPr>
+          <p:cNvPicPr>
+            <a:picLocks noChangeAspect="1"/>
+          </p:cNvPicPr>
+          <p:nvPr/>
+        </p:nvPicPr>
+        <p:blipFill rotWithShape="1">
+          <a:blip r:embed="rId6">
+            <a:extLst>
+              <a:ext uri="{28A0092B-C50C-407E-A947-70E740481C1C}">
+                <a14:useLocalDpi xmlns:a14="http://schemas.microsoft.com/office/drawing/2010/main" val="0"/>
+              </a:ext>
+            </a:extLst>
+          </a:blip>
+          <a:srcRect t="93429" b="-349"/>
+          <a:stretch/>
+        </p:blipFill>
+        <p:spPr>
+          <a:xfrm>
+            <a:off x="326134" y="5692966"/>
+            <a:ext cx="11433159" cy="550007"/>
+          </a:xfrm>
+          <a:prstGeom prst="rect">
+            <a:avLst/>
+          </a:prstGeom>
+        </p:spPr>
+      </p:pic>
+      <p:cxnSp>
+        <p:nvCxnSpPr>
+          <p:cNvPr id="15" name="Gerader Verbinder 14">
+            <a:extLst>
+              <a:ext uri="{FF2B5EF4-FFF2-40B4-BE49-F238E27FC236}">
+                <a16:creationId xmlns:a16="http://schemas.microsoft.com/office/drawing/2014/main" id="{2743D227-AC26-8D71-72D1-4CFD77989B35}"/>
+              </a:ext>
+            </a:extLst>
+          </p:cNvPr>
+          <p:cNvCxnSpPr/>
+          <p:nvPr/>
+        </p:nvCxnSpPr>
+        <p:spPr>
+          <a:xfrm>
+            <a:off x="3876675" y="1762125"/>
+            <a:ext cx="0" cy="4480848"/>
+          </a:xfrm>
+          <a:prstGeom prst="line">
+            <a:avLst/>
+          </a:prstGeom>
+          <a:ln w="57150">
+            <a:solidFill>
+              <a:schemeClr val="bg2">
+                <a:lumMod val="50000"/>
+              </a:schemeClr>
+            </a:solidFill>
+          </a:ln>
+        </p:spPr>
+        <p:style>
+          <a:lnRef idx="1">
+            <a:schemeClr val="accent1"/>
+          </a:lnRef>
+          <a:fillRef idx="0">
+            <a:schemeClr val="accent1"/>
+          </a:fillRef>
+          <a:effectRef idx="0">
+            <a:schemeClr val="accent1"/>
+          </a:effectRef>
+          <a:fontRef idx="minor">
+            <a:schemeClr val="tx1"/>
+          </a:fontRef>
+        </p:style>
+      </p:cxnSp>
+      <p:sp>
+        <p:nvSpPr>
+          <p:cNvPr id="16" name="Pfeil: nach rechts 15">
+            <a:extLst>
+              <a:ext uri="{FF2B5EF4-FFF2-40B4-BE49-F238E27FC236}">
+                <a16:creationId xmlns:a16="http://schemas.microsoft.com/office/drawing/2014/main" id="{DB48C59E-F884-D390-9F6D-045D160DC7CE}"/>
+              </a:ext>
+            </a:extLst>
+          </p:cNvPr>
+          <p:cNvSpPr/>
+          <p:nvPr/>
+        </p:nvSpPr>
+        <p:spPr>
+          <a:xfrm>
+            <a:off x="3870802" y="4235775"/>
+            <a:ext cx="367824" cy="374325"/>
+          </a:xfrm>
+          <a:prstGeom prst="rightArrow">
+            <a:avLst/>
+          </a:prstGeom>
+          <a:solidFill>
+            <a:schemeClr val="bg2">
+              <a:lumMod val="50000"/>
+            </a:schemeClr>
+          </a:solidFill>
+          <a:ln>
+            <a:solidFill>
+              <a:schemeClr val="bg2">
+                <a:lumMod val="50000"/>
+              </a:schemeClr>
+            </a:solidFill>
+          </a:ln>
+        </p:spPr>
+        <p:style>
+          <a:lnRef idx="2">
+            <a:schemeClr val="accent1">
+              <a:shade val="15000"/>
+            </a:schemeClr>
+          </a:lnRef>
+          <a:fillRef idx="1">
+            <a:schemeClr val="accent1"/>
+          </a:fillRef>
+          <a:effectRef idx="0">
+            <a:schemeClr val="accent1"/>
+          </a:effectRef>
+          <a:fontRef idx="minor">
+            <a:schemeClr val="lt1"/>
+          </a:fontRef>
+        </p:style>
+        <p:txBody>
+          <a:bodyPr rtlCol="0" anchor="ctr"/>
+          <a:lstStyle/>
+          <a:p>
+            <a:pPr algn="ctr"/>
+            <a:endParaRPr lang="de-CH"/>
+          </a:p>
+        </p:txBody>
+      </p:sp>
+    </p:spTree>
+    <p:extLst>
+      <p:ext uri="{BB962C8B-B14F-4D97-AF65-F5344CB8AC3E}">
+        <p14:creationId xmlns:p14="http://schemas.microsoft.com/office/powerpoint/2010/main" val="3373060549"/>
+      </p:ext>
+    </p:extLst>
+  </p:cSld>
+  <p:clrMapOvr>
+    <a:masterClrMapping/>
+  </p:clrMapOvr>
+</p:sld>
+</file>
+
+<file path=ppt/slides/slide12.xml><?xml version="1.0" encoding="utf-8"?>
+<p:sld xmlns:a="http://schemas.openxmlformats.org/drawingml/2006/main" xmlns:r="http://schemas.openxmlformats.org/officeDocument/2006/relationships" xmlns:p="http://schemas.openxmlformats.org/presentationml/2006/main">
+  <p:cSld>
+    <p:spTree>
+      <p:nvGrpSpPr>
+        <p:cNvPr id="1" name=""/>
+        <p:cNvGrpSpPr/>
+        <p:nvPr/>
+      </p:nvGrpSpPr>
+      <p:grpSpPr>
+        <a:xfrm>
+          <a:off x="0" y="0"/>
+          <a:ext cx="0" cy="0"/>
+          <a:chOff x="0" y="0"/>
+          <a:chExt cx="0" cy="0"/>
+        </a:xfrm>
+      </p:grpSpPr>
+      <p:graphicFrame>
+        <p:nvGraphicFramePr>
+          <p:cNvPr id="4" name="think-cell data - do not delete" hidden="1">
+            <a:extLst>
+              <a:ext uri="{FF2B5EF4-FFF2-40B4-BE49-F238E27FC236}">
+                <a16:creationId xmlns:a16="http://schemas.microsoft.com/office/drawing/2014/main" id="{225781D4-B548-DF43-6BA4-82CF667893E1}"/>
+              </a:ext>
+            </a:extLst>
+          </p:cNvPr>
+          <p:cNvGraphicFramePr>
+            <a:graphicFrameLocks noChangeAspect="1"/>
+          </p:cNvGraphicFramePr>
+          <p:nvPr>
+            <p:custDataLst>
+              <p:tags r:id="rId1"/>
+            </p:custDataLst>
+            <p:extLst>
+              <p:ext uri="{D42A27DB-BD31-4B8C-83A1-F6EECF244321}">
+                <p14:modId xmlns:p14="http://schemas.microsoft.com/office/powerpoint/2010/main" val="2341090605"/>
+              </p:ext>
+            </p:extLst>
+          </p:nvPr>
+        </p:nvGraphicFramePr>
+        <p:xfrm>
+          <a:off x="1588" y="1588"/>
+          <a:ext cx="1588" cy="1588"/>
+        </p:xfrm>
+        <a:graphic>
+          <a:graphicData uri="http://schemas.openxmlformats.org/presentationml/2006/ole">
+            <mc:AlternateContent xmlns:mc="http://schemas.openxmlformats.org/markup-compatibility/2006">
+              <mc:Choice xmlns:v="urn:schemas-microsoft-com:vml" Requires="v">
+                <p:oleObj name="think-cell Folie" r:id="rId4" imgW="353" imgH="318" progId="TCLayout.ActiveDocument.1">
+                  <p:embed/>
+                </p:oleObj>
+              </mc:Choice>
+              <mc:Fallback>
+                <p:oleObj name="think-cell Folie" r:id="rId4" imgW="353" imgH="318" progId="TCLayout.ActiveDocument.1">
+                  <p:embed/>
+                  <p:pic>
+                    <p:nvPicPr>
+                      <p:cNvPr id="0" name=""/>
+                      <p:cNvPicPr/>
+                      <p:nvPr/>
+                    </p:nvPicPr>
+                    <p:blipFill>
+                      <a:blip r:embed="rId5"/>
+                      <a:stretch>
+                        <a:fillRect/>
+                      </a:stretch>
+                    </p:blipFill>
+                    <p:spPr>
+                      <a:xfrm>
+                        <a:off x="1588" y="1588"/>
+                        <a:ext cx="1588" cy="1588"/>
+                      </a:xfrm>
+                      <a:prstGeom prst="rect">
+                        <a:avLst/>
+                      </a:prstGeom>
+                    </p:spPr>
+                  </p:pic>
+                </p:oleObj>
+              </mc:Fallback>
+            </mc:AlternateContent>
+          </a:graphicData>
+        </a:graphic>
+      </p:graphicFrame>
+      <p:sp>
+        <p:nvSpPr>
+          <p:cNvPr id="2" name="Titel 1">
+            <a:extLst>
+              <a:ext uri="{FF2B5EF4-FFF2-40B4-BE49-F238E27FC236}">
+                <a16:creationId xmlns:a16="http://schemas.microsoft.com/office/drawing/2014/main" id="{34DB2B60-883D-DB3C-B976-CC4919C449E1}"/>
+              </a:ext>
+            </a:extLst>
+          </p:cNvPr>
+          <p:cNvSpPr>
+            <a:spLocks noGrp="1"/>
+          </p:cNvSpPr>
+          <p:nvPr>
+            <p:ph type="title"/>
+          </p:nvPr>
+        </p:nvSpPr>
+        <p:spPr/>
+        <p:txBody>
+          <a:bodyPr vert="horz"/>
+          <a:lstStyle/>
+          <a:p>
+            <a:r>
+              <a:rPr lang="de-CH" dirty="0"/>
+              <a:t>Ramp-</a:t>
+            </a:r>
+            <a:r>
+              <a:rPr lang="de-CH" dirty="0" err="1"/>
+              <a:t>up</a:t>
+            </a:r>
+            <a:r>
+              <a:rPr lang="de-CH" dirty="0"/>
+              <a:t>, Ramp-down</a:t>
+            </a:r>
+          </a:p>
+        </p:txBody>
+      </p:sp>
+      <p:pic>
+        <p:nvPicPr>
+          <p:cNvPr id="8" name="Inhaltsplatzhalter 7">
+            <a:extLst>
+              <a:ext uri="{FF2B5EF4-FFF2-40B4-BE49-F238E27FC236}">
+                <a16:creationId xmlns:a16="http://schemas.microsoft.com/office/drawing/2014/main" id="{7A82F82A-BDC0-F44A-E845-C5462FF8E3E6}"/>
+              </a:ext>
+            </a:extLst>
+          </p:cNvPr>
+          <p:cNvPicPr>
+            <a:picLocks noGrp="1" noChangeAspect="1"/>
+          </p:cNvPicPr>
+          <p:nvPr>
+            <p:ph idx="1"/>
+          </p:nvPr>
+        </p:nvPicPr>
+        <p:blipFill>
+          <a:blip r:embed="rId6">
+            <a:extLst>
+              <a:ext uri="{28A0092B-C50C-407E-A947-70E740481C1C}">
+                <a14:useLocalDpi xmlns:a14="http://schemas.microsoft.com/office/drawing/2010/main" val="0"/>
+              </a:ext>
+            </a:extLst>
+          </a:blip>
+          <a:stretch>
+            <a:fillRect/>
+          </a:stretch>
+        </p:blipFill>
+        <p:spPr>
+          <a:xfrm>
+            <a:off x="86988" y="1703354"/>
+            <a:ext cx="12254117" cy="4745571"/>
+          </a:xfrm>
+        </p:spPr>
+      </p:pic>
+    </p:spTree>
+    <p:extLst>
+      <p:ext uri="{BB962C8B-B14F-4D97-AF65-F5344CB8AC3E}">
+        <p14:creationId xmlns:p14="http://schemas.microsoft.com/office/powerpoint/2010/main" val="1336315659"/>
+      </p:ext>
+    </p:extLst>
+  </p:cSld>
+  <p:clrMapOvr>
+    <a:masterClrMapping/>
+  </p:clrMapOvr>
+</p:sld>
+</file>
+
+<file path=ppt/slides/slide13.xml><?xml version="1.0" encoding="utf-8"?>
+<p:sld xmlns:a="http://schemas.openxmlformats.org/drawingml/2006/main" xmlns:r="http://schemas.openxmlformats.org/officeDocument/2006/relationships" xmlns:p="http://schemas.openxmlformats.org/presentationml/2006/main">
+  <p:cSld>
+    <p:spTree>
+      <p:nvGrpSpPr>
+        <p:cNvPr id="1" name=""/>
+        <p:cNvGrpSpPr/>
+        <p:nvPr/>
+      </p:nvGrpSpPr>
+      <p:grpSpPr>
+        <a:xfrm>
+          <a:off x="0" y="0"/>
+          <a:ext cx="0" cy="0"/>
+          <a:chOff x="0" y="0"/>
+          <a:chExt cx="0" cy="0"/>
+        </a:xfrm>
+      </p:grpSpPr>
+      <p:graphicFrame>
+        <p:nvGraphicFramePr>
+          <p:cNvPr id="5" name="think-cell data - do not delete" hidden="1">
+            <a:extLst>
+              <a:ext uri="{FF2B5EF4-FFF2-40B4-BE49-F238E27FC236}">
+                <a16:creationId xmlns:a16="http://schemas.microsoft.com/office/drawing/2014/main" id="{03AF725D-DFD5-DD6D-0817-975A0EBE5A88}"/>
+              </a:ext>
+            </a:extLst>
+          </p:cNvPr>
+          <p:cNvGraphicFramePr>
+            <a:graphicFrameLocks noChangeAspect="1"/>
+          </p:cNvGraphicFramePr>
+          <p:nvPr>
+            <p:custDataLst>
+              <p:tags r:id="rId1"/>
+            </p:custDataLst>
+            <p:extLst>
+              <p:ext uri="{D42A27DB-BD31-4B8C-83A1-F6EECF244321}">
+                <p14:modId xmlns:p14="http://schemas.microsoft.com/office/powerpoint/2010/main" val="3470987157"/>
               </p:ext>
             </p:extLst>
           </p:nvPr>
@@ -8740,7 +10576,7 @@
           <p:cNvPr id="2" name="Titel 1">
             <a:extLst>
               <a:ext uri="{FF2B5EF4-FFF2-40B4-BE49-F238E27FC236}">
-                <a16:creationId xmlns:a16="http://schemas.microsoft.com/office/drawing/2014/main" id="{74D0DC2D-5964-C0D7-7E3E-66395C5F92CE}"/>
+                <a16:creationId xmlns:a16="http://schemas.microsoft.com/office/drawing/2014/main" id="{CC671526-B9FF-D136-9779-C875F8FDECE8}"/>
               </a:ext>
             </a:extLst>
           </p:cNvPr>
@@ -8758,15 +10594,170 @@
           <a:p>
             <a:r>
               <a:rPr lang="de-CH" dirty="0"/>
-              <a:t>Long-term </a:t>
+              <a:t>Shorttime </a:t>
             </a:r>
             <a:r>
               <a:rPr lang="de-CH" dirty="0" err="1"/>
               <a:t>forecast</a:t>
             </a:r>
+            <a:endParaRPr lang="de-CH" dirty="0"/>
+          </a:p>
+        </p:txBody>
+      </p:sp>
+      <p:pic>
+        <p:nvPicPr>
+          <p:cNvPr id="6" name="Google Shape;121;p23">
+            <a:extLst>
+              <a:ext uri="{FF2B5EF4-FFF2-40B4-BE49-F238E27FC236}">
+                <a16:creationId xmlns:a16="http://schemas.microsoft.com/office/drawing/2014/main" id="{E9A4752F-74FC-94D8-D8FB-F44D3A712605}"/>
+              </a:ext>
+            </a:extLst>
+          </p:cNvPr>
+          <p:cNvPicPr preferRelativeResize="0"/>
+          <p:nvPr/>
+        </p:nvPicPr>
+        <p:blipFill>
+          <a:blip r:embed="rId5">
+            <a:alphaModFix/>
+          </a:blip>
+          <a:stretch>
+            <a:fillRect/>
+          </a:stretch>
+        </p:blipFill>
+        <p:spPr>
+          <a:xfrm>
+            <a:off x="2318285" y="1687327"/>
+            <a:ext cx="8879401" cy="5027798"/>
+          </a:xfrm>
+          <a:prstGeom prst="rect">
+            <a:avLst/>
+          </a:prstGeom>
+          <a:noFill/>
+          <a:ln>
+            <a:noFill/>
+          </a:ln>
+        </p:spPr>
+      </p:pic>
+    </p:spTree>
+    <p:extLst>
+      <p:ext uri="{BB962C8B-B14F-4D97-AF65-F5344CB8AC3E}">
+        <p14:creationId xmlns:p14="http://schemas.microsoft.com/office/powerpoint/2010/main" val="257862910"/>
+      </p:ext>
+    </p:extLst>
+  </p:cSld>
+  <p:clrMapOvr>
+    <a:masterClrMapping/>
+  </p:clrMapOvr>
+</p:sld>
+</file>
+
+<file path=ppt/slides/slide14.xml><?xml version="1.0" encoding="utf-8"?>
+<p:sld xmlns:a="http://schemas.openxmlformats.org/drawingml/2006/main" xmlns:r="http://schemas.openxmlformats.org/officeDocument/2006/relationships" xmlns:p="http://schemas.openxmlformats.org/presentationml/2006/main">
+  <p:cSld>
+    <p:spTree>
+      <p:nvGrpSpPr>
+        <p:cNvPr id="1" name=""/>
+        <p:cNvGrpSpPr/>
+        <p:nvPr/>
+      </p:nvGrpSpPr>
+      <p:grpSpPr>
+        <a:xfrm>
+          <a:off x="0" y="0"/>
+          <a:ext cx="0" cy="0"/>
+          <a:chOff x="0" y="0"/>
+          <a:chExt cx="0" cy="0"/>
+        </a:xfrm>
+      </p:grpSpPr>
+      <p:graphicFrame>
+        <p:nvGraphicFramePr>
+          <p:cNvPr id="4" name="think-cell data - do not delete" hidden="1">
+            <a:extLst>
+              <a:ext uri="{FF2B5EF4-FFF2-40B4-BE49-F238E27FC236}">
+                <a16:creationId xmlns:a16="http://schemas.microsoft.com/office/drawing/2014/main" id="{5D7CFFD9-A2A6-242A-B878-0AE849B33771}"/>
+              </a:ext>
+            </a:extLst>
+          </p:cNvPr>
+          <p:cNvGraphicFramePr>
+            <a:graphicFrameLocks noChangeAspect="1"/>
+          </p:cNvGraphicFramePr>
+          <p:nvPr>
+            <p:custDataLst>
+              <p:tags r:id="rId1"/>
+            </p:custDataLst>
+            <p:extLst>
+              <p:ext uri="{D42A27DB-BD31-4B8C-83A1-F6EECF244321}">
+                <p14:modId xmlns:p14="http://schemas.microsoft.com/office/powerpoint/2010/main" val="1474844363"/>
+              </p:ext>
+            </p:extLst>
+          </p:nvPr>
+        </p:nvGraphicFramePr>
+        <p:xfrm>
+          <a:off x="1588" y="1588"/>
+          <a:ext cx="1588" cy="1588"/>
+        </p:xfrm>
+        <a:graphic>
+          <a:graphicData uri="http://schemas.openxmlformats.org/presentationml/2006/ole">
+            <mc:AlternateContent xmlns:mc="http://schemas.openxmlformats.org/markup-compatibility/2006">
+              <mc:Choice xmlns:v="urn:schemas-microsoft-com:vml" Requires="v">
+                <p:oleObj name="think-cell Folie" r:id="rId3" imgW="353" imgH="318" progId="TCLayout.ActiveDocument.1">
+                  <p:embed/>
+                </p:oleObj>
+              </mc:Choice>
+              <mc:Fallback>
+                <p:oleObj name="think-cell Folie" r:id="rId3" imgW="353" imgH="318" progId="TCLayout.ActiveDocument.1">
+                  <p:embed/>
+                  <p:pic>
+                    <p:nvPicPr>
+                      <p:cNvPr id="0" name=""/>
+                      <p:cNvPicPr/>
+                      <p:nvPr/>
+                    </p:nvPicPr>
+                    <p:blipFill>
+                      <a:blip r:embed="rId4"/>
+                      <a:stretch>
+                        <a:fillRect/>
+                      </a:stretch>
+                    </p:blipFill>
+                    <p:spPr>
+                      <a:xfrm>
+                        <a:off x="1588" y="1588"/>
+                        <a:ext cx="1588" cy="1588"/>
+                      </a:xfrm>
+                      <a:prstGeom prst="rect">
+                        <a:avLst/>
+                      </a:prstGeom>
+                    </p:spPr>
+                  </p:pic>
+                </p:oleObj>
+              </mc:Fallback>
+            </mc:AlternateContent>
+          </a:graphicData>
+        </a:graphic>
+      </p:graphicFrame>
+      <p:sp>
+        <p:nvSpPr>
+          <p:cNvPr id="2" name="Titel 1">
+            <a:extLst>
+              <a:ext uri="{FF2B5EF4-FFF2-40B4-BE49-F238E27FC236}">
+                <a16:creationId xmlns:a16="http://schemas.microsoft.com/office/drawing/2014/main" id="{94901A10-4D1C-B32E-7AF0-84BA721B6748}"/>
+              </a:ext>
+            </a:extLst>
+          </p:cNvPr>
+          <p:cNvSpPr>
+            <a:spLocks noGrp="1"/>
+          </p:cNvSpPr>
+          <p:nvPr>
+            <p:ph type="title"/>
+          </p:nvPr>
+        </p:nvSpPr>
+        <p:spPr/>
+        <p:txBody>
+          <a:bodyPr vert="horz"/>
+          <a:lstStyle/>
+          <a:p>
             <a:r>
               <a:rPr lang="de-CH" dirty="0"/>
-              <a:t> / Patterns</a:t>
+              <a:t>Questions!!!</a:t>
             </a:r>
           </a:p>
         </p:txBody>
@@ -8776,7 +10767,7 @@
           <p:cNvPr id="3" name="Inhaltsplatzhalter 2">
             <a:extLst>
               <a:ext uri="{FF2B5EF4-FFF2-40B4-BE49-F238E27FC236}">
-                <a16:creationId xmlns:a16="http://schemas.microsoft.com/office/drawing/2014/main" id="{A9037BCF-7390-C87A-D274-34ABD6243BD9}"/>
+                <a16:creationId xmlns:a16="http://schemas.microsoft.com/office/drawing/2014/main" id="{47234072-D94A-EDD7-7E0F-533C5FDFDF51}"/>
               </a:ext>
             </a:extLst>
           </p:cNvPr>
@@ -8792,21 +10783,17 @@
           <a:bodyPr/>
           <a:lstStyle/>
           <a:p>
-            <a:r>
-              <a:rPr lang="de-CH" dirty="0"/>
-              <a:t>&lt;</a:t>
-            </a:r>
-            <a:r>
-              <a:rPr lang="de-CH" dirty="0" err="1"/>
-              <a:t>If</a:t>
-            </a:r>
+            <a:pPr>
+              <a:buFont typeface="Arial" panose="020B0604020202020204" pitchFamily="34" charset="0"/>
+              <a:buChar char="•"/>
+            </a:pPr>
             <a:r>
               <a:rPr lang="de-CH" dirty="0"/>
               <a:t> </a:t>
             </a:r>
             <a:r>
               <a:rPr lang="de-CH" dirty="0" err="1"/>
-              <a:t>we</a:t>
+              <a:t>Why</a:t>
             </a:r>
             <a:r>
               <a:rPr lang="de-CH" dirty="0"/>
@@ -8814,7 +10801,7 @@
             </a:r>
             <a:r>
               <a:rPr lang="de-CH" dirty="0" err="1"/>
-              <a:t>have</a:t>
+              <a:t>is</a:t>
             </a:r>
             <a:r>
               <a:rPr lang="de-CH" dirty="0"/>
@@ -8822,7 +10809,7 @@
             </a:r>
             <a:r>
               <a:rPr lang="de-CH" dirty="0" err="1"/>
-              <a:t>some</a:t>
+              <a:t>it</a:t>
             </a:r>
             <a:r>
               <a:rPr lang="de-CH" dirty="0"/>
@@ -8830,15 +10817,7 @@
             </a:r>
             <a:r>
               <a:rPr lang="de-CH" dirty="0" err="1"/>
-              <a:t>images</a:t>
-            </a:r>
-            <a:r>
-              <a:rPr lang="de-CH" dirty="0"/>
-              <a:t>, </a:t>
-            </a:r>
-            <a:r>
-              <a:rPr lang="de-CH" dirty="0" err="1"/>
-              <a:t>patterns</a:t>
+              <a:t>difficult</a:t>
             </a:r>
             <a:r>
               <a:rPr lang="de-CH" dirty="0"/>
@@ -8846,11 +10825,93 @@
             </a:r>
             <a:r>
               <a:rPr lang="de-CH" dirty="0" err="1"/>
-              <a:t>model</a:t>
+              <a:t>to</a:t>
             </a:r>
             <a:r>
               <a:rPr lang="de-CH" dirty="0"/>
-              <a:t>&gt;</a:t>
+              <a:t> </a:t>
+            </a:r>
+            <a:r>
+              <a:rPr lang="de-CH" dirty="0" err="1"/>
+              <a:t>predict</a:t>
+            </a:r>
+            <a:r>
+              <a:rPr lang="de-CH" dirty="0"/>
+              <a:t> </a:t>
+            </a:r>
+            <a:r>
+              <a:rPr lang="de-CH" dirty="0" err="1"/>
+              <a:t>how</a:t>
+            </a:r>
+            <a:r>
+              <a:rPr lang="de-CH" dirty="0"/>
+              <a:t> </a:t>
+            </a:r>
+            <a:r>
+              <a:rPr lang="de-CH" dirty="0" err="1"/>
+              <a:t>much</a:t>
+            </a:r>
+            <a:r>
+              <a:rPr lang="de-CH" dirty="0"/>
+              <a:t> </a:t>
+            </a:r>
+            <a:r>
+              <a:rPr lang="de-CH" dirty="0" err="1"/>
+              <a:t>energy</a:t>
+            </a:r>
+            <a:r>
+              <a:rPr lang="de-CH" dirty="0"/>
+              <a:t> </a:t>
+            </a:r>
+            <a:r>
+              <a:rPr lang="de-CH" dirty="0" err="1"/>
+              <a:t>we</a:t>
+            </a:r>
+            <a:r>
+              <a:rPr lang="de-CH" dirty="0"/>
+              <a:t> </a:t>
+            </a:r>
+            <a:r>
+              <a:rPr lang="de-CH" dirty="0" err="1"/>
+              <a:t>consume</a:t>
+            </a:r>
+            <a:r>
+              <a:rPr lang="de-CH" dirty="0"/>
+              <a:t> in </a:t>
+            </a:r>
+            <a:r>
+              <a:rPr lang="de-CH" dirty="0" err="1"/>
+              <a:t>the</a:t>
+            </a:r>
+            <a:r>
+              <a:rPr lang="de-CH" dirty="0"/>
+              <a:t> </a:t>
+            </a:r>
+            <a:r>
+              <a:rPr lang="de-CH" dirty="0" err="1"/>
+              <a:t>morning</a:t>
+            </a:r>
+            <a:r>
+              <a:rPr lang="de-CH" dirty="0"/>
+              <a:t> and </a:t>
+            </a:r>
+            <a:r>
+              <a:rPr lang="de-CH" dirty="0" err="1"/>
+              <a:t>evening</a:t>
+            </a:r>
+            <a:r>
+              <a:rPr lang="de-CH" dirty="0"/>
+              <a:t>?</a:t>
+            </a:r>
+          </a:p>
+          <a:p>
+            <a:pPr>
+              <a:buFont typeface="Arial" panose="020B0604020202020204" pitchFamily="34" charset="0"/>
+              <a:buChar char="•"/>
+            </a:pPr>
+            <a:r>
+              <a:rPr lang="de-CH" dirty="0"/>
+              <a:t> </a:t>
             </a:r>
           </a:p>
         </p:txBody>
@@ -8858,7 +10919,7 @@
     </p:spTree>
     <p:extLst>
       <p:ext uri="{BB962C8B-B14F-4D97-AF65-F5344CB8AC3E}">
-        <p14:creationId xmlns:p14="http://schemas.microsoft.com/office/powerpoint/2010/main" val="3839831438"/>
+        <p14:creationId xmlns:p14="http://schemas.microsoft.com/office/powerpoint/2010/main" val="693020340"/>
       </p:ext>
     </p:extLst>
   </p:cSld>
@@ -8868,7 +10929,7 @@
 </p:sld>
 </file>
 
-<file path=ppt/slides/slide11.xml><?xml version="1.0" encoding="utf-8"?>
+<file path=ppt/slides/slide15.xml><?xml version="1.0" encoding="utf-8"?>
 <p:sld xmlns:a="http://schemas.openxmlformats.org/drawingml/2006/main" xmlns:r="http://schemas.openxmlformats.org/officeDocument/2006/relationships" xmlns:p="http://schemas.openxmlformats.org/presentationml/2006/main">
   <p:cSld>
     <p:spTree>
@@ -8903,7 +10964,7 @@
             </p:custDataLst>
             <p:extLst>
               <p:ext uri="{D42A27DB-BD31-4B8C-83A1-F6EECF244321}">
-                <p14:modId xmlns:p14="http://schemas.microsoft.com/office/powerpoint/2010/main" val="2885716358"/>
+                <p14:modId xmlns:p14="http://schemas.microsoft.com/office/powerpoint/2010/main" val="1613321138"/>
               </p:ext>
             </p:extLst>
           </p:nvPr>
@@ -8973,20 +11034,16 @@
           <a:lstStyle/>
           <a:p>
             <a:r>
+              <a:rPr lang="de-CH" dirty="0" err="1"/>
+              <a:t>Conclusions</a:t>
+            </a:r>
+            <a:r>
               <a:rPr lang="de-CH" dirty="0"/>
-              <a:t>Model </a:t>
+              <a:t> / </a:t>
             </a:r>
             <a:r>
               <a:rPr lang="de-CH" dirty="0" err="1"/>
-              <a:t>we</a:t>
-            </a:r>
-            <a:r>
-              <a:rPr lang="de-CH" dirty="0"/>
-              <a:t> </a:t>
-            </a:r>
-            <a:r>
-              <a:rPr lang="de-CH" dirty="0" err="1"/>
-              <a:t>created</a:t>
+              <a:t>wrap-up</a:t>
             </a:r>
             <a:endParaRPr lang="de-CH" dirty="0"/>
           </a:p>
@@ -9013,25 +11070,29 @@
           <a:bodyPr/>
           <a:lstStyle/>
           <a:p>
+            <a:pPr>
+              <a:buFont typeface="Arial" panose="020B0604020202020204" pitchFamily="34" charset="0"/>
+              <a:buChar char="•"/>
+            </a:pPr>
             <a:r>
               <a:rPr lang="de-CH" dirty="0"/>
-              <a:t>&lt;</a:t>
+              <a:t> Next  </a:t>
             </a:r>
             <a:r>
               <a:rPr lang="de-CH" dirty="0" err="1"/>
-              <a:t>info</a:t>
+              <a:t>Step</a:t>
             </a:r>
             <a:r>
               <a:rPr lang="de-CH" dirty="0"/>
-              <a:t> </a:t>
+              <a:t>: </a:t>
             </a:r>
             <a:r>
               <a:rPr lang="de-CH" dirty="0" err="1"/>
-              <a:t>about</a:t>
-            </a:r>
-            <a:r>
-              <a:rPr lang="de-CH" dirty="0"/>
-              <a:t> </a:t>
+              <a:t>forecast</a:t>
+            </a:r>
+            <a:r>
+              <a:rPr lang="de-CH"/>
+              <a:t> for </a:t>
             </a:r>
             <a:r>
               <a:rPr lang="de-CH" dirty="0" err="1"/>
@@ -9039,16 +11100,13 @@
             </a:r>
             <a:r>
               <a:rPr lang="de-CH" dirty="0"/>
-              <a:t> </a:t>
+              <a:t> relevant </a:t>
             </a:r>
             <a:r>
               <a:rPr lang="de-CH" dirty="0" err="1"/>
-              <a:t>model</a:t>
-            </a:r>
-            <a:r>
-              <a:rPr lang="de-CH"/>
-              <a:t>&gt;</a:t>
-            </a:r>
+              <a:t>features</a:t>
+            </a:r>
+            <a:endParaRPr lang="de-CH" dirty="0"/>
           </a:p>
         </p:txBody>
       </p:sp>
@@ -9065,7 +11123,7 @@
 </p:sld>
 </file>
 
-<file path=ppt/slides/slide2.xml><?xml version="1.0" encoding="utf-8"?>
+<file path=ppt/slides/slide16.xml><?xml version="1.0" encoding="utf-8"?>
 <p:sld xmlns:a="http://schemas.openxmlformats.org/drawingml/2006/main" xmlns:r="http://schemas.openxmlformats.org/officeDocument/2006/relationships" xmlns:p="http://schemas.openxmlformats.org/presentationml/2006/main">
   <p:cSld>
     <p:spTree>
@@ -9084,10 +11142,10 @@
       </p:grpSpPr>
       <p:graphicFrame>
         <p:nvGraphicFramePr>
-          <p:cNvPr id="5" name="think-cell data - do not delete" hidden="1">
+          <p:cNvPr id="4" name="think-cell data - do not delete" hidden="1">
             <a:extLst>
               <a:ext uri="{FF2B5EF4-FFF2-40B4-BE49-F238E27FC236}">
-                <a16:creationId xmlns:a16="http://schemas.microsoft.com/office/drawing/2014/main" id="{C2669835-51C2-DD24-5401-A37E7F26B911}"/>
+                <a16:creationId xmlns:a16="http://schemas.microsoft.com/office/drawing/2014/main" id="{31AC2568-3D2C-8FFC-2287-C1AF1D94861A}"/>
               </a:ext>
             </a:extLst>
           </p:cNvPr>
@@ -9100,7 +11158,7 @@
             </p:custDataLst>
             <p:extLst>
               <p:ext uri="{D42A27DB-BD31-4B8C-83A1-F6EECF244321}">
-                <p14:modId xmlns:p14="http://schemas.microsoft.com/office/powerpoint/2010/main" val="3991083957"/>
+                <p14:modId xmlns:p14="http://schemas.microsoft.com/office/powerpoint/2010/main" val="4010913516"/>
               </p:ext>
             </p:extLst>
           </p:nvPr>
@@ -9113,21 +11171,27 @@
           <a:graphicData uri="http://schemas.openxmlformats.org/presentationml/2006/ole">
             <mc:AlternateContent xmlns:mc="http://schemas.openxmlformats.org/markup-compatibility/2006">
               <mc:Choice xmlns:v="urn:schemas-microsoft-com:vml" Requires="v">
-                <p:oleObj name="think-cell Folie" r:id="rId3" imgW="353" imgH="318" progId="TCLayout.ActiveDocument.1">
+                <p:oleObj name="think-cell Folie" r:id="rId4" imgW="353" imgH="318" progId="TCLayout.ActiveDocument.1">
                   <p:embed/>
                 </p:oleObj>
               </mc:Choice>
               <mc:Fallback>
-                <p:oleObj name="think-cell Folie" r:id="rId3" imgW="353" imgH="318" progId="TCLayout.ActiveDocument.1">
+                <p:oleObj name="think-cell Folie" r:id="rId4" imgW="353" imgH="318" progId="TCLayout.ActiveDocument.1">
                   <p:embed/>
                   <p:pic>
                     <p:nvPicPr>
-                      <p:cNvPr id="0" name=""/>
+                      <p:cNvPr id="4" name="think-cell data - do not delete" hidden="1">
+                        <a:extLst>
+                          <a:ext uri="{FF2B5EF4-FFF2-40B4-BE49-F238E27FC236}">
+                            <a16:creationId xmlns:a16="http://schemas.microsoft.com/office/drawing/2014/main" id="{31AC2568-3D2C-8FFC-2287-C1AF1D94861A}"/>
+                          </a:ext>
+                        </a:extLst>
+                      </p:cNvPr>
                       <p:cNvPicPr/>
                       <p:nvPr/>
                     </p:nvPicPr>
                     <p:blipFill>
-                      <a:blip r:embed="rId4"/>
+                      <a:blip r:embed="rId5"/>
                       <a:stretch>
                         <a:fillRect/>
                       </a:stretch>
@@ -9153,7 +11217,7 @@
           <p:cNvPr id="2" name="Titel 1">
             <a:extLst>
               <a:ext uri="{FF2B5EF4-FFF2-40B4-BE49-F238E27FC236}">
-                <a16:creationId xmlns:a16="http://schemas.microsoft.com/office/drawing/2014/main" id="{EEAF1A41-2974-8B92-4179-6E382BCD723C}"/>
+                <a16:creationId xmlns:a16="http://schemas.microsoft.com/office/drawing/2014/main" id="{15173708-DD2C-3175-DCCB-CD751CAFA9A5}"/>
               </a:ext>
             </a:extLst>
           </p:cNvPr>
@@ -9170,77 +11234,101 @@
           <a:lstStyle/>
           <a:p>
             <a:r>
+              <a:rPr lang="de-CH" dirty="0"/>
+              <a:t>Flow </a:t>
+            </a:r>
+            <a:r>
               <a:rPr lang="de-CH" dirty="0" err="1"/>
-              <a:t>Current</a:t>
+              <a:t>over</a:t>
             </a:r>
             <a:r>
               <a:rPr lang="de-CH" dirty="0"/>
-              <a:t> BKW </a:t>
+              <a:t> </a:t>
             </a:r>
             <a:r>
               <a:rPr lang="de-CH" dirty="0" err="1"/>
-              <a:t>model</a:t>
-            </a:r>
-            <a:endParaRPr lang="de-CH" dirty="0"/>
+              <a:t>NetTransferCapacity</a:t>
+            </a:r>
+            <a:r>
+              <a:rPr lang="de-CH" dirty="0"/>
+              <a:t> (NTC)</a:t>
+            </a:r>
           </a:p>
         </p:txBody>
       </p:sp>
-      <p:sp>
-        <p:nvSpPr>
-          <p:cNvPr id="3" name="Inhaltsplatzhalter 2">
+      <p:pic>
+        <p:nvPicPr>
+          <p:cNvPr id="7" name="Inhaltsplatzhalter 6">
             <a:extLst>
               <a:ext uri="{FF2B5EF4-FFF2-40B4-BE49-F238E27FC236}">
-                <a16:creationId xmlns:a16="http://schemas.microsoft.com/office/drawing/2014/main" id="{36377DA7-C7AA-3371-0ABF-FCBA5A0EF771}"/>
+                <a16:creationId xmlns:a16="http://schemas.microsoft.com/office/drawing/2014/main" id="{019FAB98-C0B9-E512-5686-31BF60F1BC25}"/>
               </a:ext>
             </a:extLst>
           </p:cNvPr>
-          <p:cNvSpPr>
-            <a:spLocks noGrp="1"/>
-          </p:cNvSpPr>
+          <p:cNvPicPr>
+            <a:picLocks noGrp="1" noChangeAspect="1"/>
+          </p:cNvPicPr>
           <p:nvPr>
             <p:ph idx="1"/>
           </p:nvPr>
-        </p:nvSpPr>
-        <p:spPr/>
-        <p:txBody>
-          <a:bodyPr/>
-          <a:lstStyle/>
-          <a:p>
-            <a:r>
-              <a:rPr lang="de-CH" dirty="0"/>
-              <a:t>&lt;Input </a:t>
-            </a:r>
-            <a:r>
-              <a:rPr lang="de-CH" dirty="0" err="1"/>
-              <a:t>from</a:t>
-            </a:r>
-            <a:r>
-              <a:rPr lang="de-CH" dirty="0"/>
-              <a:t> </a:t>
-            </a:r>
-            <a:r>
-              <a:rPr lang="de-CH" dirty="0" err="1"/>
-              <a:t>the</a:t>
-            </a:r>
-            <a:r>
-              <a:rPr lang="de-CH" dirty="0"/>
-              <a:t> BKW </a:t>
-            </a:r>
-            <a:r>
-              <a:rPr lang="de-CH" dirty="0" err="1"/>
-              <a:t>Colleague</a:t>
-            </a:r>
-            <a:r>
-              <a:rPr lang="de-CH" dirty="0"/>
-              <a:t>&gt;</a:t>
-            </a:r>
-          </a:p>
-        </p:txBody>
-      </p:sp>
+        </p:nvPicPr>
+        <p:blipFill rotWithShape="1">
+          <a:blip r:embed="rId6">
+            <a:extLst>
+              <a:ext uri="{28A0092B-C50C-407E-A947-70E740481C1C}">
+                <a14:useLocalDpi xmlns:a14="http://schemas.microsoft.com/office/drawing/2010/main" val="0"/>
+              </a:ext>
+            </a:extLst>
+          </a:blip>
+          <a:srcRect t="47277"/>
+          <a:stretch/>
+        </p:blipFill>
+        <p:spPr>
+          <a:xfrm>
+            <a:off x="479235" y="1982803"/>
+            <a:ext cx="11234710" cy="4117808"/>
+          </a:xfrm>
+        </p:spPr>
+      </p:pic>
+      <p:pic>
+        <p:nvPicPr>
+          <p:cNvPr id="8" name="Inhaltsplatzhalter 10">
+            <a:extLst>
+              <a:ext uri="{FF2B5EF4-FFF2-40B4-BE49-F238E27FC236}">
+                <a16:creationId xmlns:a16="http://schemas.microsoft.com/office/drawing/2014/main" id="{A6140A5C-B2B1-5350-BAA5-008066175FAC}"/>
+              </a:ext>
+            </a:extLst>
+          </p:cNvPr>
+          <p:cNvPicPr>
+            <a:picLocks noChangeAspect="1"/>
+          </p:cNvPicPr>
+          <p:nvPr/>
+        </p:nvPicPr>
+        <p:blipFill rotWithShape="1">
+          <a:blip r:embed="rId6">
+            <a:extLst>
+              <a:ext uri="{28A0092B-C50C-407E-A947-70E740481C1C}">
+                <a14:useLocalDpi xmlns:a14="http://schemas.microsoft.com/office/drawing/2010/main" val="0"/>
+              </a:ext>
+            </a:extLst>
+          </a:blip>
+          <a:srcRect l="86120" t="3767" r="836" b="85885"/>
+          <a:stretch/>
+        </p:blipFill>
+        <p:spPr>
+          <a:xfrm>
+            <a:off x="10443411" y="1896176"/>
+            <a:ext cx="1491602" cy="822563"/>
+          </a:xfrm>
+          <a:prstGeom prst="rect">
+            <a:avLst/>
+          </a:prstGeom>
+        </p:spPr>
+      </p:pic>
     </p:spTree>
     <p:extLst>
       <p:ext uri="{BB962C8B-B14F-4D97-AF65-F5344CB8AC3E}">
-        <p14:creationId xmlns:p14="http://schemas.microsoft.com/office/powerpoint/2010/main" val="419151807"/>
+        <p14:creationId xmlns:p14="http://schemas.microsoft.com/office/powerpoint/2010/main" val="2884623429"/>
       </p:ext>
     </p:extLst>
   </p:cSld>
@@ -9250,7 +11338,7 @@
 </p:sld>
 </file>
 
-<file path=ppt/slides/slide3.xml><?xml version="1.0" encoding="utf-8"?>
+<file path=ppt/slides/slide2.xml><?xml version="1.0" encoding="utf-8"?>
 <p:sld xmlns:a="http://schemas.openxmlformats.org/drawingml/2006/main" xmlns:r="http://schemas.openxmlformats.org/officeDocument/2006/relationships" xmlns:p="http://schemas.openxmlformats.org/presentationml/2006/main">
   <p:cSld>
     <p:spTree>
@@ -9285,7 +11373,7 @@
             </p:custDataLst>
             <p:extLst>
               <p:ext uri="{D42A27DB-BD31-4B8C-83A1-F6EECF244321}">
-                <p14:modId xmlns:p14="http://schemas.microsoft.com/office/powerpoint/2010/main" val="444941158"/>
+                <p14:modId xmlns:p14="http://schemas.microsoft.com/office/powerpoint/2010/main" val="403462541"/>
               </p:ext>
             </p:extLst>
           </p:nvPr>
@@ -9356,7 +11444,7 @@
           <a:p>
             <a:r>
               <a:rPr lang="de-CH" dirty="0"/>
-              <a:t>Challenge</a:t>
+              <a:t>Challenge / Goal</a:t>
             </a:r>
           </a:p>
         </p:txBody>
@@ -9479,10 +11567,255 @@
           </a:p>
         </p:txBody>
       </p:sp>
+      <p:sp>
+        <p:nvSpPr>
+          <p:cNvPr id="4" name="Textfeld 3">
+            <a:extLst>
+              <a:ext uri="{FF2B5EF4-FFF2-40B4-BE49-F238E27FC236}">
+                <a16:creationId xmlns:a16="http://schemas.microsoft.com/office/drawing/2014/main" id="{B782E718-D726-7036-E469-ACA8E8778935}"/>
+              </a:ext>
+            </a:extLst>
+          </p:cNvPr>
+          <p:cNvSpPr txBox="1"/>
+          <p:nvPr/>
+        </p:nvSpPr>
+        <p:spPr>
+          <a:xfrm>
+            <a:off x="1665171" y="5408533"/>
+            <a:ext cx="4726004" cy="369332"/>
+          </a:xfrm>
+          <a:prstGeom prst="rect">
+            <a:avLst/>
+          </a:prstGeom>
+          <a:noFill/>
+        </p:spPr>
+        <p:txBody>
+          <a:bodyPr wrap="square" rtlCol="0">
+            <a:spAutoFit/>
+          </a:bodyPr>
+          <a:lstStyle/>
+          <a:p>
+            <a:r>
+              <a:rPr lang="de-CH" dirty="0" err="1"/>
+              <a:t>Automatic</a:t>
+            </a:r>
+            <a:r>
+              <a:rPr lang="de-CH" dirty="0"/>
+              <a:t> </a:t>
+            </a:r>
+            <a:r>
+              <a:rPr lang="de-CH" dirty="0" err="1"/>
+              <a:t>Frequency</a:t>
+            </a:r>
+            <a:r>
+              <a:rPr lang="de-CH" dirty="0"/>
+              <a:t> Restoration Reserve (</a:t>
+            </a:r>
+            <a:r>
+              <a:rPr lang="de-CH" dirty="0" err="1"/>
+              <a:t>afrr</a:t>
+            </a:r>
+            <a:r>
+              <a:rPr lang="de-CH" dirty="0"/>
+              <a:t>)</a:t>
+            </a:r>
+          </a:p>
+        </p:txBody>
+      </p:sp>
     </p:spTree>
     <p:extLst>
       <p:ext uri="{BB962C8B-B14F-4D97-AF65-F5344CB8AC3E}">
         <p14:creationId xmlns:p14="http://schemas.microsoft.com/office/powerpoint/2010/main" val="3525773266"/>
+      </p:ext>
+    </p:extLst>
+  </p:cSld>
+  <p:clrMapOvr>
+    <a:masterClrMapping/>
+  </p:clrMapOvr>
+</p:sld>
+</file>
+
+<file path=ppt/slides/slide3.xml><?xml version="1.0" encoding="utf-8"?>
+<p:sld xmlns:a="http://schemas.openxmlformats.org/drawingml/2006/main" xmlns:r="http://schemas.openxmlformats.org/officeDocument/2006/relationships" xmlns:p="http://schemas.openxmlformats.org/presentationml/2006/main">
+  <p:cSld>
+    <p:spTree>
+      <p:nvGrpSpPr>
+        <p:cNvPr id="1" name=""/>
+        <p:cNvGrpSpPr/>
+        <p:nvPr/>
+      </p:nvGrpSpPr>
+      <p:grpSpPr>
+        <a:xfrm>
+          <a:off x="0" y="0"/>
+          <a:ext cx="0" cy="0"/>
+          <a:chOff x="0" y="0"/>
+          <a:chExt cx="0" cy="0"/>
+        </a:xfrm>
+      </p:grpSpPr>
+      <p:graphicFrame>
+        <p:nvGraphicFramePr>
+          <p:cNvPr id="24" name="think-cell data - do not delete" hidden="1">
+            <a:extLst>
+              <a:ext uri="{FF2B5EF4-FFF2-40B4-BE49-F238E27FC236}">
+                <a16:creationId xmlns:a16="http://schemas.microsoft.com/office/drawing/2014/main" id="{B2AE6860-5AA9-5733-D033-662EE78B533B}"/>
+              </a:ext>
+            </a:extLst>
+          </p:cNvPr>
+          <p:cNvGraphicFramePr>
+            <a:graphicFrameLocks noChangeAspect="1"/>
+          </p:cNvGraphicFramePr>
+          <p:nvPr>
+            <p:custDataLst>
+              <p:tags r:id="rId1"/>
+            </p:custDataLst>
+            <p:extLst>
+              <p:ext uri="{D42A27DB-BD31-4B8C-83A1-F6EECF244321}">
+                <p14:modId xmlns:p14="http://schemas.microsoft.com/office/powerpoint/2010/main" val="3455991542"/>
+              </p:ext>
+            </p:extLst>
+          </p:nvPr>
+        </p:nvGraphicFramePr>
+        <p:xfrm>
+          <a:off x="1588" y="1588"/>
+          <a:ext cx="1588" cy="1588"/>
+        </p:xfrm>
+        <a:graphic>
+          <a:graphicData uri="http://schemas.openxmlformats.org/presentationml/2006/ole">
+            <mc:AlternateContent xmlns:mc="http://schemas.openxmlformats.org/markup-compatibility/2006">
+              <mc:Choice xmlns:v="urn:schemas-microsoft-com:vml" Requires="v">
+                <p:oleObj name="think-cell Folie" r:id="rId3" imgW="353" imgH="318" progId="TCLayout.ActiveDocument.1">
+                  <p:embed/>
+                </p:oleObj>
+              </mc:Choice>
+              <mc:Fallback>
+                <p:oleObj name="think-cell Folie" r:id="rId3" imgW="353" imgH="318" progId="TCLayout.ActiveDocument.1">
+                  <p:embed/>
+                  <p:pic>
+                    <p:nvPicPr>
+                      <p:cNvPr id="0" name=""/>
+                      <p:cNvPicPr/>
+                      <p:nvPr/>
+                    </p:nvPicPr>
+                    <p:blipFill>
+                      <a:blip r:embed="rId4"/>
+                      <a:stretch>
+                        <a:fillRect/>
+                      </a:stretch>
+                    </p:blipFill>
+                    <p:spPr>
+                      <a:xfrm>
+                        <a:off x="1588" y="1588"/>
+                        <a:ext cx="1588" cy="1588"/>
+                      </a:xfrm>
+                      <a:prstGeom prst="rect">
+                        <a:avLst/>
+                      </a:prstGeom>
+                    </p:spPr>
+                  </p:pic>
+                </p:oleObj>
+              </mc:Fallback>
+            </mc:AlternateContent>
+          </a:graphicData>
+        </a:graphic>
+      </p:graphicFrame>
+      <p:sp>
+        <p:nvSpPr>
+          <p:cNvPr id="2" name="Titel 1">
+            <a:extLst>
+              <a:ext uri="{FF2B5EF4-FFF2-40B4-BE49-F238E27FC236}">
+                <a16:creationId xmlns:a16="http://schemas.microsoft.com/office/drawing/2014/main" id="{5A897827-3337-0399-4026-C9B127602B36}"/>
+              </a:ext>
+            </a:extLst>
+          </p:cNvPr>
+          <p:cNvSpPr>
+            <a:spLocks noGrp="1"/>
+          </p:cNvSpPr>
+          <p:nvPr>
+            <p:ph type="title"/>
+          </p:nvPr>
+        </p:nvSpPr>
+        <p:spPr/>
+        <p:txBody>
+          <a:bodyPr vert="horz"/>
+          <a:lstStyle/>
+          <a:p>
+            <a:r>
+              <a:rPr lang="de-CH" dirty="0"/>
+              <a:t>Control Energy </a:t>
+            </a:r>
+            <a:r>
+              <a:rPr lang="de-CH" dirty="0" err="1"/>
+              <a:t>Activation</a:t>
+            </a:r>
+            <a:r>
+              <a:rPr lang="de-CH" dirty="0"/>
+              <a:t>?</a:t>
+            </a:r>
+          </a:p>
+        </p:txBody>
+      </p:sp>
+      <p:pic>
+        <p:nvPicPr>
+          <p:cNvPr id="1026" name="Picture 2">
+            <a:extLst>
+              <a:ext uri="{FF2B5EF4-FFF2-40B4-BE49-F238E27FC236}">
+                <a16:creationId xmlns:a16="http://schemas.microsoft.com/office/drawing/2014/main" id="{ADC68725-119C-0766-65CD-E6C857AD8C03}"/>
+              </a:ext>
+            </a:extLst>
+          </p:cNvPr>
+          <p:cNvPicPr>
+            <a:picLocks noChangeAspect="1" noChangeArrowheads="1"/>
+          </p:cNvPicPr>
+          <p:nvPr/>
+        </p:nvPicPr>
+        <p:blipFill rotWithShape="1">
+          <a:blip r:embed="rId5">
+            <a:extLst>
+              <a:ext uri="{28A0092B-C50C-407E-A947-70E740481C1C}">
+                <a14:useLocalDpi xmlns:a14="http://schemas.microsoft.com/office/drawing/2010/main" val="0"/>
+              </a:ext>
+            </a:extLst>
+          </a:blip>
+          <a:srcRect t="53034"/>
+          <a:stretch/>
+        </p:blipFill>
+        <p:spPr bwMode="auto">
+          <a:xfrm>
+            <a:off x="2904988" y="1851068"/>
+            <a:ext cx="6382023" cy="4280225"/>
+          </a:xfrm>
+          <a:prstGeom prst="rect">
+            <a:avLst/>
+          </a:prstGeom>
+          <a:noFill/>
+          <a:ln>
+            <a:noFill/>
+          </a:ln>
+          <a:extLst>
+            <a:ext uri="{909E8E84-426E-40DD-AFC4-6F175D3DCCD1}">
+              <a14:hiddenFill xmlns:a14="http://schemas.microsoft.com/office/drawing/2010/main">
+                <a:solidFill>
+                  <a:srgbClr val="FFFFFF"/>
+                </a:solidFill>
+              </a14:hiddenFill>
+            </a:ext>
+            <a:ext uri="{91240B29-F687-4F45-9708-019B960494DF}">
+              <a14:hiddenLine xmlns:a14="http://schemas.microsoft.com/office/drawing/2010/main" w="9525">
+                <a:solidFill>
+                  <a:srgbClr val="000000"/>
+                </a:solidFill>
+                <a:miter lim="800000"/>
+                <a:headEnd/>
+                <a:tailEnd/>
+              </a14:hiddenLine>
+            </a:ext>
+          </a:extLst>
+        </p:spPr>
+      </p:pic>
+    </p:spTree>
+    <p:extLst>
+      <p:ext uri="{BB962C8B-B14F-4D97-AF65-F5344CB8AC3E}">
+        <p14:creationId xmlns:p14="http://schemas.microsoft.com/office/powerpoint/2010/main" val="2136841422"/>
       </p:ext>
     </p:extLst>
   </p:cSld>
@@ -9527,7 +11860,7 @@
             </p:custDataLst>
             <p:extLst>
               <p:ext uri="{D42A27DB-BD31-4B8C-83A1-F6EECF244321}">
-                <p14:modId xmlns:p14="http://schemas.microsoft.com/office/powerpoint/2010/main" val="981923750"/>
+                <p14:modId xmlns:p14="http://schemas.microsoft.com/office/powerpoint/2010/main" val="1080165535"/>
               </p:ext>
             </p:extLst>
           </p:nvPr>
@@ -9549,7 +11882,13 @@
                   <p:embed/>
                   <p:pic>
                     <p:nvPicPr>
-                      <p:cNvPr id="0" name=""/>
+                      <p:cNvPr id="24" name="think-cell data - do not delete" hidden="1">
+                        <a:extLst>
+                          <a:ext uri="{FF2B5EF4-FFF2-40B4-BE49-F238E27FC236}">
+                            <a16:creationId xmlns:a16="http://schemas.microsoft.com/office/drawing/2014/main" id="{B2AE6860-5AA9-5733-D033-662EE78B533B}"/>
+                          </a:ext>
+                        </a:extLst>
+                      </p:cNvPr>
                       <p:cNvPicPr/>
                       <p:nvPr/>
                     </p:nvPicPr>
@@ -9602,7 +11941,7 @@
             </a:r>
             <a:r>
               <a:rPr lang="de-CH" dirty="0" err="1"/>
-              <a:t>Activations</a:t>
+              <a:t>Activation</a:t>
             </a:r>
             <a:r>
               <a:rPr lang="de-CH" dirty="0"/>
@@ -9611,165 +11950,12 @@
           </a:p>
         </p:txBody>
       </p:sp>
-      <p:sp>
-        <p:nvSpPr>
-          <p:cNvPr id="4" name="BG_Säule">
+      <p:grpSp>
+        <p:nvGrpSpPr>
+          <p:cNvPr id="3" name="Gruppieren 2">
             <a:extLst>
               <a:ext uri="{FF2B5EF4-FFF2-40B4-BE49-F238E27FC236}">
-                <a16:creationId xmlns:a16="http://schemas.microsoft.com/office/drawing/2014/main" id="{D8915EE9-2270-4214-78CD-6EEE69FEB052}"/>
-              </a:ext>
-            </a:extLst>
-          </p:cNvPr>
-          <p:cNvSpPr/>
-          <p:nvPr/>
-        </p:nvSpPr>
-        <p:spPr>
-          <a:xfrm>
-            <a:off x="6001621" y="2819066"/>
-            <a:ext cx="176734" cy="3154970"/>
-          </a:xfrm>
-          <a:prstGeom prst="rect">
-            <a:avLst/>
-          </a:prstGeom>
-          <a:solidFill>
-            <a:schemeClr val="bg1"/>
-          </a:solidFill>
-          <a:ln>
-            <a:noFill/>
-          </a:ln>
-        </p:spPr>
-        <p:style>
-          <a:lnRef idx="2">
-            <a:schemeClr val="accent1">
-              <a:shade val="50000"/>
-            </a:schemeClr>
-          </a:lnRef>
-          <a:fillRef idx="1">
-            <a:schemeClr val="accent1"/>
-          </a:fillRef>
-          <a:effectRef idx="0">
-            <a:schemeClr val="accent1"/>
-          </a:effectRef>
-          <a:fontRef idx="minor">
-            <a:schemeClr val="lt1"/>
-          </a:fontRef>
-        </p:style>
-        <p:txBody>
-          <a:bodyPr rtlCol="0" anchor="ctr"/>
-          <a:lstStyle/>
-          <a:p>
-            <a:pPr marL="0" marR="0" lvl="0" indent="0" algn="ctr" defTabSz="914400" rtl="0" eaLnBrk="1" fontAlgn="base" latinLnBrk="0" hangingPunct="1">
-              <a:lnSpc>
-                <a:spcPct val="100000"/>
-              </a:lnSpc>
-              <a:spcBef>
-                <a:spcPct val="0"/>
-              </a:spcBef>
-              <a:spcAft>
-                <a:spcPct val="0"/>
-              </a:spcAft>
-              <a:buClrTx/>
-              <a:buSzTx/>
-              <a:buFontTx/>
-              <a:buNone/>
-              <a:tabLst/>
-              <a:defRPr/>
-            </a:pPr>
-            <a:endParaRPr kumimoji="0" lang="de-CH" sz="3148" b="0" i="0" u="none" strike="noStrike" kern="1200" cap="none" spc="0" normalizeH="0" baseline="0" noProof="0">
-              <a:ln>
-                <a:noFill/>
-              </a:ln>
-              <a:solidFill>
-                <a:srgbClr val="FFFFFF"/>
-              </a:solidFill>
-              <a:effectLst/>
-              <a:uLnTx/>
-              <a:uFillTx/>
-              <a:latin typeface="Arial"/>
-              <a:ea typeface="+mn-ea"/>
-              <a:cs typeface="+mn-cs"/>
-            </a:endParaRPr>
-          </a:p>
-        </p:txBody>
-      </p:sp>
-      <p:pic>
-        <p:nvPicPr>
-          <p:cNvPr id="5" name="Waage">
-            <a:extLst>
-              <a:ext uri="{FF2B5EF4-FFF2-40B4-BE49-F238E27FC236}">
-                <a16:creationId xmlns:a16="http://schemas.microsoft.com/office/drawing/2014/main" id="{9B3CEF86-F02D-1F55-06ED-1141838091CA}"/>
-              </a:ext>
-            </a:extLst>
-          </p:cNvPr>
-          <p:cNvPicPr>
-            <a:picLocks noChangeAspect="1"/>
-          </p:cNvPicPr>
-          <p:nvPr/>
-        </p:nvPicPr>
-        <p:blipFill>
-          <a:blip r:embed="rId8" cstate="screen">
-            <a:extLst>
-              <a:ext uri="{28A0092B-C50C-407E-A947-70E740481C1C}">
-                <a14:useLocalDpi xmlns:a14="http://schemas.microsoft.com/office/drawing/2010/main"/>
-              </a:ext>
-            </a:extLst>
-          </a:blip>
-          <a:stretch>
-            <a:fillRect/>
-          </a:stretch>
-        </p:blipFill>
-        <p:spPr>
-          <a:xfrm>
-            <a:off x="3652935" y="2078282"/>
-            <a:ext cx="4903554" cy="782354"/>
-          </a:xfrm>
-          <a:prstGeom prst="rect">
-            <a:avLst/>
-          </a:prstGeom>
-        </p:spPr>
-      </p:pic>
-      <p:pic>
-        <p:nvPicPr>
-          <p:cNvPr id="6" name="Säule" descr="A picture containing text&#10;&#10;Description automatically generated">
-            <a:extLst>
-              <a:ext uri="{FF2B5EF4-FFF2-40B4-BE49-F238E27FC236}">
-                <a16:creationId xmlns:a16="http://schemas.microsoft.com/office/drawing/2014/main" id="{435DBAA0-084A-E464-DBBC-C7983B2286D1}"/>
-              </a:ext>
-            </a:extLst>
-          </p:cNvPr>
-          <p:cNvPicPr>
-            <a:picLocks noChangeAspect="1"/>
-          </p:cNvPicPr>
-          <p:nvPr/>
-        </p:nvPicPr>
-        <p:blipFill>
-          <a:blip r:embed="rId9" cstate="screen">
-            <a:extLst>
-              <a:ext uri="{28A0092B-C50C-407E-A947-70E740481C1C}">
-                <a14:useLocalDpi xmlns:a14="http://schemas.microsoft.com/office/drawing/2010/main"/>
-              </a:ext>
-            </a:extLst>
-          </a:blip>
-          <a:stretch>
-            <a:fillRect/>
-          </a:stretch>
-        </p:blipFill>
-        <p:spPr>
-          <a:xfrm>
-            <a:off x="4745314" y="2306380"/>
-            <a:ext cx="2708981" cy="3843531"/>
-          </a:xfrm>
-          <a:prstGeom prst="rect">
-            <a:avLst/>
-          </a:prstGeom>
-        </p:spPr>
-      </p:pic>
-      <p:grpSp>
-        <p:nvGrpSpPr>
-          <p:cNvPr id="7" name="Erzeuger">
-            <a:extLst>
-              <a:ext uri="{FF2B5EF4-FFF2-40B4-BE49-F238E27FC236}">
-                <a16:creationId xmlns:a16="http://schemas.microsoft.com/office/drawing/2014/main" id="{48FAB9E2-3DD2-FF1C-0B68-FF6728C9676E}"/>
+                <a16:creationId xmlns:a16="http://schemas.microsoft.com/office/drawing/2014/main" id="{093BE9EE-2359-3BE7-090B-525F7C4AE06A}"/>
               </a:ext>
             </a:extLst>
           </p:cNvPr>
@@ -9778,18 +11964,99 @@
         </p:nvGrpSpPr>
         <p:grpSpPr>
           <a:xfrm>
-            <a:off x="2982621" y="2604793"/>
-            <a:ext cx="2056260" cy="2886177"/>
-            <a:chOff x="1356524" y="2286946"/>
-            <a:chExt cx="1675596" cy="2351876"/>
+            <a:off x="3104895" y="1959671"/>
+            <a:ext cx="5982210" cy="4181248"/>
+            <a:chOff x="5552566" y="1892293"/>
+            <a:chExt cx="6226758" cy="4296119"/>
           </a:xfrm>
         </p:grpSpPr>
+        <p:sp>
+          <p:nvSpPr>
+            <p:cNvPr id="4" name="BG_Säule">
+              <a:extLst>
+                <a:ext uri="{FF2B5EF4-FFF2-40B4-BE49-F238E27FC236}">
+                  <a16:creationId xmlns:a16="http://schemas.microsoft.com/office/drawing/2014/main" id="{D8915EE9-2270-4214-78CD-6EEE69FEB052}"/>
+                </a:ext>
+              </a:extLst>
+            </p:cNvPr>
+            <p:cNvSpPr/>
+            <p:nvPr/>
+          </p:nvSpPr>
+          <p:spPr>
+            <a:xfrm>
+              <a:off x="8571566" y="2857567"/>
+              <a:ext cx="176734" cy="3154970"/>
+            </a:xfrm>
+            <a:prstGeom prst="rect">
+              <a:avLst/>
+            </a:prstGeom>
+            <a:solidFill>
+              <a:schemeClr val="bg1"/>
+            </a:solidFill>
+            <a:ln>
+              <a:noFill/>
+            </a:ln>
+          </p:spPr>
+          <p:style>
+            <a:lnRef idx="2">
+              <a:schemeClr val="accent1">
+                <a:shade val="50000"/>
+              </a:schemeClr>
+            </a:lnRef>
+            <a:fillRef idx="1">
+              <a:schemeClr val="accent1"/>
+            </a:fillRef>
+            <a:effectRef idx="0">
+              <a:schemeClr val="accent1"/>
+            </a:effectRef>
+            <a:fontRef idx="minor">
+              <a:schemeClr val="lt1"/>
+            </a:fontRef>
+          </p:style>
+          <p:txBody>
+            <a:bodyPr rtlCol="0" anchor="ctr"/>
+            <a:lstStyle/>
+            <a:p>
+              <a:pPr marL="0" marR="0" lvl="0" indent="0" algn="ctr" defTabSz="914400" rtl="0" eaLnBrk="1" fontAlgn="base" latinLnBrk="0" hangingPunct="1">
+                <a:lnSpc>
+                  <a:spcPct val="100000"/>
+                </a:lnSpc>
+                <a:spcBef>
+                  <a:spcPct val="0"/>
+                </a:spcBef>
+                <a:spcAft>
+                  <a:spcPct val="0"/>
+                </a:spcAft>
+                <a:buClrTx/>
+                <a:buSzTx/>
+                <a:buFontTx/>
+                <a:buNone/>
+                <a:tabLst/>
+                <a:defRPr/>
+              </a:pPr>
+              <a:endParaRPr kumimoji="0" lang="de-CH" sz="3148" b="0" i="0" u="none" strike="noStrike" kern="1200" cap="none" spc="0" normalizeH="0" baseline="0" noProof="0">
+                <a:ln>
+                  <a:noFill/>
+                </a:ln>
+                <a:solidFill>
+                  <a:srgbClr val="FFFFFF"/>
+                </a:solidFill>
+                <a:effectLst/>
+                <a:uLnTx/>
+                <a:uFillTx/>
+                <a:latin typeface="Arial"/>
+                <a:ea typeface="+mn-ea"/>
+                <a:cs typeface="+mn-cs"/>
+              </a:endParaRPr>
+            </a:p>
+          </p:txBody>
+        </p:sp>
         <p:pic>
           <p:nvPicPr>
-            <p:cNvPr id="8" name="Hänger_Erzeuger" descr="Shape, arrow&#10;&#10;Description automatically generated">
+            <p:cNvPr id="5" name="Waage">
               <a:extLst>
                 <a:ext uri="{FF2B5EF4-FFF2-40B4-BE49-F238E27FC236}">
-                  <a16:creationId xmlns:a16="http://schemas.microsoft.com/office/drawing/2014/main" id="{705D6BC1-0ACE-90AD-FDFF-25969219B14A}"/>
+                  <a16:creationId xmlns:a16="http://schemas.microsoft.com/office/drawing/2014/main" id="{9B3CEF86-F02D-1F55-06ED-1141838091CA}"/>
                 </a:ext>
               </a:extLst>
             </p:cNvPr>
@@ -9799,7 +12066,7 @@
             <p:nvPr/>
           </p:nvPicPr>
           <p:blipFill>
-            <a:blip r:embed="rId10" cstate="screen">
+            <a:blip r:embed="rId8" cstate="screen">
               <a:extLst>
                 <a:ext uri="{28A0092B-C50C-407E-A947-70E740481C1C}">
                   <a14:useLocalDpi xmlns:a14="http://schemas.microsoft.com/office/drawing/2010/main"/>
@@ -9812,8 +12079,8 @@
           </p:blipFill>
           <p:spPr>
             <a:xfrm>
-              <a:off x="1356524" y="2443946"/>
-              <a:ext cx="1675596" cy="2194876"/>
+              <a:off x="6222880" y="2116783"/>
+              <a:ext cx="4903554" cy="782354"/>
             </a:xfrm>
             <a:prstGeom prst="rect">
               <a:avLst/>
@@ -9822,10 +12089,10 @@
         </p:pic>
         <p:pic>
           <p:nvPicPr>
-            <p:cNvPr id="9" name="Kreis_Erzeuger">
+            <p:cNvPr id="6" name="Säule" descr="A picture containing text&#10;&#10;Description automatically generated">
               <a:extLst>
                 <a:ext uri="{FF2B5EF4-FFF2-40B4-BE49-F238E27FC236}">
-                  <a16:creationId xmlns:a16="http://schemas.microsoft.com/office/drawing/2014/main" id="{9B409A6D-9A6D-81BB-C376-5DEAD0BEF515}"/>
+                  <a16:creationId xmlns:a16="http://schemas.microsoft.com/office/drawing/2014/main" id="{435DBAA0-084A-E464-DBBC-C7983B2286D1}"/>
                 </a:ext>
               </a:extLst>
             </p:cNvPr>
@@ -9835,7 +12102,7 @@
             <p:nvPr/>
           </p:nvPicPr>
           <p:blipFill>
-            <a:blip r:embed="rId11" cstate="screen">
+            <a:blip r:embed="rId9" cstate="screen">
               <a:extLst>
                 <a:ext uri="{28A0092B-C50C-407E-A947-70E740481C1C}">
                   <a14:useLocalDpi xmlns:a14="http://schemas.microsoft.com/office/drawing/2010/main"/>
@@ -9848,41 +12115,382 @@
           </p:blipFill>
           <p:spPr>
             <a:xfrm>
-              <a:off x="2075394" y="2286946"/>
-              <a:ext cx="252000" cy="252000"/>
+              <a:off x="7315259" y="2344881"/>
+              <a:ext cx="2708981" cy="3843531"/>
             </a:xfrm>
             <a:prstGeom prst="rect">
               <a:avLst/>
             </a:prstGeom>
           </p:spPr>
         </p:pic>
-      </p:grpSp>
-      <p:grpSp>
-        <p:nvGrpSpPr>
-          <p:cNvPr id="10" name="Verbraucher">
-            <a:extLst>
-              <a:ext uri="{FF2B5EF4-FFF2-40B4-BE49-F238E27FC236}">
-                <a16:creationId xmlns:a16="http://schemas.microsoft.com/office/drawing/2014/main" id="{37584B0A-33F5-A8C3-4935-DFD94A24E2C2}"/>
-              </a:ext>
-            </a:extLst>
-          </p:cNvPr>
-          <p:cNvGrpSpPr/>
-          <p:nvPr/>
-        </p:nvGrpSpPr>
-        <p:grpSpPr>
-          <a:xfrm>
-            <a:off x="7153119" y="2604793"/>
-            <a:ext cx="2056260" cy="2886177"/>
-            <a:chOff x="1356524" y="2286946"/>
-            <a:chExt cx="1675596" cy="2351876"/>
-          </a:xfrm>
-        </p:grpSpPr>
+        <p:grpSp>
+          <p:nvGrpSpPr>
+            <p:cNvPr id="7" name="Erzeuger">
+              <a:extLst>
+                <a:ext uri="{FF2B5EF4-FFF2-40B4-BE49-F238E27FC236}">
+                  <a16:creationId xmlns:a16="http://schemas.microsoft.com/office/drawing/2014/main" id="{48FAB9E2-3DD2-FF1C-0B68-FF6728C9676E}"/>
+                </a:ext>
+              </a:extLst>
+            </p:cNvPr>
+            <p:cNvGrpSpPr/>
+            <p:nvPr/>
+          </p:nvGrpSpPr>
+          <p:grpSpPr>
+            <a:xfrm>
+              <a:off x="5552566" y="2643294"/>
+              <a:ext cx="2056260" cy="2886177"/>
+              <a:chOff x="1356524" y="2286946"/>
+              <a:chExt cx="1675596" cy="2351876"/>
+            </a:xfrm>
+          </p:grpSpPr>
+          <p:pic>
+            <p:nvPicPr>
+              <p:cNvPr id="8" name="Hänger_Erzeuger" descr="Shape, arrow&#10;&#10;Description automatically generated">
+                <a:extLst>
+                  <a:ext uri="{FF2B5EF4-FFF2-40B4-BE49-F238E27FC236}">
+                    <a16:creationId xmlns:a16="http://schemas.microsoft.com/office/drawing/2014/main" id="{705D6BC1-0ACE-90AD-FDFF-25969219B14A}"/>
+                  </a:ext>
+                </a:extLst>
+              </p:cNvPr>
+              <p:cNvPicPr>
+                <a:picLocks noChangeAspect="1"/>
+              </p:cNvPicPr>
+              <p:nvPr/>
+            </p:nvPicPr>
+            <p:blipFill>
+              <a:blip r:embed="rId10" cstate="screen">
+                <a:extLst>
+                  <a:ext uri="{28A0092B-C50C-407E-A947-70E740481C1C}">
+                    <a14:useLocalDpi xmlns:a14="http://schemas.microsoft.com/office/drawing/2010/main"/>
+                  </a:ext>
+                </a:extLst>
+              </a:blip>
+              <a:stretch>
+                <a:fillRect/>
+              </a:stretch>
+            </p:blipFill>
+            <p:spPr>
+              <a:xfrm>
+                <a:off x="1356524" y="2443946"/>
+                <a:ext cx="1675596" cy="2194876"/>
+              </a:xfrm>
+              <a:prstGeom prst="rect">
+                <a:avLst/>
+              </a:prstGeom>
+            </p:spPr>
+          </p:pic>
+          <p:pic>
+            <p:nvPicPr>
+              <p:cNvPr id="9" name="Kreis_Erzeuger">
+                <a:extLst>
+                  <a:ext uri="{FF2B5EF4-FFF2-40B4-BE49-F238E27FC236}">
+                    <a16:creationId xmlns:a16="http://schemas.microsoft.com/office/drawing/2014/main" id="{9B409A6D-9A6D-81BB-C376-5DEAD0BEF515}"/>
+                  </a:ext>
+                </a:extLst>
+              </p:cNvPr>
+              <p:cNvPicPr>
+                <a:picLocks noChangeAspect="1"/>
+              </p:cNvPicPr>
+              <p:nvPr/>
+            </p:nvPicPr>
+            <p:blipFill>
+              <a:blip r:embed="rId11" cstate="screen">
+                <a:extLst>
+                  <a:ext uri="{28A0092B-C50C-407E-A947-70E740481C1C}">
+                    <a14:useLocalDpi xmlns:a14="http://schemas.microsoft.com/office/drawing/2010/main"/>
+                  </a:ext>
+                </a:extLst>
+              </a:blip>
+              <a:stretch>
+                <a:fillRect/>
+              </a:stretch>
+            </p:blipFill>
+            <p:spPr>
+              <a:xfrm>
+                <a:off x="2075394" y="2286946"/>
+                <a:ext cx="252000" cy="252000"/>
+              </a:xfrm>
+              <a:prstGeom prst="rect">
+                <a:avLst/>
+              </a:prstGeom>
+            </p:spPr>
+          </p:pic>
+        </p:grpSp>
+        <p:grpSp>
+          <p:nvGrpSpPr>
+            <p:cNvPr id="10" name="Verbraucher">
+              <a:extLst>
+                <a:ext uri="{FF2B5EF4-FFF2-40B4-BE49-F238E27FC236}">
+                  <a16:creationId xmlns:a16="http://schemas.microsoft.com/office/drawing/2014/main" id="{37584B0A-33F5-A8C3-4935-DFD94A24E2C2}"/>
+                </a:ext>
+              </a:extLst>
+            </p:cNvPr>
+            <p:cNvGrpSpPr/>
+            <p:nvPr/>
+          </p:nvGrpSpPr>
+          <p:grpSpPr>
+            <a:xfrm>
+              <a:off x="9723064" y="2643294"/>
+              <a:ext cx="2056260" cy="2886177"/>
+              <a:chOff x="1356524" y="2286946"/>
+              <a:chExt cx="1675596" cy="2351876"/>
+            </a:xfrm>
+          </p:grpSpPr>
+          <p:pic>
+            <p:nvPicPr>
+              <p:cNvPr id="11" name="Hänger_Verbraucher" descr="Shape, arrow&#10;&#10;Description automatically generated">
+                <a:extLst>
+                  <a:ext uri="{FF2B5EF4-FFF2-40B4-BE49-F238E27FC236}">
+                    <a16:creationId xmlns:a16="http://schemas.microsoft.com/office/drawing/2014/main" id="{BADE7BE7-EF11-54FD-E59D-2FE691E848FF}"/>
+                  </a:ext>
+                </a:extLst>
+              </p:cNvPr>
+              <p:cNvPicPr>
+                <a:picLocks noChangeAspect="1"/>
+              </p:cNvPicPr>
+              <p:nvPr/>
+            </p:nvPicPr>
+            <p:blipFill>
+              <a:blip r:embed="rId10" cstate="screen">
+                <a:extLst>
+                  <a:ext uri="{28A0092B-C50C-407E-A947-70E740481C1C}">
+                    <a14:useLocalDpi xmlns:a14="http://schemas.microsoft.com/office/drawing/2010/main"/>
+                  </a:ext>
+                </a:extLst>
+              </a:blip>
+              <a:stretch>
+                <a:fillRect/>
+              </a:stretch>
+            </p:blipFill>
+            <p:spPr>
+              <a:xfrm>
+                <a:off x="1356524" y="2443946"/>
+                <a:ext cx="1675596" cy="2194876"/>
+              </a:xfrm>
+              <a:prstGeom prst="rect">
+                <a:avLst/>
+              </a:prstGeom>
+            </p:spPr>
+          </p:pic>
+          <p:pic>
+            <p:nvPicPr>
+              <p:cNvPr id="12" name="Kreis_Verbraucher">
+                <a:extLst>
+                  <a:ext uri="{FF2B5EF4-FFF2-40B4-BE49-F238E27FC236}">
+                    <a16:creationId xmlns:a16="http://schemas.microsoft.com/office/drawing/2014/main" id="{F2435DF3-D42B-7FCC-0429-8249A4A1F7B8}"/>
+                  </a:ext>
+                </a:extLst>
+              </p:cNvPr>
+              <p:cNvPicPr>
+                <a:picLocks noChangeAspect="1"/>
+              </p:cNvPicPr>
+              <p:nvPr/>
+            </p:nvPicPr>
+            <p:blipFill>
+              <a:blip r:embed="rId11" cstate="screen">
+                <a:extLst>
+                  <a:ext uri="{28A0092B-C50C-407E-A947-70E740481C1C}">
+                    <a14:useLocalDpi xmlns:a14="http://schemas.microsoft.com/office/drawing/2010/main"/>
+                  </a:ext>
+                </a:extLst>
+              </a:blip>
+              <a:stretch>
+                <a:fillRect/>
+              </a:stretch>
+            </p:blipFill>
+            <p:spPr>
+              <a:xfrm>
+                <a:off x="2059452" y="2286946"/>
+                <a:ext cx="252000" cy="252000"/>
+              </a:xfrm>
+              <a:prstGeom prst="rect">
+                <a:avLst/>
+              </a:prstGeom>
+            </p:spPr>
+          </p:pic>
+        </p:grpSp>
+        <p:sp>
+          <p:nvSpPr>
+            <p:cNvPr id="13" name="TextBox 12">
+              <a:extLst>
+                <a:ext uri="{FF2B5EF4-FFF2-40B4-BE49-F238E27FC236}">
+                  <a16:creationId xmlns:a16="http://schemas.microsoft.com/office/drawing/2014/main" id="{86CC6485-831A-1353-7F13-4FEB74FFEF84}"/>
+                </a:ext>
+              </a:extLst>
+            </p:cNvPr>
+            <p:cNvSpPr txBox="1"/>
+            <p:nvPr>
+              <p:custDataLst>
+                <p:tags r:id="rId2"/>
+              </p:custDataLst>
+            </p:nvPr>
+          </p:nvSpPr>
+          <p:spPr>
+            <a:xfrm>
+              <a:off x="8502005" y="1892293"/>
+              <a:ext cx="653050" cy="890950"/>
+            </a:xfrm>
+            <a:prstGeom prst="rect">
+              <a:avLst/>
+            </a:prstGeom>
+            <a:noFill/>
+            <a:ln>
+              <a:noFill/>
+            </a:ln>
+          </p:spPr>
+          <p:txBody>
+            <a:bodyPr wrap="square" lIns="0" tIns="0" rIns="0" bIns="0" rtlCol="0" anchor="t" anchorCtr="0">
+              <a:spAutoFit/>
+            </a:bodyPr>
+            <a:lstStyle/>
+            <a:p>
+              <a:pPr marL="0" marR="0" lvl="0" indent="0" algn="l" defTabSz="914400" rtl="0" eaLnBrk="1" fontAlgn="base" latinLnBrk="0" hangingPunct="1">
+                <a:lnSpc>
+                  <a:spcPct val="939168"/>
+                </a:lnSpc>
+                <a:spcBef>
+                  <a:spcPct val="0"/>
+                </a:spcBef>
+                <a:spcAft>
+                  <a:spcPct val="0"/>
+                </a:spcAft>
+                <a:buClrTx/>
+                <a:buSzTx/>
+                <a:buFontTx/>
+                <a:buNone/>
+                <a:tabLst/>
+                <a:defRPr/>
+              </a:pPr>
+              <a:r>
+                <a:rPr kumimoji="0" lang="de-CH" sz="800" b="0" i="0" u="none" strike="noStrike" kern="1200" cap="none" spc="0" normalizeH="0" baseline="0" noProof="0" dirty="0">
+                  <a:ln>
+                    <a:noFill/>
+                  </a:ln>
+                  <a:solidFill>
+                    <a:srgbClr val="27B7A1"/>
+                  </a:solidFill>
+                  <a:effectLst/>
+                  <a:uLnTx/>
+                  <a:uFillTx/>
+                  <a:latin typeface="Arial" pitchFamily="34" charset="0"/>
+                  <a:ea typeface="+mn-ea"/>
+                  <a:cs typeface="Arial" pitchFamily="34" charset="0"/>
+                </a:rPr>
+                <a:t>50,0 Hz</a:t>
+              </a:r>
+              <a:endParaRPr kumimoji="0" lang="en-US" sz="3600" b="0" i="0" u="none" strike="noStrike" kern="1200" cap="none" spc="0" normalizeH="0" baseline="0" noProof="0" dirty="0">
+                <a:ln>
+                  <a:noFill/>
+                </a:ln>
+                <a:solidFill>
+                  <a:srgbClr val="000000"/>
+                </a:solidFill>
+                <a:effectLst/>
+                <a:uLnTx/>
+                <a:uFillTx/>
+                <a:latin typeface="Times New Roman" charset="0"/>
+                <a:ea typeface="+mn-ea"/>
+                <a:cs typeface="+mn-cs"/>
+              </a:endParaRPr>
+            </a:p>
+          </p:txBody>
+        </p:sp>
+        <p:sp>
+          <p:nvSpPr>
+            <p:cNvPr id="14" name="Oval 2">
+              <a:extLst>
+                <a:ext uri="{FF2B5EF4-FFF2-40B4-BE49-F238E27FC236}">
+                  <a16:creationId xmlns:a16="http://schemas.microsoft.com/office/drawing/2014/main" id="{2B14D511-B5EA-7895-922B-F8C2ABFF091C}"/>
+                </a:ext>
+              </a:extLst>
+            </p:cNvPr>
+            <p:cNvSpPr/>
+            <p:nvPr>
+              <p:custDataLst>
+                <p:tags r:id="rId3"/>
+              </p:custDataLst>
+            </p:nvPr>
+          </p:nvSpPr>
+          <p:spPr>
+            <a:xfrm>
+              <a:off x="6467145" y="5099715"/>
+              <a:ext cx="244458" cy="244458"/>
+            </a:xfrm>
+            <a:prstGeom prst="ellipse">
+              <a:avLst/>
+            </a:prstGeom>
+            <a:solidFill>
+              <a:schemeClr val="bg1"/>
+            </a:solidFill>
+            <a:ln w="12700">
+              <a:solidFill>
+                <a:srgbClr val="00ACAD"/>
+              </a:solidFill>
+            </a:ln>
+          </p:spPr>
+          <p:style>
+            <a:lnRef idx="2">
+              <a:schemeClr val="accent1">
+                <a:shade val="50000"/>
+              </a:schemeClr>
+            </a:lnRef>
+            <a:fillRef idx="1">
+              <a:schemeClr val="accent1"/>
+            </a:fillRef>
+            <a:effectRef idx="0">
+              <a:schemeClr val="accent1"/>
+            </a:effectRef>
+            <a:fontRef idx="minor">
+              <a:schemeClr val="lt1"/>
+            </a:fontRef>
+          </p:style>
+          <p:txBody>
+            <a:bodyPr rtlCol="0" anchor="ctr"/>
+            <a:lstStyle/>
+            <a:p>
+              <a:pPr marL="0" marR="0" lvl="0" indent="0" algn="ctr" defTabSz="914400" rtl="0" eaLnBrk="1" fontAlgn="base" latinLnBrk="0" hangingPunct="1">
+                <a:lnSpc>
+                  <a:spcPct val="100000"/>
+                </a:lnSpc>
+                <a:spcBef>
+                  <a:spcPct val="0"/>
+                </a:spcBef>
+                <a:spcAft>
+                  <a:spcPct val="0"/>
+                </a:spcAft>
+                <a:buClrTx/>
+                <a:buSzTx/>
+                <a:buFontTx/>
+                <a:buNone/>
+                <a:tabLst/>
+                <a:defRPr/>
+              </a:pPr>
+              <a:r>
+                <a:rPr kumimoji="0" lang="de-CH" sz="1200" b="0" i="0" u="none" strike="noStrike" kern="1200" cap="none" spc="0" normalizeH="0" baseline="0" noProof="0">
+                  <a:ln>
+                    <a:noFill/>
+                  </a:ln>
+                  <a:solidFill>
+                    <a:srgbClr val="00ACAD"/>
+                  </a:solidFill>
+                  <a:effectLst/>
+                  <a:uLnTx/>
+                  <a:uFillTx/>
+                  <a:latin typeface="Arial"/>
+                  <a:ea typeface="+mn-ea"/>
+                  <a:cs typeface="+mn-cs"/>
+                </a:rPr>
+                <a:t>1</a:t>
+              </a:r>
+            </a:p>
+          </p:txBody>
+        </p:sp>
         <p:pic>
           <p:nvPicPr>
-            <p:cNvPr id="11" name="Hänger_Verbraucher" descr="Shape, arrow&#10;&#10;Description automatically generated">
+            <p:cNvPr id="15" name="Picture 8">
               <a:extLst>
                 <a:ext uri="{FF2B5EF4-FFF2-40B4-BE49-F238E27FC236}">
-                  <a16:creationId xmlns:a16="http://schemas.microsoft.com/office/drawing/2014/main" id="{BADE7BE7-EF11-54FD-E59D-2FE691E848FF}"/>
+                  <a16:creationId xmlns:a16="http://schemas.microsoft.com/office/drawing/2014/main" id="{781B0ED2-6A53-146A-9E61-07A9965A9EB3}"/>
                 </a:ext>
               </a:extLst>
             </p:cNvPr>
@@ -9892,7 +12500,8 @@
             <p:nvPr/>
           </p:nvPicPr>
           <p:blipFill>
-            <a:blip r:embed="rId10" cstate="screen">
+            <a:blip r:embed="rId12" cstate="screen">
+              <a:alphaModFix amt="0"/>
               <a:extLst>
                 <a:ext uri="{28A0092B-C50C-407E-A947-70E740481C1C}">
                   <a14:useLocalDpi xmlns:a14="http://schemas.microsoft.com/office/drawing/2010/main"/>
@@ -9905,8 +12514,8 @@
           </p:blipFill>
           <p:spPr>
             <a:xfrm>
-              <a:off x="1356524" y="2443946"/>
-              <a:ext cx="1675596" cy="2194876"/>
+              <a:off x="9727752" y="3463575"/>
+              <a:ext cx="2046906" cy="1488227"/>
             </a:xfrm>
             <a:prstGeom prst="rect">
               <a:avLst/>
@@ -9915,10 +12524,10 @@
         </p:pic>
         <p:pic>
           <p:nvPicPr>
-            <p:cNvPr id="12" name="Kreis_Verbraucher">
+            <p:cNvPr id="16" name="Picture 28">
               <a:extLst>
                 <a:ext uri="{FF2B5EF4-FFF2-40B4-BE49-F238E27FC236}">
-                  <a16:creationId xmlns:a16="http://schemas.microsoft.com/office/drawing/2014/main" id="{F2435DF3-D42B-7FCC-0429-8249A4A1F7B8}"/>
+                  <a16:creationId xmlns:a16="http://schemas.microsoft.com/office/drawing/2014/main" id="{95660997-EFD8-9109-2028-903522D9C9AC}"/>
                 </a:ext>
               </a:extLst>
             </p:cNvPr>
@@ -9928,7 +12537,7 @@
             <p:nvPr/>
           </p:nvPicPr>
           <p:blipFill>
-            <a:blip r:embed="rId11" cstate="screen">
+            <a:blip r:embed="rId13" cstate="screen">
               <a:extLst>
                 <a:ext uri="{28A0092B-C50C-407E-A947-70E740481C1C}">
                   <a14:useLocalDpi xmlns:a14="http://schemas.microsoft.com/office/drawing/2010/main"/>
@@ -9941,8 +12550,171 @@
           </p:blipFill>
           <p:spPr>
             <a:xfrm>
-              <a:off x="2059452" y="2286946"/>
-              <a:ext cx="252000" cy="252000"/>
+              <a:off x="9723064" y="3463575"/>
+              <a:ext cx="2046906" cy="1488227"/>
+            </a:xfrm>
+            <a:prstGeom prst="rect">
+              <a:avLst/>
+            </a:prstGeom>
+          </p:spPr>
+        </p:pic>
+        <p:pic>
+          <p:nvPicPr>
+            <p:cNvPr id="17" name="Picture 29">
+              <a:extLst>
+                <a:ext uri="{FF2B5EF4-FFF2-40B4-BE49-F238E27FC236}">
+                  <a16:creationId xmlns:a16="http://schemas.microsoft.com/office/drawing/2014/main" id="{98C403D6-C463-4D96-E3E6-F0AA534FC978}"/>
+                </a:ext>
+              </a:extLst>
+            </p:cNvPr>
+            <p:cNvPicPr>
+              <a:picLocks noChangeAspect="1"/>
+            </p:cNvPicPr>
+            <p:nvPr/>
+          </p:nvPicPr>
+          <p:blipFill>
+            <a:blip r:embed="rId14" cstate="screen">
+              <a:alphaModFix amt="0"/>
+              <a:extLst>
+                <a:ext uri="{28A0092B-C50C-407E-A947-70E740481C1C}">
+                  <a14:useLocalDpi xmlns:a14="http://schemas.microsoft.com/office/drawing/2010/main"/>
+                </a:ext>
+              </a:extLst>
+            </a:blip>
+            <a:stretch>
+              <a:fillRect/>
+            </a:stretch>
+          </p:blipFill>
+          <p:spPr>
+            <a:xfrm>
+              <a:off x="5553364" y="3861461"/>
+              <a:ext cx="2039397" cy="1139314"/>
+            </a:xfrm>
+            <a:prstGeom prst="rect">
+              <a:avLst/>
+            </a:prstGeom>
+          </p:spPr>
+        </p:pic>
+        <p:sp>
+          <p:nvSpPr>
+            <p:cNvPr id="18" name="Oval 31">
+              <a:extLst>
+                <a:ext uri="{FF2B5EF4-FFF2-40B4-BE49-F238E27FC236}">
+                  <a16:creationId xmlns:a16="http://schemas.microsoft.com/office/drawing/2014/main" id="{AEED5AB5-31B5-7129-D9FD-C056CA65F7D2}"/>
+                </a:ext>
+              </a:extLst>
+            </p:cNvPr>
+            <p:cNvSpPr/>
+            <p:nvPr>
+              <p:custDataLst>
+                <p:tags r:id="rId4"/>
+              </p:custDataLst>
+            </p:nvPr>
+          </p:nvSpPr>
+          <p:spPr>
+            <a:xfrm>
+              <a:off x="10631064" y="5099715"/>
+              <a:ext cx="244458" cy="244458"/>
+            </a:xfrm>
+            <a:prstGeom prst="ellipse">
+              <a:avLst/>
+            </a:prstGeom>
+            <a:solidFill>
+              <a:schemeClr val="bg1"/>
+            </a:solidFill>
+            <a:ln w="12700">
+              <a:solidFill>
+                <a:srgbClr val="00ACAD"/>
+              </a:solidFill>
+            </a:ln>
+          </p:spPr>
+          <p:style>
+            <a:lnRef idx="2">
+              <a:schemeClr val="accent1">
+                <a:shade val="50000"/>
+              </a:schemeClr>
+            </a:lnRef>
+            <a:fillRef idx="1">
+              <a:schemeClr val="accent1"/>
+            </a:fillRef>
+            <a:effectRef idx="0">
+              <a:schemeClr val="accent1"/>
+            </a:effectRef>
+            <a:fontRef idx="minor">
+              <a:schemeClr val="lt1"/>
+            </a:fontRef>
+          </p:style>
+          <p:txBody>
+            <a:bodyPr rtlCol="0" anchor="ctr"/>
+            <a:lstStyle/>
+            <a:p>
+              <a:pPr marL="0" marR="0" lvl="0" indent="0" algn="ctr" defTabSz="914400" rtl="0" eaLnBrk="1" fontAlgn="base" latinLnBrk="0" hangingPunct="1">
+                <a:lnSpc>
+                  <a:spcPct val="100000"/>
+                </a:lnSpc>
+                <a:spcBef>
+                  <a:spcPct val="0"/>
+                </a:spcBef>
+                <a:spcAft>
+                  <a:spcPct val="0"/>
+                </a:spcAft>
+                <a:buClrTx/>
+                <a:buSzTx/>
+                <a:buFontTx/>
+                <a:buNone/>
+                <a:tabLst/>
+                <a:defRPr/>
+              </a:pPr>
+              <a:r>
+                <a:rPr kumimoji="0" lang="de-CH" sz="1200" b="0" i="0" u="none" strike="noStrike" kern="1200" cap="none" spc="0" normalizeH="0" baseline="0" noProof="0">
+                  <a:ln>
+                    <a:noFill/>
+                  </a:ln>
+                  <a:solidFill>
+                    <a:srgbClr val="00ACAD"/>
+                  </a:solidFill>
+                  <a:effectLst/>
+                  <a:uLnTx/>
+                  <a:uFillTx/>
+                  <a:latin typeface="Arial"/>
+                  <a:ea typeface="+mn-ea"/>
+                  <a:cs typeface="+mn-cs"/>
+                </a:rPr>
+                <a:t>2</a:t>
+              </a:r>
+            </a:p>
+          </p:txBody>
+        </p:sp>
+        <p:pic>
+          <p:nvPicPr>
+            <p:cNvPr id="19" name="Picture 4">
+              <a:extLst>
+                <a:ext uri="{FF2B5EF4-FFF2-40B4-BE49-F238E27FC236}">
+                  <a16:creationId xmlns:a16="http://schemas.microsoft.com/office/drawing/2014/main" id="{ED5B5C62-CD3E-644D-84CA-ECD2C0ECC51A}"/>
+                </a:ext>
+              </a:extLst>
+            </p:cNvPr>
+            <p:cNvPicPr>
+              <a:picLocks noChangeAspect="1"/>
+            </p:cNvPicPr>
+            <p:nvPr/>
+          </p:nvPicPr>
+          <p:blipFill>
+            <a:blip r:embed="rId15" cstate="screen">
+              <a:extLst>
+                <a:ext uri="{28A0092B-C50C-407E-A947-70E740481C1C}">
+                  <a14:useLocalDpi xmlns:a14="http://schemas.microsoft.com/office/drawing/2010/main"/>
+                </a:ext>
+              </a:extLst>
+            </a:blip>
+            <a:stretch>
+              <a:fillRect/>
+            </a:stretch>
+          </p:blipFill>
+          <p:spPr>
+            <a:xfrm>
+              <a:off x="5557254" y="3855951"/>
+              <a:ext cx="2035507" cy="1144824"/>
             </a:xfrm>
             <a:prstGeom prst="rect">
               <a:avLst/>
@@ -9950,422 +12722,10 @@
           </p:spPr>
         </p:pic>
       </p:grpSp>
-      <p:sp>
-        <p:nvSpPr>
-          <p:cNvPr id="13" name="TextBox 12">
-            <a:extLst>
-              <a:ext uri="{FF2B5EF4-FFF2-40B4-BE49-F238E27FC236}">
-                <a16:creationId xmlns:a16="http://schemas.microsoft.com/office/drawing/2014/main" id="{86CC6485-831A-1353-7F13-4FEB74FFEF84}"/>
-              </a:ext>
-            </a:extLst>
-          </p:cNvPr>
-          <p:cNvSpPr txBox="1"/>
-          <p:nvPr>
-            <p:custDataLst>
-              <p:tags r:id="rId2"/>
-            </p:custDataLst>
-          </p:nvPr>
-        </p:nvSpPr>
-        <p:spPr>
-          <a:xfrm>
-            <a:off x="5932060" y="1853792"/>
-            <a:ext cx="653050" cy="890950"/>
-          </a:xfrm>
-          <a:prstGeom prst="rect">
-            <a:avLst/>
-          </a:prstGeom>
-          <a:noFill/>
-          <a:ln>
-            <a:noFill/>
-          </a:ln>
-        </p:spPr>
-        <p:txBody>
-          <a:bodyPr wrap="square" lIns="0" tIns="0" rIns="0" bIns="0" rtlCol="0" anchor="t" anchorCtr="0">
-            <a:spAutoFit/>
-          </a:bodyPr>
-          <a:lstStyle/>
-          <a:p>
-            <a:pPr marL="0" marR="0" lvl="0" indent="0" algn="l" defTabSz="914400" rtl="0" eaLnBrk="1" fontAlgn="base" latinLnBrk="0" hangingPunct="1">
-              <a:lnSpc>
-                <a:spcPct val="939168"/>
-              </a:lnSpc>
-              <a:spcBef>
-                <a:spcPct val="0"/>
-              </a:spcBef>
-              <a:spcAft>
-                <a:spcPct val="0"/>
-              </a:spcAft>
-              <a:buClrTx/>
-              <a:buSzTx/>
-              <a:buFontTx/>
-              <a:buNone/>
-              <a:tabLst/>
-              <a:defRPr/>
-            </a:pPr>
-            <a:r>
-              <a:rPr kumimoji="0" lang="de-CH" sz="800" b="0" i="0" u="none" strike="noStrike" kern="1200" cap="none" spc="0" normalizeH="0" baseline="0" noProof="0" dirty="0">
-                <a:ln>
-                  <a:noFill/>
-                </a:ln>
-                <a:solidFill>
-                  <a:srgbClr val="27B7A1"/>
-                </a:solidFill>
-                <a:effectLst/>
-                <a:uLnTx/>
-                <a:uFillTx/>
-                <a:latin typeface="Arial" pitchFamily="34" charset="0"/>
-                <a:ea typeface="+mn-ea"/>
-                <a:cs typeface="Arial" pitchFamily="34" charset="0"/>
-              </a:rPr>
-              <a:t>50,0 Hz</a:t>
-            </a:r>
-            <a:endParaRPr kumimoji="0" lang="en-US" sz="3600" b="0" i="0" u="none" strike="noStrike" kern="1200" cap="none" spc="0" normalizeH="0" baseline="0" noProof="0" dirty="0">
-              <a:ln>
-                <a:noFill/>
-              </a:ln>
-              <a:solidFill>
-                <a:srgbClr val="000000"/>
-              </a:solidFill>
-              <a:effectLst/>
-              <a:uLnTx/>
-              <a:uFillTx/>
-              <a:latin typeface="Times New Roman" charset="0"/>
-              <a:ea typeface="+mn-ea"/>
-              <a:cs typeface="+mn-cs"/>
-            </a:endParaRPr>
-          </a:p>
-        </p:txBody>
-      </p:sp>
-      <p:sp>
-        <p:nvSpPr>
-          <p:cNvPr id="14" name="Oval 2">
-            <a:extLst>
-              <a:ext uri="{FF2B5EF4-FFF2-40B4-BE49-F238E27FC236}">
-                <a16:creationId xmlns:a16="http://schemas.microsoft.com/office/drawing/2014/main" id="{2B14D511-B5EA-7895-922B-F8C2ABFF091C}"/>
-              </a:ext>
-            </a:extLst>
-          </p:cNvPr>
-          <p:cNvSpPr/>
-          <p:nvPr>
-            <p:custDataLst>
-              <p:tags r:id="rId3"/>
-            </p:custDataLst>
-          </p:nvPr>
-        </p:nvSpPr>
-        <p:spPr>
-          <a:xfrm>
-            <a:off x="3897200" y="5061214"/>
-            <a:ext cx="244458" cy="244458"/>
-          </a:xfrm>
-          <a:prstGeom prst="ellipse">
-            <a:avLst/>
-          </a:prstGeom>
-          <a:solidFill>
-            <a:schemeClr val="bg1"/>
-          </a:solidFill>
-          <a:ln w="12700">
-            <a:solidFill>
-              <a:srgbClr val="00ACAD"/>
-            </a:solidFill>
-          </a:ln>
-        </p:spPr>
-        <p:style>
-          <a:lnRef idx="2">
-            <a:schemeClr val="accent1">
-              <a:shade val="50000"/>
-            </a:schemeClr>
-          </a:lnRef>
-          <a:fillRef idx="1">
-            <a:schemeClr val="accent1"/>
-          </a:fillRef>
-          <a:effectRef idx="0">
-            <a:schemeClr val="accent1"/>
-          </a:effectRef>
-          <a:fontRef idx="minor">
-            <a:schemeClr val="lt1"/>
-          </a:fontRef>
-        </p:style>
-        <p:txBody>
-          <a:bodyPr rtlCol="0" anchor="ctr"/>
-          <a:lstStyle/>
-          <a:p>
-            <a:pPr marL="0" marR="0" lvl="0" indent="0" algn="ctr" defTabSz="914400" rtl="0" eaLnBrk="1" fontAlgn="base" latinLnBrk="0" hangingPunct="1">
-              <a:lnSpc>
-                <a:spcPct val="100000"/>
-              </a:lnSpc>
-              <a:spcBef>
-                <a:spcPct val="0"/>
-              </a:spcBef>
-              <a:spcAft>
-                <a:spcPct val="0"/>
-              </a:spcAft>
-              <a:buClrTx/>
-              <a:buSzTx/>
-              <a:buFontTx/>
-              <a:buNone/>
-              <a:tabLst/>
-              <a:defRPr/>
-            </a:pPr>
-            <a:r>
-              <a:rPr kumimoji="0" lang="de-CH" sz="1200" b="0" i="0" u="none" strike="noStrike" kern="1200" cap="none" spc="0" normalizeH="0" baseline="0" noProof="0">
-                <a:ln>
-                  <a:noFill/>
-                </a:ln>
-                <a:solidFill>
-                  <a:srgbClr val="00ACAD"/>
-                </a:solidFill>
-                <a:effectLst/>
-                <a:uLnTx/>
-                <a:uFillTx/>
-                <a:latin typeface="Arial"/>
-                <a:ea typeface="+mn-ea"/>
-                <a:cs typeface="+mn-cs"/>
-              </a:rPr>
-              <a:t>1</a:t>
-            </a:r>
-          </a:p>
-        </p:txBody>
-      </p:sp>
-      <p:pic>
-        <p:nvPicPr>
-          <p:cNvPr id="15" name="Picture 8">
-            <a:extLst>
-              <a:ext uri="{FF2B5EF4-FFF2-40B4-BE49-F238E27FC236}">
-                <a16:creationId xmlns:a16="http://schemas.microsoft.com/office/drawing/2014/main" id="{781B0ED2-6A53-146A-9E61-07A9965A9EB3}"/>
-              </a:ext>
-            </a:extLst>
-          </p:cNvPr>
-          <p:cNvPicPr>
-            <a:picLocks noChangeAspect="1"/>
-          </p:cNvPicPr>
-          <p:nvPr/>
-        </p:nvPicPr>
-        <p:blipFill>
-          <a:blip r:embed="rId12" cstate="screen">
-            <a:alphaModFix amt="0"/>
-            <a:extLst>
-              <a:ext uri="{28A0092B-C50C-407E-A947-70E740481C1C}">
-                <a14:useLocalDpi xmlns:a14="http://schemas.microsoft.com/office/drawing/2010/main"/>
-              </a:ext>
-            </a:extLst>
-          </a:blip>
-          <a:stretch>
-            <a:fillRect/>
-          </a:stretch>
-        </p:blipFill>
-        <p:spPr>
-          <a:xfrm>
-            <a:off x="7157807" y="3425074"/>
-            <a:ext cx="2046906" cy="1488227"/>
-          </a:xfrm>
-          <a:prstGeom prst="rect">
-            <a:avLst/>
-          </a:prstGeom>
-        </p:spPr>
-      </p:pic>
-      <p:pic>
-        <p:nvPicPr>
-          <p:cNvPr id="16" name="Picture 28">
-            <a:extLst>
-              <a:ext uri="{FF2B5EF4-FFF2-40B4-BE49-F238E27FC236}">
-                <a16:creationId xmlns:a16="http://schemas.microsoft.com/office/drawing/2014/main" id="{95660997-EFD8-9109-2028-903522D9C9AC}"/>
-              </a:ext>
-            </a:extLst>
-          </p:cNvPr>
-          <p:cNvPicPr>
-            <a:picLocks noChangeAspect="1"/>
-          </p:cNvPicPr>
-          <p:nvPr/>
-        </p:nvPicPr>
-        <p:blipFill>
-          <a:blip r:embed="rId13" cstate="screen">
-            <a:extLst>
-              <a:ext uri="{28A0092B-C50C-407E-A947-70E740481C1C}">
-                <a14:useLocalDpi xmlns:a14="http://schemas.microsoft.com/office/drawing/2010/main"/>
-              </a:ext>
-            </a:extLst>
-          </a:blip>
-          <a:stretch>
-            <a:fillRect/>
-          </a:stretch>
-        </p:blipFill>
-        <p:spPr>
-          <a:xfrm>
-            <a:off x="7153119" y="3425074"/>
-            <a:ext cx="2046906" cy="1488227"/>
-          </a:xfrm>
-          <a:prstGeom prst="rect">
-            <a:avLst/>
-          </a:prstGeom>
-        </p:spPr>
-      </p:pic>
-      <p:pic>
-        <p:nvPicPr>
-          <p:cNvPr id="17" name="Picture 29">
-            <a:extLst>
-              <a:ext uri="{FF2B5EF4-FFF2-40B4-BE49-F238E27FC236}">
-                <a16:creationId xmlns:a16="http://schemas.microsoft.com/office/drawing/2014/main" id="{98C403D6-C463-4D96-E3E6-F0AA534FC978}"/>
-              </a:ext>
-            </a:extLst>
-          </p:cNvPr>
-          <p:cNvPicPr>
-            <a:picLocks noChangeAspect="1"/>
-          </p:cNvPicPr>
-          <p:nvPr/>
-        </p:nvPicPr>
-        <p:blipFill>
-          <a:blip r:embed="rId14" cstate="screen">
-            <a:alphaModFix amt="0"/>
-            <a:extLst>
-              <a:ext uri="{28A0092B-C50C-407E-A947-70E740481C1C}">
-                <a14:useLocalDpi xmlns:a14="http://schemas.microsoft.com/office/drawing/2010/main"/>
-              </a:ext>
-            </a:extLst>
-          </a:blip>
-          <a:stretch>
-            <a:fillRect/>
-          </a:stretch>
-        </p:blipFill>
-        <p:spPr>
-          <a:xfrm>
-            <a:off x="2983419" y="3822960"/>
-            <a:ext cx="2039397" cy="1139314"/>
-          </a:xfrm>
-          <a:prstGeom prst="rect">
-            <a:avLst/>
-          </a:prstGeom>
-        </p:spPr>
-      </p:pic>
-      <p:sp>
-        <p:nvSpPr>
-          <p:cNvPr id="18" name="Oval 31">
-            <a:extLst>
-              <a:ext uri="{FF2B5EF4-FFF2-40B4-BE49-F238E27FC236}">
-                <a16:creationId xmlns:a16="http://schemas.microsoft.com/office/drawing/2014/main" id="{AEED5AB5-31B5-7129-D9FD-C056CA65F7D2}"/>
-              </a:ext>
-            </a:extLst>
-          </p:cNvPr>
-          <p:cNvSpPr/>
-          <p:nvPr>
-            <p:custDataLst>
-              <p:tags r:id="rId4"/>
-            </p:custDataLst>
-          </p:nvPr>
-        </p:nvSpPr>
-        <p:spPr>
-          <a:xfrm>
-            <a:off x="8061119" y="5061214"/>
-            <a:ext cx="244458" cy="244458"/>
-          </a:xfrm>
-          <a:prstGeom prst="ellipse">
-            <a:avLst/>
-          </a:prstGeom>
-          <a:solidFill>
-            <a:schemeClr val="bg1"/>
-          </a:solidFill>
-          <a:ln w="12700">
-            <a:solidFill>
-              <a:srgbClr val="00ACAD"/>
-            </a:solidFill>
-          </a:ln>
-        </p:spPr>
-        <p:style>
-          <a:lnRef idx="2">
-            <a:schemeClr val="accent1">
-              <a:shade val="50000"/>
-            </a:schemeClr>
-          </a:lnRef>
-          <a:fillRef idx="1">
-            <a:schemeClr val="accent1"/>
-          </a:fillRef>
-          <a:effectRef idx="0">
-            <a:schemeClr val="accent1"/>
-          </a:effectRef>
-          <a:fontRef idx="minor">
-            <a:schemeClr val="lt1"/>
-          </a:fontRef>
-        </p:style>
-        <p:txBody>
-          <a:bodyPr rtlCol="0" anchor="ctr"/>
-          <a:lstStyle/>
-          <a:p>
-            <a:pPr marL="0" marR="0" lvl="0" indent="0" algn="ctr" defTabSz="914400" rtl="0" eaLnBrk="1" fontAlgn="base" latinLnBrk="0" hangingPunct="1">
-              <a:lnSpc>
-                <a:spcPct val="100000"/>
-              </a:lnSpc>
-              <a:spcBef>
-                <a:spcPct val="0"/>
-              </a:spcBef>
-              <a:spcAft>
-                <a:spcPct val="0"/>
-              </a:spcAft>
-              <a:buClrTx/>
-              <a:buSzTx/>
-              <a:buFontTx/>
-              <a:buNone/>
-              <a:tabLst/>
-              <a:defRPr/>
-            </a:pPr>
-            <a:r>
-              <a:rPr kumimoji="0" lang="de-CH" sz="1200" b="0" i="0" u="none" strike="noStrike" kern="1200" cap="none" spc="0" normalizeH="0" baseline="0" noProof="0">
-                <a:ln>
-                  <a:noFill/>
-                </a:ln>
-                <a:solidFill>
-                  <a:srgbClr val="00ACAD"/>
-                </a:solidFill>
-                <a:effectLst/>
-                <a:uLnTx/>
-                <a:uFillTx/>
-                <a:latin typeface="Arial"/>
-                <a:ea typeface="+mn-ea"/>
-                <a:cs typeface="+mn-cs"/>
-              </a:rPr>
-              <a:t>2</a:t>
-            </a:r>
-          </a:p>
-        </p:txBody>
-      </p:sp>
-      <p:pic>
-        <p:nvPicPr>
-          <p:cNvPr id="19" name="Picture 4">
-            <a:extLst>
-              <a:ext uri="{FF2B5EF4-FFF2-40B4-BE49-F238E27FC236}">
-                <a16:creationId xmlns:a16="http://schemas.microsoft.com/office/drawing/2014/main" id="{ED5B5C62-CD3E-644D-84CA-ECD2C0ECC51A}"/>
-              </a:ext>
-            </a:extLst>
-          </p:cNvPr>
-          <p:cNvPicPr>
-            <a:picLocks noChangeAspect="1"/>
-          </p:cNvPicPr>
-          <p:nvPr/>
-        </p:nvPicPr>
-        <p:blipFill>
-          <a:blip r:embed="rId15" cstate="screen">
-            <a:extLst>
-              <a:ext uri="{28A0092B-C50C-407E-A947-70E740481C1C}">
-                <a14:useLocalDpi xmlns:a14="http://schemas.microsoft.com/office/drawing/2010/main"/>
-              </a:ext>
-            </a:extLst>
-          </a:blip>
-          <a:stretch>
-            <a:fillRect/>
-          </a:stretch>
-        </p:blipFill>
-        <p:spPr>
-          <a:xfrm>
-            <a:off x="2987309" y="3817450"/>
-            <a:ext cx="2035507" cy="1144824"/>
-          </a:xfrm>
-          <a:prstGeom prst="rect">
-            <a:avLst/>
-          </a:prstGeom>
-        </p:spPr>
-      </p:pic>
     </p:spTree>
     <p:extLst>
       <p:ext uri="{BB962C8B-B14F-4D97-AF65-F5344CB8AC3E}">
-        <p14:creationId xmlns:p14="http://schemas.microsoft.com/office/powerpoint/2010/main" val="2136841422"/>
+        <p14:creationId xmlns:p14="http://schemas.microsoft.com/office/powerpoint/2010/main" val="3356818289"/>
       </p:ext>
     </p:extLst>
   </p:cSld>
@@ -10863,48 +13223,187 @@
           <a:lstStyle/>
           <a:p>
             <a:r>
-              <a:rPr lang="de-CH" dirty="0" err="1"/>
-              <a:t>Some</a:t>
-            </a:r>
-            <a:r>
               <a:rPr lang="de-CH" dirty="0"/>
-              <a:t> Data </a:t>
-            </a:r>
-            <a:r>
-              <a:rPr lang="de-CH" dirty="0" err="1"/>
-              <a:t>information</a:t>
-            </a:r>
-            <a:endParaRPr lang="de-CH" dirty="0"/>
-          </a:p>
-          <a:p>
-            <a:endParaRPr lang="de-CH" dirty="0"/>
-          </a:p>
-          <a:p>
-            <a:r>
-              <a:rPr lang="de-CH" dirty="0"/>
-              <a:t>First </a:t>
-            </a:r>
-            <a:r>
-              <a:rPr lang="de-CH" dirty="0" err="1"/>
-              <a:t>patterns</a:t>
-            </a:r>
+              <a:t>Fields:</a:t>
+            </a:r>
+          </a:p>
+          <a:p>
+            <a:pPr>
+              <a:buFont typeface="Arial" panose="020B0604020202020204" pitchFamily="34" charset="0"/>
+              <a:buChar char="•"/>
+            </a:pPr>
             <a:r>
               <a:rPr lang="de-CH" dirty="0"/>
               <a:t> </a:t>
             </a:r>
             <a:r>
               <a:rPr lang="de-CH" dirty="0" err="1"/>
-              <a:t>we</a:t>
-            </a:r>
+              <a:t>TimeStamps</a:t>
+            </a:r>
+            <a:endParaRPr lang="de-CH" dirty="0"/>
+          </a:p>
+          <a:p>
+            <a:pPr>
+              <a:buFont typeface="Arial" panose="020B0604020202020204" pitchFamily="34" charset="0"/>
+              <a:buChar char="•"/>
+            </a:pPr>
             <a:r>
               <a:rPr lang="de-CH" dirty="0"/>
               <a:t> </a:t>
             </a:r>
             <a:r>
               <a:rPr lang="de-CH" dirty="0" err="1"/>
-              <a:t>saw</a:t>
-            </a:r>
-            <a:endParaRPr lang="de-CH" dirty="0"/>
+              <a:t>ActivatedBalancingVolume_CH_aFRR</a:t>
+            </a:r>
+            <a:r>
+              <a:rPr lang="de-CH" dirty="0"/>
+              <a:t> </a:t>
+            </a:r>
+            <a:r>
+              <a:rPr lang="de-CH" b="1" dirty="0"/>
+              <a:t>Positive</a:t>
+            </a:r>
+            <a:r>
+              <a:rPr lang="de-CH" dirty="0"/>
+              <a:t> and </a:t>
+            </a:r>
+            <a:r>
+              <a:rPr lang="de-CH" b="1" dirty="0"/>
+              <a:t>Negative</a:t>
+            </a:r>
+          </a:p>
+          <a:p>
+            <a:pPr>
+              <a:buFont typeface="Arial" panose="020B0604020202020204" pitchFamily="34" charset="0"/>
+              <a:buChar char="•"/>
+            </a:pPr>
+            <a:r>
+              <a:rPr lang="de-CH" dirty="0"/>
+              <a:t> Generation (</a:t>
+            </a:r>
+            <a:r>
+              <a:rPr lang="de-CH" dirty="0" err="1"/>
+              <a:t>HydroLake</a:t>
+            </a:r>
+            <a:r>
+              <a:rPr lang="de-CH" dirty="0"/>
+              <a:t>, </a:t>
+            </a:r>
+            <a:r>
+              <a:rPr lang="de-CH" dirty="0" err="1"/>
+              <a:t>HydroPumpedStorage</a:t>
+            </a:r>
+            <a:r>
+              <a:rPr lang="de-CH" dirty="0"/>
+              <a:t>, </a:t>
+            </a:r>
+            <a:r>
+              <a:rPr lang="de-CH" dirty="0" err="1"/>
+              <a:t>HydroRunOfRiver</a:t>
+            </a:r>
+            <a:r>
+              <a:rPr lang="de-CH" dirty="0"/>
+              <a:t>, Solar, </a:t>
+            </a:r>
+            <a:r>
+              <a:rPr lang="de-CH" dirty="0" err="1"/>
+              <a:t>Nuclear</a:t>
+            </a:r>
+            <a:r>
+              <a:rPr lang="de-CH" dirty="0"/>
+              <a:t>, </a:t>
+            </a:r>
+            <a:r>
+              <a:rPr lang="de-CH" dirty="0" err="1"/>
+              <a:t>WindOnShore</a:t>
+            </a:r>
+            <a:r>
+              <a:rPr lang="de-CH" dirty="0"/>
+              <a:t>, Lignite, </a:t>
+            </a:r>
+            <a:r>
+              <a:rPr lang="de-CH" dirty="0" err="1"/>
+              <a:t>HardCoal</a:t>
+            </a:r>
+            <a:r>
+              <a:rPr lang="de-CH" dirty="0"/>
+              <a:t>, Gas) for CH, DE, FR, IT, AT </a:t>
+            </a:r>
+            <a:r>
+              <a:rPr lang="de-CH" b="1" dirty="0" err="1"/>
+              <a:t>where</a:t>
+            </a:r>
+            <a:r>
+              <a:rPr lang="de-CH" b="1" dirty="0"/>
+              <a:t> </a:t>
+            </a:r>
+            <a:r>
+              <a:rPr lang="de-CH" b="1" dirty="0" err="1"/>
+              <a:t>available</a:t>
+            </a:r>
+            <a:endParaRPr lang="de-CH" b="1" dirty="0"/>
+          </a:p>
+          <a:p>
+            <a:pPr>
+              <a:buFont typeface="Arial" panose="020B0604020202020204" pitchFamily="34" charset="0"/>
+              <a:buChar char="•"/>
+            </a:pPr>
+            <a:r>
+              <a:rPr lang="de-CH" dirty="0"/>
+              <a:t> </a:t>
+            </a:r>
+            <a:r>
+              <a:rPr lang="de-CH" dirty="0" err="1"/>
+              <a:t>Consumption</a:t>
+            </a:r>
+            <a:r>
+              <a:rPr lang="de-CH" dirty="0"/>
+              <a:t> for CH, DE, FR, IT, AT</a:t>
+            </a:r>
+          </a:p>
+          <a:p>
+            <a:pPr>
+              <a:buFont typeface="Arial" panose="020B0604020202020204" pitchFamily="34" charset="0"/>
+              <a:buChar char="•"/>
+            </a:pPr>
+            <a:r>
+              <a:rPr lang="de-CH" dirty="0"/>
+              <a:t> </a:t>
+            </a:r>
+            <a:r>
+              <a:rPr lang="de-CH" dirty="0" err="1"/>
+              <a:t>Boarder</a:t>
+            </a:r>
+            <a:r>
+              <a:rPr lang="de-CH" dirty="0"/>
+              <a:t> </a:t>
+            </a:r>
+            <a:r>
+              <a:rPr lang="de-CH" dirty="0" err="1"/>
+              <a:t>Flows</a:t>
+            </a:r>
+            <a:r>
+              <a:rPr lang="de-CH" dirty="0"/>
+              <a:t> CH-DE, CH-FR, CH-IT, CH-AT</a:t>
+            </a:r>
+          </a:p>
+          <a:p>
+            <a:pPr>
+              <a:buFont typeface="Arial" panose="020B0604020202020204" pitchFamily="34" charset="0"/>
+              <a:buChar char="•"/>
+            </a:pPr>
+            <a:r>
+              <a:rPr lang="de-CH" dirty="0"/>
+              <a:t> </a:t>
+            </a:r>
+            <a:r>
+              <a:rPr lang="de-CH" dirty="0" err="1"/>
+              <a:t>NetTransferCapacity</a:t>
+            </a:r>
+            <a:r>
+              <a:rPr lang="de-CH" dirty="0"/>
+              <a:t> (NTC)</a:t>
+            </a:r>
           </a:p>
         </p:txBody>
       </p:sp>
@@ -10943,6 +13442,401 @@
           <p:cNvPr id="5" name="think-cell data - do not delete" hidden="1">
             <a:extLst>
               <a:ext uri="{FF2B5EF4-FFF2-40B4-BE49-F238E27FC236}">
+                <a16:creationId xmlns:a16="http://schemas.microsoft.com/office/drawing/2014/main" id="{3FE0F34B-5E1A-EEF0-F362-2C96C86FCA7B}"/>
+              </a:ext>
+            </a:extLst>
+          </p:cNvPr>
+          <p:cNvGraphicFramePr>
+            <a:graphicFrameLocks noChangeAspect="1"/>
+          </p:cNvGraphicFramePr>
+          <p:nvPr>
+            <p:custDataLst>
+              <p:tags r:id="rId1"/>
+            </p:custDataLst>
+            <p:extLst>
+              <p:ext uri="{D42A27DB-BD31-4B8C-83A1-F6EECF244321}">
+                <p14:modId xmlns:p14="http://schemas.microsoft.com/office/powerpoint/2010/main" val="327984720"/>
+              </p:ext>
+            </p:extLst>
+          </p:nvPr>
+        </p:nvGraphicFramePr>
+        <p:xfrm>
+          <a:off x="1588" y="1588"/>
+          <a:ext cx="1588" cy="1588"/>
+        </p:xfrm>
+        <a:graphic>
+          <a:graphicData uri="http://schemas.openxmlformats.org/presentationml/2006/ole">
+            <mc:AlternateContent xmlns:mc="http://schemas.openxmlformats.org/markup-compatibility/2006">
+              <mc:Choice xmlns:v="urn:schemas-microsoft-com:vml" Requires="v">
+                <p:oleObj name="think-cell Folie" r:id="rId3" imgW="353" imgH="318" progId="TCLayout.ActiveDocument.1">
+                  <p:embed/>
+                </p:oleObj>
+              </mc:Choice>
+              <mc:Fallback>
+                <p:oleObj name="think-cell Folie" r:id="rId3" imgW="353" imgH="318" progId="TCLayout.ActiveDocument.1">
+                  <p:embed/>
+                  <p:pic>
+                    <p:nvPicPr>
+                      <p:cNvPr id="0" name=""/>
+                      <p:cNvPicPr/>
+                      <p:nvPr/>
+                    </p:nvPicPr>
+                    <p:blipFill>
+                      <a:blip r:embed="rId4"/>
+                      <a:stretch>
+                        <a:fillRect/>
+                      </a:stretch>
+                    </p:blipFill>
+                    <p:spPr>
+                      <a:xfrm>
+                        <a:off x="1588" y="1588"/>
+                        <a:ext cx="1588" cy="1588"/>
+                      </a:xfrm>
+                      <a:prstGeom prst="rect">
+                        <a:avLst/>
+                      </a:prstGeom>
+                    </p:spPr>
+                  </p:pic>
+                </p:oleObj>
+              </mc:Fallback>
+            </mc:AlternateContent>
+          </a:graphicData>
+        </a:graphic>
+      </p:graphicFrame>
+      <p:sp>
+        <p:nvSpPr>
+          <p:cNvPr id="2" name="Titel 1">
+            <a:extLst>
+              <a:ext uri="{FF2B5EF4-FFF2-40B4-BE49-F238E27FC236}">
+                <a16:creationId xmlns:a16="http://schemas.microsoft.com/office/drawing/2014/main" id="{96E54803-5575-A63D-25C2-BED51CBA2392}"/>
+              </a:ext>
+            </a:extLst>
+          </p:cNvPr>
+          <p:cNvSpPr>
+            <a:spLocks noGrp="1"/>
+          </p:cNvSpPr>
+          <p:nvPr>
+            <p:ph type="title"/>
+          </p:nvPr>
+        </p:nvSpPr>
+        <p:spPr/>
+        <p:txBody>
+          <a:bodyPr vert="horz"/>
+          <a:lstStyle/>
+          <a:p>
+            <a:r>
+              <a:rPr lang="de-CH" dirty="0" err="1"/>
+              <a:t>What</a:t>
+            </a:r>
+            <a:r>
+              <a:rPr lang="de-CH" dirty="0"/>
+              <a:t> </a:t>
+            </a:r>
+            <a:r>
+              <a:rPr lang="de-CH" dirty="0" err="1"/>
+              <a:t>did</a:t>
+            </a:r>
+            <a:r>
+              <a:rPr lang="de-CH" dirty="0"/>
+              <a:t> </a:t>
+            </a:r>
+            <a:r>
+              <a:rPr lang="de-CH" dirty="0" err="1"/>
+              <a:t>we</a:t>
+            </a:r>
+            <a:r>
+              <a:rPr lang="de-CH" dirty="0"/>
+              <a:t> </a:t>
+            </a:r>
+            <a:r>
+              <a:rPr lang="de-CH" dirty="0" err="1"/>
+              <a:t>explore</a:t>
+            </a:r>
+            <a:r>
+              <a:rPr lang="de-CH" dirty="0"/>
+              <a:t>?</a:t>
+            </a:r>
+          </a:p>
+        </p:txBody>
+      </p:sp>
+      <p:pic>
+        <p:nvPicPr>
+          <p:cNvPr id="10" name="Inhaltsplatzhalter 9" descr="Uhr mit einfarbiger Füllung">
+            <a:extLst>
+              <a:ext uri="{FF2B5EF4-FFF2-40B4-BE49-F238E27FC236}">
+                <a16:creationId xmlns:a16="http://schemas.microsoft.com/office/drawing/2014/main" id="{00ED690C-BB28-5ED6-4F01-F5D43CB107EC}"/>
+              </a:ext>
+            </a:extLst>
+          </p:cNvPr>
+          <p:cNvPicPr>
+            <a:picLocks noGrp="1" noChangeAspect="1"/>
+          </p:cNvPicPr>
+          <p:nvPr>
+            <p:ph idx="1"/>
+          </p:nvPr>
+        </p:nvPicPr>
+        <p:blipFill>
+          <a:blip r:embed="rId5">
+            <a:extLst>
+              <a:ext uri="{28A0092B-C50C-407E-A947-70E740481C1C}">
+                <a14:useLocalDpi xmlns:a14="http://schemas.microsoft.com/office/drawing/2010/main" val="0"/>
+              </a:ext>
+              <a:ext uri="{96DAC541-7B7A-43D3-8B79-37D633B846F1}">
+                <asvg:svgBlip xmlns:asvg="http://schemas.microsoft.com/office/drawing/2016/SVG/main" r:embed="rId6"/>
+              </a:ext>
+            </a:extLst>
+          </a:blip>
+          <a:stretch>
+            <a:fillRect/>
+          </a:stretch>
+        </p:blipFill>
+        <p:spPr>
+          <a:xfrm>
+            <a:off x="1616868" y="2855118"/>
+            <a:ext cx="1490663" cy="1490663"/>
+          </a:xfrm>
+        </p:spPr>
+      </p:pic>
+      <p:pic>
+        <p:nvPicPr>
+          <p:cNvPr id="12" name="Grafik 11" descr="Teils sonnig Silhouette">
+            <a:extLst>
+              <a:ext uri="{FF2B5EF4-FFF2-40B4-BE49-F238E27FC236}">
+                <a16:creationId xmlns:a16="http://schemas.microsoft.com/office/drawing/2014/main" id="{C03F3F26-6449-745F-A312-F3B8083EF54D}"/>
+              </a:ext>
+            </a:extLst>
+          </p:cNvPr>
+          <p:cNvPicPr>
+            <a:picLocks noChangeAspect="1"/>
+          </p:cNvPicPr>
+          <p:nvPr/>
+        </p:nvPicPr>
+        <p:blipFill>
+          <a:blip r:embed="rId7">
+            <a:extLst>
+              <a:ext uri="{28A0092B-C50C-407E-A947-70E740481C1C}">
+                <a14:useLocalDpi xmlns:a14="http://schemas.microsoft.com/office/drawing/2010/main" val="0"/>
+              </a:ext>
+              <a:ext uri="{96DAC541-7B7A-43D3-8B79-37D633B846F1}">
+                <asvg:svgBlip xmlns:asvg="http://schemas.microsoft.com/office/drawing/2016/SVG/main" r:embed="rId8"/>
+              </a:ext>
+            </a:extLst>
+          </a:blip>
+          <a:stretch>
+            <a:fillRect/>
+          </a:stretch>
+        </p:blipFill>
+        <p:spPr>
+          <a:xfrm>
+            <a:off x="5019675" y="2762249"/>
+            <a:ext cx="1676400" cy="1676400"/>
+          </a:xfrm>
+          <a:prstGeom prst="rect">
+            <a:avLst/>
+          </a:prstGeom>
+        </p:spPr>
+      </p:pic>
+      <p:pic>
+        <p:nvPicPr>
+          <p:cNvPr id="14" name="Grafik 13" descr="Europa mit einfarbiger Füllung">
+            <a:extLst>
+              <a:ext uri="{FF2B5EF4-FFF2-40B4-BE49-F238E27FC236}">
+                <a16:creationId xmlns:a16="http://schemas.microsoft.com/office/drawing/2014/main" id="{89937344-583A-146C-B492-3A8942393F36}"/>
+              </a:ext>
+            </a:extLst>
+          </p:cNvPr>
+          <p:cNvPicPr>
+            <a:picLocks noChangeAspect="1"/>
+          </p:cNvPicPr>
+          <p:nvPr/>
+        </p:nvPicPr>
+        <p:blipFill>
+          <a:blip r:embed="rId9">
+            <a:extLst>
+              <a:ext uri="{28A0092B-C50C-407E-A947-70E740481C1C}">
+                <a14:useLocalDpi xmlns:a14="http://schemas.microsoft.com/office/drawing/2010/main" val="0"/>
+              </a:ext>
+              <a:ext uri="{96DAC541-7B7A-43D3-8B79-37D633B846F1}">
+                <asvg:svgBlip xmlns:asvg="http://schemas.microsoft.com/office/drawing/2016/SVG/main" r:embed="rId10"/>
+              </a:ext>
+            </a:extLst>
+          </a:blip>
+          <a:stretch>
+            <a:fillRect/>
+          </a:stretch>
+        </p:blipFill>
+        <p:spPr>
+          <a:xfrm>
+            <a:off x="8296275" y="1990725"/>
+            <a:ext cx="2876550" cy="2876550"/>
+          </a:xfrm>
+          <a:prstGeom prst="rect">
+            <a:avLst/>
+          </a:prstGeom>
+        </p:spPr>
+      </p:pic>
+      <p:sp>
+        <p:nvSpPr>
+          <p:cNvPr id="15" name="Textfeld 14">
+            <a:extLst>
+              <a:ext uri="{FF2B5EF4-FFF2-40B4-BE49-F238E27FC236}">
+                <a16:creationId xmlns:a16="http://schemas.microsoft.com/office/drawing/2014/main" id="{6323A807-7307-F326-69C7-0874927646D9}"/>
+              </a:ext>
+            </a:extLst>
+          </p:cNvPr>
+          <p:cNvSpPr txBox="1"/>
+          <p:nvPr/>
+        </p:nvSpPr>
+        <p:spPr>
+          <a:xfrm>
+            <a:off x="1114425" y="5362575"/>
+            <a:ext cx="2495550" cy="369332"/>
+          </a:xfrm>
+          <a:prstGeom prst="rect">
+            <a:avLst/>
+          </a:prstGeom>
+          <a:noFill/>
+        </p:spPr>
+        <p:txBody>
+          <a:bodyPr wrap="square" rtlCol="0">
+            <a:spAutoFit/>
+          </a:bodyPr>
+          <a:lstStyle/>
+          <a:p>
+            <a:pPr algn="ctr"/>
+            <a:r>
+              <a:rPr lang="de-CH" dirty="0"/>
+              <a:t>Time / </a:t>
+            </a:r>
+            <a:r>
+              <a:rPr lang="de-CH" dirty="0" err="1"/>
+              <a:t>Calendar</a:t>
+            </a:r>
+            <a:r>
+              <a:rPr lang="de-CH" dirty="0"/>
+              <a:t> </a:t>
+            </a:r>
+            <a:r>
+              <a:rPr lang="de-CH" dirty="0" err="1"/>
+              <a:t>features</a:t>
+            </a:r>
+            <a:endParaRPr lang="de-CH" dirty="0"/>
+          </a:p>
+        </p:txBody>
+      </p:sp>
+      <p:sp>
+        <p:nvSpPr>
+          <p:cNvPr id="16" name="Textfeld 15">
+            <a:extLst>
+              <a:ext uri="{FF2B5EF4-FFF2-40B4-BE49-F238E27FC236}">
+                <a16:creationId xmlns:a16="http://schemas.microsoft.com/office/drawing/2014/main" id="{67FE1ED9-5A88-4A9A-11E7-834FC080C241}"/>
+              </a:ext>
+            </a:extLst>
+          </p:cNvPr>
+          <p:cNvSpPr txBox="1"/>
+          <p:nvPr/>
+        </p:nvSpPr>
+        <p:spPr>
+          <a:xfrm>
+            <a:off x="4505325" y="5362575"/>
+            <a:ext cx="2495550" cy="369332"/>
+          </a:xfrm>
+          <a:prstGeom prst="rect">
+            <a:avLst/>
+          </a:prstGeom>
+          <a:noFill/>
+        </p:spPr>
+        <p:txBody>
+          <a:bodyPr wrap="square" rtlCol="0">
+            <a:spAutoFit/>
+          </a:bodyPr>
+          <a:lstStyle/>
+          <a:p>
+            <a:pPr algn="ctr"/>
+            <a:r>
+              <a:rPr lang="de-CH" dirty="0" err="1"/>
+              <a:t>Weather</a:t>
+            </a:r>
+            <a:endParaRPr lang="de-CH" dirty="0"/>
+          </a:p>
+        </p:txBody>
+      </p:sp>
+      <p:sp>
+        <p:nvSpPr>
+          <p:cNvPr id="17" name="Textfeld 16">
+            <a:extLst>
+              <a:ext uri="{FF2B5EF4-FFF2-40B4-BE49-F238E27FC236}">
+                <a16:creationId xmlns:a16="http://schemas.microsoft.com/office/drawing/2014/main" id="{0B84CC7C-F7D2-FA0A-DB08-67EFB7A5D780}"/>
+              </a:ext>
+            </a:extLst>
+          </p:cNvPr>
+          <p:cNvSpPr txBox="1"/>
+          <p:nvPr/>
+        </p:nvSpPr>
+        <p:spPr>
+          <a:xfrm>
+            <a:off x="8677275" y="5362575"/>
+            <a:ext cx="2495550" cy="369332"/>
+          </a:xfrm>
+          <a:prstGeom prst="rect">
+            <a:avLst/>
+          </a:prstGeom>
+          <a:noFill/>
+        </p:spPr>
+        <p:txBody>
+          <a:bodyPr wrap="square" rtlCol="0">
+            <a:spAutoFit/>
+          </a:bodyPr>
+          <a:lstStyle/>
+          <a:p>
+            <a:pPr algn="ctr"/>
+            <a:r>
+              <a:rPr lang="de-CH" dirty="0"/>
+              <a:t>Cross-</a:t>
+            </a:r>
+            <a:r>
+              <a:rPr lang="de-CH" dirty="0" err="1"/>
+              <a:t>border</a:t>
+            </a:r>
+            <a:endParaRPr lang="de-CH" dirty="0"/>
+          </a:p>
+        </p:txBody>
+      </p:sp>
+    </p:spTree>
+    <p:extLst>
+      <p:ext uri="{BB962C8B-B14F-4D97-AF65-F5344CB8AC3E}">
+        <p14:creationId xmlns:p14="http://schemas.microsoft.com/office/powerpoint/2010/main" val="1112664239"/>
+      </p:ext>
+    </p:extLst>
+  </p:cSld>
+  <p:clrMapOvr>
+    <a:masterClrMapping/>
+  </p:clrMapOvr>
+</p:sld>
+</file>
+
+<file path=ppt/slides/slide9.xml><?xml version="1.0" encoding="utf-8"?>
+<p:sld xmlns:a="http://schemas.openxmlformats.org/drawingml/2006/main" xmlns:r="http://schemas.openxmlformats.org/officeDocument/2006/relationships" xmlns:p="http://schemas.openxmlformats.org/presentationml/2006/main">
+  <p:cSld>
+    <p:spTree>
+      <p:nvGrpSpPr>
+        <p:cNvPr id="1" name=""/>
+        <p:cNvGrpSpPr/>
+        <p:nvPr/>
+      </p:nvGrpSpPr>
+      <p:grpSpPr>
+        <a:xfrm>
+          <a:off x="0" y="0"/>
+          <a:ext cx="0" cy="0"/>
+          <a:chOff x="0" y="0"/>
+          <a:chExt cx="0" cy="0"/>
+        </a:xfrm>
+      </p:grpSpPr>
+      <p:graphicFrame>
+        <p:nvGraphicFramePr>
+          <p:cNvPr id="5" name="think-cell data - do not delete" hidden="1">
+            <a:extLst>
+              <a:ext uri="{FF2B5EF4-FFF2-40B4-BE49-F238E27FC236}">
                 <a16:creationId xmlns:a16="http://schemas.microsoft.com/office/drawing/2014/main" id="{E496766E-DECC-3602-8DF5-D8A2461F6582}"/>
               </a:ext>
             </a:extLst>
@@ -10956,7 +13850,7 @@
             </p:custDataLst>
             <p:extLst>
               <p:ext uri="{D42A27DB-BD31-4B8C-83A1-F6EECF244321}">
-                <p14:modId xmlns:p14="http://schemas.microsoft.com/office/powerpoint/2010/main" val="1152070729"/>
+                <p14:modId xmlns:p14="http://schemas.microsoft.com/office/powerpoint/2010/main" val="3420984748"/>
               </p:ext>
             </p:extLst>
           </p:nvPr>
@@ -10969,12 +13863,12 @@
           <a:graphicData uri="http://schemas.openxmlformats.org/presentationml/2006/ole">
             <mc:AlternateContent xmlns:mc="http://schemas.openxmlformats.org/markup-compatibility/2006">
               <mc:Choice xmlns:v="urn:schemas-microsoft-com:vml" Requires="v">
-                <p:oleObj name="think-cell Folie" r:id="rId3" imgW="360" imgH="360" progId="TCLayout.ActiveDocument.1">
+                <p:oleObj name="think-cell Folie" r:id="rId4" imgW="360" imgH="360" progId="TCLayout.ActiveDocument.1">
                   <p:embed/>
                 </p:oleObj>
               </mc:Choice>
               <mc:Fallback>
-                <p:oleObj name="think-cell Folie" r:id="rId3" imgW="360" imgH="360" progId="TCLayout.ActiveDocument.1">
+                <p:oleObj name="think-cell Folie" r:id="rId4" imgW="360" imgH="360" progId="TCLayout.ActiveDocument.1">
                   <p:embed/>
                   <p:pic>
                     <p:nvPicPr>
@@ -10983,7 +13877,7 @@
                       <p:nvPr/>
                     </p:nvPicPr>
                     <p:blipFill>
-                      <a:blip r:embed="rId4"/>
+                      <a:blip r:embed="rId5"/>
                       <a:stretch>
                         <a:fillRect/>
                       </a:stretch>
@@ -11026,431 +13920,50 @@
           <a:lstStyle/>
           <a:p>
             <a:r>
-              <a:rPr lang="de-CH" dirty="0" err="1"/>
-              <a:t>Our</a:t>
-            </a:r>
-            <a:r>
               <a:rPr lang="de-CH" dirty="0"/>
-              <a:t> </a:t>
-            </a:r>
-            <a:r>
-              <a:rPr lang="de-CH" dirty="0" err="1"/>
-              <a:t>two</a:t>
-            </a:r>
-            <a:r>
-              <a:rPr lang="de-CH" dirty="0"/>
-              <a:t> </a:t>
-            </a:r>
-            <a:r>
-              <a:rPr lang="de-CH" dirty="0" err="1"/>
-              <a:t>branches</a:t>
-            </a:r>
-            <a:endParaRPr lang="de-CH" dirty="0"/>
+              <a:t>Relevant Features</a:t>
+            </a:r>
           </a:p>
         </p:txBody>
       </p:sp>
-      <p:sp>
-        <p:nvSpPr>
-          <p:cNvPr id="3" name="Inhaltsplatzhalter 2">
+      <p:pic>
+        <p:nvPicPr>
+          <p:cNvPr id="7" name="Inhaltsplatzhalter 6">
             <a:extLst>
               <a:ext uri="{FF2B5EF4-FFF2-40B4-BE49-F238E27FC236}">
-                <a16:creationId xmlns:a16="http://schemas.microsoft.com/office/drawing/2014/main" id="{9730091C-E84F-F214-9034-CAD18B02C335}"/>
+                <a16:creationId xmlns:a16="http://schemas.microsoft.com/office/drawing/2014/main" id="{C7A5A895-612A-DD6F-6438-1F031284F0F7}"/>
               </a:ext>
             </a:extLst>
           </p:cNvPr>
-          <p:cNvSpPr>
-            <a:spLocks noGrp="1"/>
-          </p:cNvSpPr>
+          <p:cNvPicPr>
+            <a:picLocks noGrp="1" noChangeAspect="1"/>
+          </p:cNvPicPr>
           <p:nvPr>
             <p:ph idx="1"/>
           </p:nvPr>
-        </p:nvSpPr>
-        <p:spPr/>
-        <p:txBody>
-          <a:bodyPr/>
-          <a:lstStyle/>
-          <a:p>
-            <a:pPr>
-              <a:buFont typeface="Arial" panose="020B0604020202020204" pitchFamily="34" charset="0"/>
-              <a:buChar char="•"/>
-            </a:pPr>
-            <a:r>
-              <a:rPr lang="de-CH" dirty="0"/>
-              <a:t> Branch </a:t>
-            </a:r>
-            <a:r>
-              <a:rPr lang="de-CH" dirty="0" err="1"/>
-              <a:t>one</a:t>
-            </a:r>
-            <a:r>
-              <a:rPr lang="de-CH" dirty="0"/>
-              <a:t>: Day-</a:t>
-            </a:r>
-            <a:r>
-              <a:rPr lang="de-CH" dirty="0" err="1"/>
-              <a:t>ahead</a:t>
-            </a:r>
-            <a:r>
-              <a:rPr lang="de-CH" dirty="0"/>
-              <a:t> </a:t>
-            </a:r>
-            <a:r>
-              <a:rPr lang="de-CH" dirty="0" err="1"/>
-              <a:t>forecast</a:t>
-            </a:r>
-            <a:r>
-              <a:rPr lang="de-CH" dirty="0"/>
-              <a:t> &lt;</a:t>
-            </a:r>
-            <a:r>
-              <a:rPr lang="de-CH" dirty="0" err="1"/>
-              <a:t>input</a:t>
-            </a:r>
-            <a:r>
-              <a:rPr lang="de-CH" dirty="0"/>
-              <a:t> a </a:t>
-            </a:r>
-            <a:r>
-              <a:rPr lang="de-CH" dirty="0" err="1"/>
-              <a:t>image</a:t>
-            </a:r>
-            <a:r>
-              <a:rPr lang="de-CH" dirty="0"/>
-              <a:t> </a:t>
-            </a:r>
-            <a:r>
-              <a:rPr lang="de-CH" dirty="0" err="1"/>
-              <a:t>with</a:t>
-            </a:r>
-            <a:r>
-              <a:rPr lang="de-CH" dirty="0"/>
-              <a:t> an </a:t>
-            </a:r>
-            <a:r>
-              <a:rPr lang="de-CH" dirty="0" err="1"/>
-              <a:t>arrow</a:t>
-            </a:r>
-            <a:r>
-              <a:rPr lang="de-CH" dirty="0"/>
-              <a:t> </a:t>
-            </a:r>
-            <a:r>
-              <a:rPr lang="de-CH" dirty="0" err="1"/>
-              <a:t>to</a:t>
-            </a:r>
-            <a:r>
-              <a:rPr lang="de-CH" dirty="0"/>
-              <a:t> a date </a:t>
-            </a:r>
-            <a:r>
-              <a:rPr lang="de-CH" dirty="0" err="1"/>
-              <a:t>symbol</a:t>
-            </a:r>
-            <a:r>
-              <a:rPr lang="de-CH" dirty="0"/>
-              <a:t>&gt;</a:t>
-            </a:r>
-          </a:p>
-          <a:p>
-            <a:pPr>
-              <a:buFont typeface="Arial" panose="020B0604020202020204" pitchFamily="34" charset="0"/>
-              <a:buChar char="•"/>
-            </a:pPr>
-            <a:endParaRPr lang="de-CH" dirty="0"/>
-          </a:p>
-          <a:p>
-            <a:pPr>
-              <a:buFont typeface="Arial" panose="020B0604020202020204" pitchFamily="34" charset="0"/>
-              <a:buChar char="•"/>
-            </a:pPr>
-            <a:r>
-              <a:rPr lang="de-CH" dirty="0"/>
-              <a:t> Branch </a:t>
-            </a:r>
-            <a:r>
-              <a:rPr lang="de-CH" dirty="0" err="1"/>
-              <a:t>two</a:t>
-            </a:r>
-            <a:r>
-              <a:rPr lang="de-CH" dirty="0"/>
-              <a:t>: </a:t>
-            </a:r>
-            <a:r>
-              <a:rPr lang="de-CH" dirty="0" err="1"/>
-              <a:t>long</a:t>
-            </a:r>
-            <a:r>
-              <a:rPr lang="de-CH" dirty="0"/>
-              <a:t>-term (</a:t>
-            </a:r>
-            <a:r>
-              <a:rPr lang="de-CH" dirty="0" err="1"/>
-              <a:t>seasonal</a:t>
-            </a:r>
-            <a:r>
-              <a:rPr lang="de-CH" dirty="0"/>
-              <a:t>) </a:t>
-            </a:r>
-            <a:r>
-              <a:rPr lang="de-CH" dirty="0" err="1"/>
-              <a:t>forecast</a:t>
-            </a:r>
-            <a:r>
-              <a:rPr lang="de-CH" dirty="0"/>
-              <a:t> &lt;</a:t>
-            </a:r>
-            <a:r>
-              <a:rPr lang="de-CH" dirty="0" err="1"/>
-              <a:t>image</a:t>
-            </a:r>
-            <a:r>
-              <a:rPr lang="de-CH" dirty="0"/>
-              <a:t> </a:t>
-            </a:r>
-            <a:r>
-              <a:rPr lang="de-CH" dirty="0" err="1"/>
-              <a:t>of</a:t>
-            </a:r>
-            <a:r>
-              <a:rPr lang="de-CH" dirty="0"/>
-              <a:t> a </a:t>
-            </a:r>
-            <a:r>
-              <a:rPr lang="de-CH" dirty="0" err="1"/>
-              <a:t>calendar</a:t>
-            </a:r>
-            <a:r>
-              <a:rPr lang="de-CH" dirty="0"/>
-              <a:t> </a:t>
-            </a:r>
-            <a:r>
-              <a:rPr lang="de-CH" dirty="0" err="1"/>
-              <a:t>marked</a:t>
-            </a:r>
-            <a:r>
-              <a:rPr lang="de-CH" dirty="0"/>
-              <a:t> </a:t>
-            </a:r>
-            <a:r>
-              <a:rPr lang="de-CH" dirty="0" err="1"/>
-              <a:t>with</a:t>
-            </a:r>
-            <a:r>
-              <a:rPr lang="de-CH" dirty="0"/>
-              <a:t> </a:t>
-            </a:r>
-            <a:r>
-              <a:rPr lang="de-CH" dirty="0" err="1"/>
-              <a:t>some</a:t>
-            </a:r>
-            <a:r>
-              <a:rPr lang="de-CH" dirty="0"/>
-              <a:t> </a:t>
-            </a:r>
-            <a:r>
-              <a:rPr lang="de-CH" dirty="0" err="1"/>
-              <a:t>dates</a:t>
-            </a:r>
-            <a:r>
-              <a:rPr lang="de-CH" dirty="0"/>
-              <a:t>&gt;</a:t>
-            </a:r>
-          </a:p>
-        </p:txBody>
-      </p:sp>
+        </p:nvPicPr>
+        <p:blipFill rotWithShape="1">
+          <a:blip r:embed="rId6">
+            <a:extLst>
+              <a:ext uri="{28A0092B-C50C-407E-A947-70E740481C1C}">
+                <a14:useLocalDpi xmlns:a14="http://schemas.microsoft.com/office/drawing/2010/main" val="0"/>
+              </a:ext>
+            </a:extLst>
+          </a:blip>
+          <a:srcRect t="11121"/>
+          <a:stretch/>
+        </p:blipFill>
+        <p:spPr>
+          <a:xfrm>
+            <a:off x="429606" y="1541713"/>
+            <a:ext cx="11228010" cy="5095737"/>
+          </a:xfrm>
+        </p:spPr>
+      </p:pic>
     </p:spTree>
     <p:extLst>
       <p:ext uri="{BB962C8B-B14F-4D97-AF65-F5344CB8AC3E}">
         <p14:creationId xmlns:p14="http://schemas.microsoft.com/office/powerpoint/2010/main" val="3515130707"/>
-      </p:ext>
-    </p:extLst>
-  </p:cSld>
-  <p:clrMapOvr>
-    <a:masterClrMapping/>
-  </p:clrMapOvr>
-</p:sld>
-</file>
-
-<file path=ppt/slides/slide9.xml><?xml version="1.0" encoding="utf-8"?>
-<p:sld xmlns:a="http://schemas.openxmlformats.org/drawingml/2006/main" xmlns:r="http://schemas.openxmlformats.org/officeDocument/2006/relationships" xmlns:p="http://schemas.openxmlformats.org/presentationml/2006/main">
-  <p:cSld>
-    <p:spTree>
-      <p:nvGrpSpPr>
-        <p:cNvPr id="1" name=""/>
-        <p:cNvGrpSpPr/>
-        <p:nvPr/>
-      </p:nvGrpSpPr>
-      <p:grpSpPr>
-        <a:xfrm>
-          <a:off x="0" y="0"/>
-          <a:ext cx="0" cy="0"/>
-          <a:chOff x="0" y="0"/>
-          <a:chExt cx="0" cy="0"/>
-        </a:xfrm>
-      </p:grpSpPr>
-      <p:graphicFrame>
-        <p:nvGraphicFramePr>
-          <p:cNvPr id="5" name="think-cell data - do not delete" hidden="1">
-            <a:extLst>
-              <a:ext uri="{FF2B5EF4-FFF2-40B4-BE49-F238E27FC236}">
-                <a16:creationId xmlns:a16="http://schemas.microsoft.com/office/drawing/2014/main" id="{03AF725D-DFD5-DD6D-0817-975A0EBE5A88}"/>
-              </a:ext>
-            </a:extLst>
-          </p:cNvPr>
-          <p:cNvGraphicFramePr>
-            <a:graphicFrameLocks noChangeAspect="1"/>
-          </p:cNvGraphicFramePr>
-          <p:nvPr>
-            <p:custDataLst>
-              <p:tags r:id="rId1"/>
-            </p:custDataLst>
-            <p:extLst>
-              <p:ext uri="{D42A27DB-BD31-4B8C-83A1-F6EECF244321}">
-                <p14:modId xmlns:p14="http://schemas.microsoft.com/office/powerpoint/2010/main" val="858075720"/>
-              </p:ext>
-            </p:extLst>
-          </p:nvPr>
-        </p:nvGraphicFramePr>
-        <p:xfrm>
-          <a:off x="1588" y="1588"/>
-          <a:ext cx="1588" cy="1588"/>
-        </p:xfrm>
-        <a:graphic>
-          <a:graphicData uri="http://schemas.openxmlformats.org/presentationml/2006/ole">
-            <mc:AlternateContent xmlns:mc="http://schemas.openxmlformats.org/markup-compatibility/2006">
-              <mc:Choice xmlns:v="urn:schemas-microsoft-com:vml" Requires="v">
-                <p:oleObj name="think-cell Folie" r:id="rId3" imgW="360" imgH="360" progId="TCLayout.ActiveDocument.1">
-                  <p:embed/>
-                </p:oleObj>
-              </mc:Choice>
-              <mc:Fallback>
-                <p:oleObj name="think-cell Folie" r:id="rId3" imgW="360" imgH="360" progId="TCLayout.ActiveDocument.1">
-                  <p:embed/>
-                  <p:pic>
-                    <p:nvPicPr>
-                      <p:cNvPr id="0" name=""/>
-                      <p:cNvPicPr/>
-                      <p:nvPr/>
-                    </p:nvPicPr>
-                    <p:blipFill>
-                      <a:blip r:embed="rId4"/>
-                      <a:stretch>
-                        <a:fillRect/>
-                      </a:stretch>
-                    </p:blipFill>
-                    <p:spPr>
-                      <a:xfrm>
-                        <a:off x="1588" y="1588"/>
-                        <a:ext cx="1588" cy="1588"/>
-                      </a:xfrm>
-                      <a:prstGeom prst="rect">
-                        <a:avLst/>
-                      </a:prstGeom>
-                    </p:spPr>
-                  </p:pic>
-                </p:oleObj>
-              </mc:Fallback>
-            </mc:AlternateContent>
-          </a:graphicData>
-        </a:graphic>
-      </p:graphicFrame>
-      <p:sp>
-        <p:nvSpPr>
-          <p:cNvPr id="2" name="Titel 1">
-            <a:extLst>
-              <a:ext uri="{FF2B5EF4-FFF2-40B4-BE49-F238E27FC236}">
-                <a16:creationId xmlns:a16="http://schemas.microsoft.com/office/drawing/2014/main" id="{CC671526-B9FF-D136-9779-C875F8FDECE8}"/>
-              </a:ext>
-            </a:extLst>
-          </p:cNvPr>
-          <p:cNvSpPr>
-            <a:spLocks noGrp="1"/>
-          </p:cNvSpPr>
-          <p:nvPr>
-            <p:ph type="title"/>
-          </p:nvPr>
-        </p:nvSpPr>
-        <p:spPr/>
-        <p:txBody>
-          <a:bodyPr vert="horz"/>
-          <a:lstStyle/>
-          <a:p>
-            <a:r>
-              <a:rPr lang="de-CH" dirty="0"/>
-              <a:t>Day-</a:t>
-            </a:r>
-            <a:r>
-              <a:rPr lang="de-CH" dirty="0" err="1"/>
-              <a:t>ahead</a:t>
-            </a:r>
-            <a:r>
-              <a:rPr lang="de-CH" dirty="0"/>
-              <a:t> </a:t>
-            </a:r>
-            <a:r>
-              <a:rPr lang="de-CH" dirty="0" err="1"/>
-              <a:t>forecast</a:t>
-            </a:r>
-            <a:endParaRPr lang="de-CH" dirty="0"/>
-          </a:p>
-        </p:txBody>
-      </p:sp>
-      <p:sp>
-        <p:nvSpPr>
-          <p:cNvPr id="3" name="Inhaltsplatzhalter 2">
-            <a:extLst>
-              <a:ext uri="{FF2B5EF4-FFF2-40B4-BE49-F238E27FC236}">
-                <a16:creationId xmlns:a16="http://schemas.microsoft.com/office/drawing/2014/main" id="{1338E62E-D828-C878-0868-E34EF0E23E67}"/>
-              </a:ext>
-            </a:extLst>
-          </p:cNvPr>
-          <p:cNvSpPr>
-            <a:spLocks noGrp="1"/>
-          </p:cNvSpPr>
-          <p:nvPr>
-            <p:ph idx="1"/>
-          </p:nvPr>
-        </p:nvSpPr>
-        <p:spPr/>
-        <p:txBody>
-          <a:bodyPr/>
-          <a:lstStyle/>
-          <a:p>
-            <a:r>
-              <a:rPr lang="de-CH" dirty="0"/>
-              <a:t>&lt;</a:t>
-            </a:r>
-            <a:r>
-              <a:rPr lang="de-CH" dirty="0" err="1"/>
-              <a:t>images</a:t>
-            </a:r>
-            <a:r>
-              <a:rPr lang="de-CH" dirty="0"/>
-              <a:t>, </a:t>
-            </a:r>
-            <a:r>
-              <a:rPr lang="de-CH" dirty="0" err="1"/>
-              <a:t>text</a:t>
-            </a:r>
-            <a:r>
-              <a:rPr lang="de-CH" dirty="0"/>
-              <a:t>, </a:t>
-            </a:r>
-            <a:r>
-              <a:rPr lang="de-CH" dirty="0" err="1"/>
-              <a:t>data</a:t>
-            </a:r>
-            <a:r>
-              <a:rPr lang="de-CH" dirty="0"/>
-              <a:t>&gt;</a:t>
-            </a:r>
-          </a:p>
-        </p:txBody>
-      </p:sp>
-    </p:spTree>
-    <p:extLst>
-      <p:ext uri="{BB962C8B-B14F-4D97-AF65-F5344CB8AC3E}">
-        <p14:creationId xmlns:p14="http://schemas.microsoft.com/office/powerpoint/2010/main" val="257862910"/>
       </p:ext>
     </p:extLst>
   </p:cSld>
@@ -11508,7 +14021,37 @@
 </p:tagLst>
 </file>
 
+<file path=ppt/tags/tag17.xml><?xml version="1.0" encoding="utf-8"?>
+<p:tagLst xmlns:a="http://schemas.openxmlformats.org/drawingml/2006/main" xmlns:r="http://schemas.openxmlformats.org/officeDocument/2006/relationships" xmlns:p="http://schemas.openxmlformats.org/presentationml/2006/main">
+  <p:tag name="THINKCELLSHAPEDONOTDELETE" val="thinkcellActiveDocDoNotDelete"/>
+</p:tagLst>
+</file>
+
+<file path=ppt/tags/tag18.xml><?xml version="1.0" encoding="utf-8"?>
+<p:tagLst xmlns:a="http://schemas.openxmlformats.org/drawingml/2006/main" xmlns:r="http://schemas.openxmlformats.org/officeDocument/2006/relationships" xmlns:p="http://schemas.openxmlformats.org/presentationml/2006/main">
+  <p:tag name="THINKCELLSHAPEDONOTDELETE" val="thinkcellActiveDocDoNotDelete"/>
+</p:tagLst>
+</file>
+
+<file path=ppt/tags/tag19.xml><?xml version="1.0" encoding="utf-8"?>
+<p:tagLst xmlns:a="http://schemas.openxmlformats.org/drawingml/2006/main" xmlns:r="http://schemas.openxmlformats.org/officeDocument/2006/relationships" xmlns:p="http://schemas.openxmlformats.org/presentationml/2006/main">
+  <p:tag name="THINKCELLSHAPEDONOTDELETE" val="thinkcellActiveDocDoNotDelete"/>
+</p:tagLst>
+</file>
+
 <file path=ppt/tags/tag2.xml><?xml version="1.0" encoding="utf-8"?>
+<p:tagLst xmlns:a="http://schemas.openxmlformats.org/drawingml/2006/main" xmlns:r="http://schemas.openxmlformats.org/officeDocument/2006/relationships" xmlns:p="http://schemas.openxmlformats.org/presentationml/2006/main">
+  <p:tag name="THINKCELLSHAPEDONOTDELETE" val="thinkcellActiveDocDoNotDelete"/>
+</p:tagLst>
+</file>
+
+<file path=ppt/tags/tag20.xml><?xml version="1.0" encoding="utf-8"?>
+<p:tagLst xmlns:a="http://schemas.openxmlformats.org/drawingml/2006/main" xmlns:r="http://schemas.openxmlformats.org/officeDocument/2006/relationships" xmlns:p="http://schemas.openxmlformats.org/presentationml/2006/main">
+  <p:tag name="THINKCELLSHAPEDONOTDELETE" val="thinkcellActiveDocDoNotDelete"/>
+</p:tagLst>
+</file>
+
+<file path=ppt/tags/tag21.xml><?xml version="1.0" encoding="utf-8"?>
 <p:tagLst xmlns:a="http://schemas.openxmlformats.org/drawingml/2006/main" xmlns:r="http://schemas.openxmlformats.org/officeDocument/2006/relationships" xmlns:p="http://schemas.openxmlformats.org/presentationml/2006/main">
   <p:tag name="THINKCELLSHAPEDONOTDELETE" val="thinkcellActiveDocDoNotDelete"/>
 </p:tagLst>
@@ -11793,6 +14336,301 @@
 </a:theme>
 </file>
 
+<file path=ppt/theme/theme2.xml><?xml version="1.0" encoding="utf-8"?>
+<a:theme xmlns:a="http://schemas.openxmlformats.org/drawingml/2006/main" name="Office">
+  <a:themeElements>
+    <a:clrScheme name="Office">
+      <a:dk1>
+        <a:sysClr val="windowText" lastClr="000000"/>
+      </a:dk1>
+      <a:lt1>
+        <a:sysClr val="window" lastClr="FFFFFF"/>
+      </a:lt1>
+      <a:dk2>
+        <a:srgbClr val="44546A"/>
+      </a:dk2>
+      <a:lt2>
+        <a:srgbClr val="E7E6E6"/>
+      </a:lt2>
+      <a:accent1>
+        <a:srgbClr val="4472C4"/>
+      </a:accent1>
+      <a:accent2>
+        <a:srgbClr val="ED7D31"/>
+      </a:accent2>
+      <a:accent3>
+        <a:srgbClr val="A5A5A5"/>
+      </a:accent3>
+      <a:accent4>
+        <a:srgbClr val="FFC000"/>
+      </a:accent4>
+      <a:accent5>
+        <a:srgbClr val="5B9BD5"/>
+      </a:accent5>
+      <a:accent6>
+        <a:srgbClr val="70AD47"/>
+      </a:accent6>
+      <a:hlink>
+        <a:srgbClr val="0563C1"/>
+      </a:hlink>
+      <a:folHlink>
+        <a:srgbClr val="954F72"/>
+      </a:folHlink>
+    </a:clrScheme>
+    <a:fontScheme name="Office">
+      <a:majorFont>
+        <a:latin typeface="Calibri Light" panose="020F0302020204030204"/>
+        <a:ea typeface=""/>
+        <a:cs typeface=""/>
+        <a:font script="Jpan" typeface="游ゴシック Light"/>
+        <a:font script="Hang" typeface="맑은 고딕"/>
+        <a:font script="Hans" typeface="等线 Light"/>
+        <a:font script="Hant" typeface="新細明體"/>
+        <a:font script="Arab" typeface="Times New Roman"/>
+        <a:font script="Hebr" typeface="Times New Roman"/>
+        <a:font script="Thai" typeface="Angsana New"/>
+        <a:font script="Ethi" typeface="Nyala"/>
+        <a:font script="Beng" typeface="Vrinda"/>
+        <a:font script="Gujr" typeface="Shruti"/>
+        <a:font script="Khmr" typeface="MoolBoran"/>
+        <a:font script="Knda" typeface="Tunga"/>
+        <a:font script="Guru" typeface="Raavi"/>
+        <a:font script="Cans" typeface="Euphemia"/>
+        <a:font script="Cher" typeface="Plantagenet Cherokee"/>
+        <a:font script="Yiii" typeface="Microsoft Yi Baiti"/>
+        <a:font script="Tibt" typeface="Microsoft Himalaya"/>
+        <a:font script="Thaa" typeface="MV Boli"/>
+        <a:font script="Deva" typeface="Mangal"/>
+        <a:font script="Telu" typeface="Gautami"/>
+        <a:font script="Taml" typeface="Latha"/>
+        <a:font script="Syrc" typeface="Estrangelo Edessa"/>
+        <a:font script="Orya" typeface="Kalinga"/>
+        <a:font script="Mlym" typeface="Kartika"/>
+        <a:font script="Laoo" typeface="DokChampa"/>
+        <a:font script="Sinh" typeface="Iskoola Pota"/>
+        <a:font script="Mong" typeface="Mongolian Baiti"/>
+        <a:font script="Viet" typeface="Times New Roman"/>
+        <a:font script="Uigh" typeface="Microsoft Uighur"/>
+        <a:font script="Geor" typeface="Sylfaen"/>
+        <a:font script="Armn" typeface="Arial"/>
+        <a:font script="Bugi" typeface="Leelawadee UI"/>
+        <a:font script="Bopo" typeface="Microsoft JhengHei"/>
+        <a:font script="Java" typeface="Javanese Text"/>
+        <a:font script="Lisu" typeface="Segoe UI"/>
+        <a:font script="Mymr" typeface="Myanmar Text"/>
+        <a:font script="Nkoo" typeface="Ebrima"/>
+        <a:font script="Olck" typeface="Nirmala UI"/>
+        <a:font script="Osma" typeface="Ebrima"/>
+        <a:font script="Phag" typeface="Phagspa"/>
+        <a:font script="Syrn" typeface="Estrangelo Edessa"/>
+        <a:font script="Syrj" typeface="Estrangelo Edessa"/>
+        <a:font script="Syre" typeface="Estrangelo Edessa"/>
+        <a:font script="Sora" typeface="Nirmala UI"/>
+        <a:font script="Tale" typeface="Microsoft Tai Le"/>
+        <a:font script="Talu" typeface="Microsoft New Tai Lue"/>
+        <a:font script="Tfng" typeface="Ebrima"/>
+      </a:majorFont>
+      <a:minorFont>
+        <a:latin typeface="Calibri" panose="020F0502020204030204"/>
+        <a:ea typeface=""/>
+        <a:cs typeface=""/>
+        <a:font script="Jpan" typeface="游ゴシック"/>
+        <a:font script="Hang" typeface="맑은 고딕"/>
+        <a:font script="Hans" typeface="等线"/>
+        <a:font script="Hant" typeface="新細明體"/>
+        <a:font script="Arab" typeface="Arial"/>
+        <a:font script="Hebr" typeface="Arial"/>
+        <a:font script="Thai" typeface="Cordia New"/>
+        <a:font script="Ethi" typeface="Nyala"/>
+        <a:font script="Beng" typeface="Vrinda"/>
+        <a:font script="Gujr" typeface="Shruti"/>
+        <a:font script="Khmr" typeface="DaunPenh"/>
+        <a:font script="Knda" typeface="Tunga"/>
+        <a:font script="Guru" typeface="Raavi"/>
+        <a:font script="Cans" typeface="Euphemia"/>
+        <a:font script="Cher" typeface="Plantagenet Cherokee"/>
+        <a:font script="Yiii" typeface="Microsoft Yi Baiti"/>
+        <a:font script="Tibt" typeface="Microsoft Himalaya"/>
+        <a:font script="Thaa" typeface="MV Boli"/>
+        <a:font script="Deva" typeface="Mangal"/>
+        <a:font script="Telu" typeface="Gautami"/>
+        <a:font script="Taml" typeface="Latha"/>
+        <a:font script="Syrc" typeface="Estrangelo Edessa"/>
+        <a:font script="Orya" typeface="Kalinga"/>
+        <a:font script="Mlym" typeface="Kartika"/>
+        <a:font script="Laoo" typeface="DokChampa"/>
+        <a:font script="Sinh" typeface="Iskoola Pota"/>
+        <a:font script="Mong" typeface="Mongolian Baiti"/>
+        <a:font script="Viet" typeface="Arial"/>
+        <a:font script="Uigh" typeface="Microsoft Uighur"/>
+        <a:font script="Geor" typeface="Sylfaen"/>
+        <a:font script="Armn" typeface="Arial"/>
+        <a:font script="Bugi" typeface="Leelawadee UI"/>
+        <a:font script="Bopo" typeface="Microsoft JhengHei"/>
+        <a:font script="Java" typeface="Javanese Text"/>
+        <a:font script="Lisu" typeface="Segoe UI"/>
+        <a:font script="Mymr" typeface="Myanmar Text"/>
+        <a:font script="Nkoo" typeface="Ebrima"/>
+        <a:font script="Olck" typeface="Nirmala UI"/>
+        <a:font script="Osma" typeface="Ebrima"/>
+        <a:font script="Phag" typeface="Phagspa"/>
+        <a:font script="Syrn" typeface="Estrangelo Edessa"/>
+        <a:font script="Syrj" typeface="Estrangelo Edessa"/>
+        <a:font script="Syre" typeface="Estrangelo Edessa"/>
+        <a:font script="Sora" typeface="Nirmala UI"/>
+        <a:font script="Tale" typeface="Microsoft Tai Le"/>
+        <a:font script="Talu" typeface="Microsoft New Tai Lue"/>
+        <a:font script="Tfng" typeface="Ebrima"/>
+      </a:minorFont>
+    </a:fontScheme>
+    <a:fmtScheme name="Office">
+      <a:fillStyleLst>
+        <a:solidFill>
+          <a:schemeClr val="phClr"/>
+        </a:solidFill>
+        <a:gradFill rotWithShape="1">
+          <a:gsLst>
+            <a:gs pos="0">
+              <a:schemeClr val="phClr">
+                <a:lumMod val="110000"/>
+                <a:satMod val="105000"/>
+                <a:tint val="67000"/>
+              </a:schemeClr>
+            </a:gs>
+            <a:gs pos="50000">
+              <a:schemeClr val="phClr">
+                <a:lumMod val="105000"/>
+                <a:satMod val="103000"/>
+                <a:tint val="73000"/>
+              </a:schemeClr>
+            </a:gs>
+            <a:gs pos="100000">
+              <a:schemeClr val="phClr">
+                <a:lumMod val="105000"/>
+                <a:satMod val="109000"/>
+                <a:tint val="81000"/>
+              </a:schemeClr>
+            </a:gs>
+          </a:gsLst>
+          <a:lin ang="5400000" scaled="0"/>
+        </a:gradFill>
+        <a:gradFill rotWithShape="1">
+          <a:gsLst>
+            <a:gs pos="0">
+              <a:schemeClr val="phClr">
+                <a:satMod val="103000"/>
+                <a:lumMod val="102000"/>
+                <a:tint val="94000"/>
+              </a:schemeClr>
+            </a:gs>
+            <a:gs pos="50000">
+              <a:schemeClr val="phClr">
+                <a:satMod val="110000"/>
+                <a:lumMod val="100000"/>
+                <a:shade val="100000"/>
+              </a:schemeClr>
+            </a:gs>
+            <a:gs pos="100000">
+              <a:schemeClr val="phClr">
+                <a:lumMod val="99000"/>
+                <a:satMod val="120000"/>
+                <a:shade val="78000"/>
+              </a:schemeClr>
+            </a:gs>
+          </a:gsLst>
+          <a:lin ang="5400000" scaled="0"/>
+        </a:gradFill>
+      </a:fillStyleLst>
+      <a:lnStyleLst>
+        <a:ln w="6350" cap="flat" cmpd="sng" algn="ctr">
+          <a:solidFill>
+            <a:schemeClr val="phClr"/>
+          </a:solidFill>
+          <a:prstDash val="solid"/>
+          <a:miter lim="800000"/>
+        </a:ln>
+        <a:ln w="12700" cap="flat" cmpd="sng" algn="ctr">
+          <a:solidFill>
+            <a:schemeClr val="phClr"/>
+          </a:solidFill>
+          <a:prstDash val="solid"/>
+          <a:miter lim="800000"/>
+        </a:ln>
+        <a:ln w="19050" cap="flat" cmpd="sng" algn="ctr">
+          <a:solidFill>
+            <a:schemeClr val="phClr"/>
+          </a:solidFill>
+          <a:prstDash val="solid"/>
+          <a:miter lim="800000"/>
+        </a:ln>
+      </a:lnStyleLst>
+      <a:effectStyleLst>
+        <a:effectStyle>
+          <a:effectLst/>
+        </a:effectStyle>
+        <a:effectStyle>
+          <a:effectLst/>
+        </a:effectStyle>
+        <a:effectStyle>
+          <a:effectLst>
+            <a:outerShdw blurRad="57150" dist="19050" dir="5400000" algn="ctr" rotWithShape="0">
+              <a:srgbClr val="000000">
+                <a:alpha val="63000"/>
+              </a:srgbClr>
+            </a:outerShdw>
+          </a:effectLst>
+        </a:effectStyle>
+      </a:effectStyleLst>
+      <a:bgFillStyleLst>
+        <a:solidFill>
+          <a:schemeClr val="phClr"/>
+        </a:solidFill>
+        <a:solidFill>
+          <a:schemeClr val="phClr">
+            <a:tint val="95000"/>
+            <a:satMod val="170000"/>
+          </a:schemeClr>
+        </a:solidFill>
+        <a:gradFill rotWithShape="1">
+          <a:gsLst>
+            <a:gs pos="0">
+              <a:schemeClr val="phClr">
+                <a:tint val="93000"/>
+                <a:satMod val="150000"/>
+                <a:shade val="98000"/>
+                <a:lumMod val="102000"/>
+              </a:schemeClr>
+            </a:gs>
+            <a:gs pos="50000">
+              <a:schemeClr val="phClr">
+                <a:tint val="98000"/>
+                <a:satMod val="130000"/>
+                <a:shade val="90000"/>
+                <a:lumMod val="103000"/>
+              </a:schemeClr>
+            </a:gs>
+            <a:gs pos="100000">
+              <a:schemeClr val="phClr">
+                <a:shade val="63000"/>
+                <a:satMod val="120000"/>
+              </a:schemeClr>
+            </a:gs>
+          </a:gsLst>
+          <a:lin ang="5400000" scaled="0"/>
+        </a:gradFill>
+      </a:bgFillStyleLst>
+    </a:fmtScheme>
+  </a:themeElements>
+  <a:objectDefaults/>
+  <a:extraClrSchemeLst/>
+  <a:extLst>
+    <a:ext uri="{05A4C25C-085E-4340-85A3-A5531E510DB2}">
+      <thm15:themeFamily xmlns:thm15="http://schemas.microsoft.com/office/thememl/2012/main" name="Office Theme" id="{62F939B6-93AF-4DB8-9C6B-D6C7DFDC589F}" vid="{4A3C46E8-61CC-4603-A589-7422A47A8E4A}"/>
+    </a:ext>
+  </a:extLst>
+</a:theme>
+</file>
+
 <file path=ppt/webextensions/taskpanes.xml><?xml version="1.0" encoding="utf-8"?>
 <wetp:taskpanes xmlns:wetp="http://schemas.microsoft.com/office/webextensions/taskpanes/2010/11">
   <wetp:taskpane dockstate="right" visibility="0" width="350" row="0">
